--- a/Social Factor in the Philippines (PPT).pptx
+++ b/Social Factor in the Philippines (PPT).pptx
@@ -13,15 +13,15 @@
     <p:sldId id="257" r:id="rId4"/>
     <p:sldId id="333" r:id="rId5"/>
     <p:sldId id="258" r:id="rId6"/>
-    <p:sldId id="259" r:id="rId7"/>
-    <p:sldId id="320" r:id="rId8"/>
-    <p:sldId id="322" r:id="rId9"/>
-    <p:sldId id="321" r:id="rId10"/>
-    <p:sldId id="323" r:id="rId11"/>
-    <p:sldId id="324" r:id="rId12"/>
-    <p:sldId id="325" r:id="rId13"/>
-    <p:sldId id="326" r:id="rId14"/>
-    <p:sldId id="327" r:id="rId15"/>
+    <p:sldId id="325" r:id="rId7"/>
+    <p:sldId id="327" r:id="rId8"/>
+    <p:sldId id="324" r:id="rId9"/>
+    <p:sldId id="335" r:id="rId10"/>
+    <p:sldId id="320" r:id="rId11"/>
+    <p:sldId id="322" r:id="rId12"/>
+    <p:sldId id="321" r:id="rId13"/>
+    <p:sldId id="323" r:id="rId14"/>
+    <p:sldId id="326" r:id="rId15"/>
     <p:sldId id="329" r:id="rId16"/>
     <p:sldId id="328" r:id="rId17"/>
   </p:sldIdLst>
@@ -256,6 +256,11 @@
       </a:defRPr>
     </a:lvl9pPr>
   </p:defaultTextStyle>
+  <p:extLst>
+    <p:ext uri="{EFAFB233-063F-42B5-8137-9DF3F51BA10A}">
+      <p15:sldGuideLst xmlns:p15="http://schemas.microsoft.com/office/powerpoint/2012/main"/>
+    </p:ext>
+  </p:extLst>
 </p:presentation>
 </file>
 
@@ -903,7 +908,7 @@
     </p:spTree>
     <p:extLst>
       <p:ext uri="{BB962C8B-B14F-4D97-AF65-F5344CB8AC3E}">
-        <p14:creationId xmlns:p14="http://schemas.microsoft.com/office/powerpoint/2010/main" val="418632276"/>
+        <p14:creationId xmlns:p14="http://schemas.microsoft.com/office/powerpoint/2010/main" val="128263818"/>
       </p:ext>
     </p:extLst>
   </p:cSld>
@@ -1012,7 +1017,7 @@
     </p:spTree>
     <p:extLst>
       <p:ext uri="{BB962C8B-B14F-4D97-AF65-F5344CB8AC3E}">
-        <p14:creationId xmlns:p14="http://schemas.microsoft.com/office/powerpoint/2010/main" val="3697283282"/>
+        <p14:creationId xmlns:p14="http://schemas.microsoft.com/office/powerpoint/2010/main" val="3613312605"/>
       </p:ext>
     </p:extLst>
   </p:cSld>
@@ -1121,7 +1126,7 @@
     </p:spTree>
     <p:extLst>
       <p:ext uri="{BB962C8B-B14F-4D97-AF65-F5344CB8AC3E}">
-        <p14:creationId xmlns:p14="http://schemas.microsoft.com/office/powerpoint/2010/main" val="353619393"/>
+        <p14:creationId xmlns:p14="http://schemas.microsoft.com/office/powerpoint/2010/main" val="3988016964"/>
       </p:ext>
     </p:extLst>
   </p:cSld>
@@ -1230,7 +1235,7 @@
     </p:spTree>
     <p:extLst>
       <p:ext uri="{BB962C8B-B14F-4D97-AF65-F5344CB8AC3E}">
-        <p14:creationId xmlns:p14="http://schemas.microsoft.com/office/powerpoint/2010/main" val="1997616698"/>
+        <p14:creationId xmlns:p14="http://schemas.microsoft.com/office/powerpoint/2010/main" val="418632276"/>
       </p:ext>
     </p:extLst>
   </p:cSld>
@@ -1339,7 +1344,7 @@
     </p:spTree>
     <p:extLst>
       <p:ext uri="{BB962C8B-B14F-4D97-AF65-F5344CB8AC3E}">
-        <p14:creationId xmlns:p14="http://schemas.microsoft.com/office/powerpoint/2010/main" val="1214434147"/>
+        <p14:creationId xmlns:p14="http://schemas.microsoft.com/office/powerpoint/2010/main" val="1997616698"/>
       </p:ext>
     </p:extLst>
   </p:cSld>
@@ -2090,6 +2095,11 @@
         </p:txBody>
       </p:sp>
     </p:spTree>
+    <p:extLst>
+      <p:ext uri="{BB962C8B-B14F-4D97-AF65-F5344CB8AC3E}">
+        <p14:creationId xmlns:p14="http://schemas.microsoft.com/office/powerpoint/2010/main" val="353619393"/>
+      </p:ext>
+    </p:extLst>
   </p:cSld>
   <p:clrMapOvr>
     <a:masterClrMapping/>
@@ -2196,7 +2206,7 @@
     </p:spTree>
     <p:extLst>
       <p:ext uri="{BB962C8B-B14F-4D97-AF65-F5344CB8AC3E}">
-        <p14:creationId xmlns:p14="http://schemas.microsoft.com/office/powerpoint/2010/main" val="128263818"/>
+        <p14:creationId xmlns:p14="http://schemas.microsoft.com/office/powerpoint/2010/main" val="1214434147"/>
       </p:ext>
     </p:extLst>
   </p:cSld>
@@ -2305,7 +2315,7 @@
     </p:spTree>
     <p:extLst>
       <p:ext uri="{BB962C8B-B14F-4D97-AF65-F5344CB8AC3E}">
-        <p14:creationId xmlns:p14="http://schemas.microsoft.com/office/powerpoint/2010/main" val="3613312605"/>
+        <p14:creationId xmlns:p14="http://schemas.microsoft.com/office/powerpoint/2010/main" val="3697283282"/>
       </p:ext>
     </p:extLst>
   </p:cSld>
@@ -2414,7 +2424,7 @@
     </p:spTree>
     <p:extLst>
       <p:ext uri="{BB962C8B-B14F-4D97-AF65-F5344CB8AC3E}">
-        <p14:creationId xmlns:p14="http://schemas.microsoft.com/office/powerpoint/2010/main" val="3988016964"/>
+        <p14:creationId xmlns:p14="http://schemas.microsoft.com/office/powerpoint/2010/main" val="3943245522"/>
       </p:ext>
     </p:extLst>
   </p:cSld>
@@ -9096,6 +9106,1402 @@
         </p:nvGrpSpPr>
         <p:grpSpPr>
           <a:xfrm rot="2700000">
+            <a:off x="8505126" y="794763"/>
+            <a:ext cx="328648" cy="328648"/>
+            <a:chOff x="3006065" y="-1115369"/>
+            <a:chExt cx="757955" cy="757955"/>
+          </a:xfrm>
+          <a:solidFill>
+            <a:schemeClr val="bg1"/>
+          </a:solidFill>
+        </p:grpSpPr>
+        <p:grpSp>
+          <p:nvGrpSpPr>
+            <p:cNvPr id="377" name="Google Shape;377;p39"/>
+            <p:cNvGrpSpPr/>
+            <p:nvPr/>
+          </p:nvGrpSpPr>
+          <p:grpSpPr>
+            <a:xfrm rot="-5400000">
+              <a:off x="3006065" y="-797866"/>
+              <a:ext cx="440452" cy="440452"/>
+              <a:chOff x="1853525" y="303875"/>
+              <a:chExt cx="634200" cy="634200"/>
+            </a:xfrm>
+            <a:grpFill/>
+          </p:grpSpPr>
+          <p:sp>
+            <p:nvSpPr>
+              <p:cNvPr id="378" name="Google Shape;378;p39"/>
+              <p:cNvSpPr/>
+              <p:nvPr/>
+            </p:nvSpPr>
+            <p:spPr>
+              <a:xfrm>
+                <a:off x="1853525" y="804875"/>
+                <a:ext cx="634200" cy="133200"/>
+              </a:xfrm>
+              <a:prstGeom prst="rect">
+                <a:avLst/>
+              </a:prstGeom>
+              <a:grpFill/>
+              <a:ln>
+                <a:noFill/>
+              </a:ln>
+            </p:spPr>
+            <p:txBody>
+              <a:bodyPr spcFirstLastPara="1" wrap="square" lIns="91425" tIns="91425" rIns="91425" bIns="91425" anchor="ctr" anchorCtr="0">
+                <a:noAutofit/>
+              </a:bodyPr>
+              <a:lstStyle/>
+              <a:p>
+                <a:pPr marL="0" lvl="0" indent="0" algn="l" rtl="0">
+                  <a:spcBef>
+                    <a:spcPts val="0"/>
+                  </a:spcBef>
+                  <a:spcAft>
+                    <a:spcPts val="0"/>
+                  </a:spcAft>
+                  <a:buNone/>
+                </a:pPr>
+                <a:endParaRPr>
+                  <a:solidFill>
+                    <a:schemeClr val="bg1"/>
+                  </a:solidFill>
+                </a:endParaRPr>
+              </a:p>
+            </p:txBody>
+          </p:sp>
+          <p:sp>
+            <p:nvSpPr>
+              <p:cNvPr id="379" name="Google Shape;379;p39"/>
+              <p:cNvSpPr/>
+              <p:nvPr/>
+            </p:nvSpPr>
+            <p:spPr>
+              <a:xfrm rot="5400000">
+                <a:off x="2104025" y="554375"/>
+                <a:ext cx="634200" cy="133200"/>
+              </a:xfrm>
+              <a:prstGeom prst="rect">
+                <a:avLst/>
+              </a:prstGeom>
+              <a:grpFill/>
+              <a:ln>
+                <a:noFill/>
+              </a:ln>
+            </p:spPr>
+            <p:txBody>
+              <a:bodyPr spcFirstLastPara="1" wrap="square" lIns="91425" tIns="91425" rIns="91425" bIns="91425" anchor="ctr" anchorCtr="0">
+                <a:noAutofit/>
+              </a:bodyPr>
+              <a:lstStyle/>
+              <a:p>
+                <a:pPr marL="0" lvl="0" indent="0" algn="l" rtl="0">
+                  <a:spcBef>
+                    <a:spcPts val="0"/>
+                  </a:spcBef>
+                  <a:spcAft>
+                    <a:spcPts val="0"/>
+                  </a:spcAft>
+                  <a:buNone/>
+                </a:pPr>
+                <a:endParaRPr>
+                  <a:solidFill>
+                    <a:schemeClr val="bg1"/>
+                  </a:solidFill>
+                </a:endParaRPr>
+              </a:p>
+            </p:txBody>
+          </p:sp>
+        </p:grpSp>
+        <p:grpSp>
+          <p:nvGrpSpPr>
+            <p:cNvPr id="380" name="Google Shape;380;p39"/>
+            <p:cNvGrpSpPr/>
+            <p:nvPr/>
+          </p:nvGrpSpPr>
+          <p:grpSpPr>
+            <a:xfrm rot="-5400000">
+              <a:off x="3164816" y="-956617"/>
+              <a:ext cx="440452" cy="440452"/>
+              <a:chOff x="1853525" y="303875"/>
+              <a:chExt cx="634200" cy="634200"/>
+            </a:xfrm>
+            <a:grpFill/>
+          </p:grpSpPr>
+          <p:sp>
+            <p:nvSpPr>
+              <p:cNvPr id="381" name="Google Shape;381;p39"/>
+              <p:cNvSpPr/>
+              <p:nvPr/>
+            </p:nvSpPr>
+            <p:spPr>
+              <a:xfrm>
+                <a:off x="1853525" y="804875"/>
+                <a:ext cx="634200" cy="133200"/>
+              </a:xfrm>
+              <a:prstGeom prst="rect">
+                <a:avLst/>
+              </a:prstGeom>
+              <a:grpFill/>
+              <a:ln>
+                <a:noFill/>
+              </a:ln>
+            </p:spPr>
+            <p:txBody>
+              <a:bodyPr spcFirstLastPara="1" wrap="square" lIns="91425" tIns="91425" rIns="91425" bIns="91425" anchor="ctr" anchorCtr="0">
+                <a:noAutofit/>
+              </a:bodyPr>
+              <a:lstStyle/>
+              <a:p>
+                <a:pPr marL="0" lvl="0" indent="0" algn="l" rtl="0">
+                  <a:spcBef>
+                    <a:spcPts val="0"/>
+                  </a:spcBef>
+                  <a:spcAft>
+                    <a:spcPts val="0"/>
+                  </a:spcAft>
+                  <a:buNone/>
+                </a:pPr>
+                <a:endParaRPr>
+                  <a:solidFill>
+                    <a:schemeClr val="bg1"/>
+                  </a:solidFill>
+                </a:endParaRPr>
+              </a:p>
+            </p:txBody>
+          </p:sp>
+          <p:sp>
+            <p:nvSpPr>
+              <p:cNvPr id="382" name="Google Shape;382;p39"/>
+              <p:cNvSpPr/>
+              <p:nvPr/>
+            </p:nvSpPr>
+            <p:spPr>
+              <a:xfrm rot="5400000">
+                <a:off x="2104025" y="554375"/>
+                <a:ext cx="634200" cy="133200"/>
+              </a:xfrm>
+              <a:prstGeom prst="rect">
+                <a:avLst/>
+              </a:prstGeom>
+              <a:grpFill/>
+              <a:ln>
+                <a:noFill/>
+              </a:ln>
+            </p:spPr>
+            <p:txBody>
+              <a:bodyPr spcFirstLastPara="1" wrap="square" lIns="91425" tIns="91425" rIns="91425" bIns="91425" anchor="ctr" anchorCtr="0">
+                <a:noAutofit/>
+              </a:bodyPr>
+              <a:lstStyle/>
+              <a:p>
+                <a:pPr marL="0" lvl="0" indent="0" algn="l" rtl="0">
+                  <a:spcBef>
+                    <a:spcPts val="0"/>
+                  </a:spcBef>
+                  <a:spcAft>
+                    <a:spcPts val="0"/>
+                  </a:spcAft>
+                  <a:buNone/>
+                </a:pPr>
+                <a:endParaRPr dirty="0">
+                  <a:solidFill>
+                    <a:schemeClr val="bg1"/>
+                  </a:solidFill>
+                </a:endParaRPr>
+              </a:p>
+            </p:txBody>
+          </p:sp>
+        </p:grpSp>
+        <p:grpSp>
+          <p:nvGrpSpPr>
+            <p:cNvPr id="383" name="Google Shape;383;p39"/>
+            <p:cNvGrpSpPr/>
+            <p:nvPr/>
+          </p:nvGrpSpPr>
+          <p:grpSpPr>
+            <a:xfrm rot="-5400000">
+              <a:off x="3323568" y="-1115369"/>
+              <a:ext cx="440452" cy="440452"/>
+              <a:chOff x="1853525" y="303875"/>
+              <a:chExt cx="634200" cy="634200"/>
+            </a:xfrm>
+            <a:grpFill/>
+          </p:grpSpPr>
+          <p:sp>
+            <p:nvSpPr>
+              <p:cNvPr id="384" name="Google Shape;384;p39"/>
+              <p:cNvSpPr/>
+              <p:nvPr/>
+            </p:nvSpPr>
+            <p:spPr>
+              <a:xfrm>
+                <a:off x="1853525" y="804875"/>
+                <a:ext cx="634200" cy="133200"/>
+              </a:xfrm>
+              <a:prstGeom prst="rect">
+                <a:avLst/>
+              </a:prstGeom>
+              <a:grpFill/>
+              <a:ln>
+                <a:noFill/>
+              </a:ln>
+            </p:spPr>
+            <p:txBody>
+              <a:bodyPr spcFirstLastPara="1" wrap="square" lIns="91425" tIns="91425" rIns="91425" bIns="91425" anchor="ctr" anchorCtr="0">
+                <a:noAutofit/>
+              </a:bodyPr>
+              <a:lstStyle/>
+              <a:p>
+                <a:pPr marL="0" lvl="0" indent="0" algn="l" rtl="0">
+                  <a:spcBef>
+                    <a:spcPts val="0"/>
+                  </a:spcBef>
+                  <a:spcAft>
+                    <a:spcPts val="0"/>
+                  </a:spcAft>
+                  <a:buNone/>
+                </a:pPr>
+                <a:endParaRPr>
+                  <a:solidFill>
+                    <a:schemeClr val="bg1"/>
+                  </a:solidFill>
+                </a:endParaRPr>
+              </a:p>
+            </p:txBody>
+          </p:sp>
+          <p:sp>
+            <p:nvSpPr>
+              <p:cNvPr id="385" name="Google Shape;385;p39"/>
+              <p:cNvSpPr/>
+              <p:nvPr/>
+            </p:nvSpPr>
+            <p:spPr>
+              <a:xfrm rot="5400000">
+                <a:off x="2104025" y="554375"/>
+                <a:ext cx="634200" cy="133200"/>
+              </a:xfrm>
+              <a:prstGeom prst="rect">
+                <a:avLst/>
+              </a:prstGeom>
+              <a:grpFill/>
+              <a:ln>
+                <a:noFill/>
+              </a:ln>
+            </p:spPr>
+            <p:txBody>
+              <a:bodyPr spcFirstLastPara="1" wrap="square" lIns="91425" tIns="91425" rIns="91425" bIns="91425" anchor="ctr" anchorCtr="0">
+                <a:noAutofit/>
+              </a:bodyPr>
+              <a:lstStyle/>
+              <a:p>
+                <a:pPr marL="0" lvl="0" indent="0" algn="l" rtl="0">
+                  <a:spcBef>
+                    <a:spcPts val="0"/>
+                  </a:spcBef>
+                  <a:spcAft>
+                    <a:spcPts val="0"/>
+                  </a:spcAft>
+                  <a:buNone/>
+                </a:pPr>
+                <a:endParaRPr>
+                  <a:solidFill>
+                    <a:schemeClr val="bg1"/>
+                  </a:solidFill>
+                </a:endParaRPr>
+              </a:p>
+            </p:txBody>
+          </p:sp>
+        </p:grpSp>
+      </p:grpSp>
+      <p:sp>
+        <p:nvSpPr>
+          <p:cNvPr id="8" name="TextBox 7">
+            <a:extLst>
+              <a:ext uri="{FF2B5EF4-FFF2-40B4-BE49-F238E27FC236}">
+                <a16:creationId xmlns:a16="http://schemas.microsoft.com/office/drawing/2014/main" id="{6658C75F-DC18-168E-FB8F-F6F7E23B9F9D}"/>
+              </a:ext>
+            </a:extLst>
+          </p:cNvPr>
+          <p:cNvSpPr txBox="1"/>
+          <p:nvPr/>
+        </p:nvSpPr>
+        <p:spPr>
+          <a:xfrm>
+            <a:off x="404085" y="726698"/>
+            <a:ext cx="6601487" cy="523220"/>
+          </a:xfrm>
+          <a:prstGeom prst="rect">
+            <a:avLst/>
+          </a:prstGeom>
+          <a:noFill/>
+        </p:spPr>
+        <p:txBody>
+          <a:bodyPr wrap="none" rtlCol="0">
+            <a:spAutoFit/>
+          </a:bodyPr>
+          <a:lstStyle/>
+          <a:p>
+            <a:r>
+              <a:rPr lang="en-US" sz="2800" dirty="0">
+                <a:solidFill>
+                  <a:schemeClr val="bg1"/>
+                </a:solidFill>
+              </a:rPr>
+              <a:t>Death Rate of Male caused by Diseases</a:t>
+            </a:r>
+            <a:endParaRPr lang="en-PH" sz="2800" dirty="0">
+              <a:solidFill>
+                <a:schemeClr val="bg1"/>
+              </a:solidFill>
+            </a:endParaRPr>
+          </a:p>
+        </p:txBody>
+      </p:sp>
+      <p:pic>
+        <p:nvPicPr>
+          <p:cNvPr id="3" name="Picture 2" descr="Chart, bar chart&#10;&#10;Description automatically generated">
+            <a:extLst>
+              <a:ext uri="{FF2B5EF4-FFF2-40B4-BE49-F238E27FC236}">
+                <a16:creationId xmlns:a16="http://schemas.microsoft.com/office/drawing/2014/main" id="{9E4317D3-11C9-29D1-AE99-0525676C6686}"/>
+              </a:ext>
+            </a:extLst>
+          </p:cNvPr>
+          <p:cNvPicPr>
+            <a:picLocks noChangeAspect="1"/>
+          </p:cNvPicPr>
+          <p:nvPr/>
+        </p:nvPicPr>
+        <p:blipFill>
+          <a:blip r:embed="rId3"/>
+          <a:stretch>
+            <a:fillRect/>
+          </a:stretch>
+        </p:blipFill>
+        <p:spPr>
+          <a:xfrm>
+            <a:off x="0" y="1346200"/>
+            <a:ext cx="9144000" cy="3797300"/>
+          </a:xfrm>
+          <a:prstGeom prst="rect">
+            <a:avLst/>
+          </a:prstGeom>
+        </p:spPr>
+      </p:pic>
+    </p:spTree>
+    <p:extLst>
+      <p:ext uri="{BB962C8B-B14F-4D97-AF65-F5344CB8AC3E}">
+        <p14:creationId xmlns:p14="http://schemas.microsoft.com/office/powerpoint/2010/main" val="3147052076"/>
+      </p:ext>
+    </p:extLst>
+  </p:cSld>
+  <p:clrMapOvr>
+    <a:masterClrMapping/>
+  </p:clrMapOvr>
+</p:sld>
+</file>
+
+<file path=ppt/slides/slide11.xml><?xml version="1.0" encoding="utf-8"?>
+<p:sld xmlns:a="http://schemas.openxmlformats.org/drawingml/2006/main" xmlns:r="http://schemas.openxmlformats.org/officeDocument/2006/relationships" xmlns:p="http://schemas.openxmlformats.org/presentationml/2006/main">
+  <p:cSld>
+    <p:spTree>
+      <p:nvGrpSpPr>
+        <p:cNvPr id="1" name="Shape 373"/>
+        <p:cNvGrpSpPr/>
+        <p:nvPr/>
+      </p:nvGrpSpPr>
+      <p:grpSpPr>
+        <a:xfrm>
+          <a:off x="0" y="0"/>
+          <a:ext cx="0" cy="0"/>
+          <a:chOff x="0" y="0"/>
+          <a:chExt cx="0" cy="0"/>
+        </a:xfrm>
+      </p:grpSpPr>
+      <p:grpSp>
+        <p:nvGrpSpPr>
+          <p:cNvPr id="376" name="Google Shape;376;p39"/>
+          <p:cNvGrpSpPr/>
+          <p:nvPr/>
+        </p:nvGrpSpPr>
+        <p:grpSpPr>
+          <a:xfrm rot="2700000">
+            <a:off x="8505126" y="794763"/>
+            <a:ext cx="328648" cy="328648"/>
+            <a:chOff x="3006065" y="-1115369"/>
+            <a:chExt cx="757955" cy="757955"/>
+          </a:xfrm>
+          <a:solidFill>
+            <a:schemeClr val="bg1"/>
+          </a:solidFill>
+        </p:grpSpPr>
+        <p:grpSp>
+          <p:nvGrpSpPr>
+            <p:cNvPr id="377" name="Google Shape;377;p39"/>
+            <p:cNvGrpSpPr/>
+            <p:nvPr/>
+          </p:nvGrpSpPr>
+          <p:grpSpPr>
+            <a:xfrm rot="-5400000">
+              <a:off x="3006065" y="-797866"/>
+              <a:ext cx="440452" cy="440452"/>
+              <a:chOff x="1853525" y="303875"/>
+              <a:chExt cx="634200" cy="634200"/>
+            </a:xfrm>
+            <a:grpFill/>
+          </p:grpSpPr>
+          <p:sp>
+            <p:nvSpPr>
+              <p:cNvPr id="378" name="Google Shape;378;p39"/>
+              <p:cNvSpPr/>
+              <p:nvPr/>
+            </p:nvSpPr>
+            <p:spPr>
+              <a:xfrm>
+                <a:off x="1853525" y="804875"/>
+                <a:ext cx="634200" cy="133200"/>
+              </a:xfrm>
+              <a:prstGeom prst="rect">
+                <a:avLst/>
+              </a:prstGeom>
+              <a:grpFill/>
+              <a:ln>
+                <a:noFill/>
+              </a:ln>
+            </p:spPr>
+            <p:txBody>
+              <a:bodyPr spcFirstLastPara="1" wrap="square" lIns="91425" tIns="91425" rIns="91425" bIns="91425" anchor="ctr" anchorCtr="0">
+                <a:noAutofit/>
+              </a:bodyPr>
+              <a:lstStyle/>
+              <a:p>
+                <a:pPr marL="0" lvl="0" indent="0" algn="l" rtl="0">
+                  <a:spcBef>
+                    <a:spcPts val="0"/>
+                  </a:spcBef>
+                  <a:spcAft>
+                    <a:spcPts val="0"/>
+                  </a:spcAft>
+                  <a:buNone/>
+                </a:pPr>
+                <a:endParaRPr>
+                  <a:solidFill>
+                    <a:schemeClr val="bg1"/>
+                  </a:solidFill>
+                </a:endParaRPr>
+              </a:p>
+            </p:txBody>
+          </p:sp>
+          <p:sp>
+            <p:nvSpPr>
+              <p:cNvPr id="379" name="Google Shape;379;p39"/>
+              <p:cNvSpPr/>
+              <p:nvPr/>
+            </p:nvSpPr>
+            <p:spPr>
+              <a:xfrm rot="5400000">
+                <a:off x="2104025" y="554375"/>
+                <a:ext cx="634200" cy="133200"/>
+              </a:xfrm>
+              <a:prstGeom prst="rect">
+                <a:avLst/>
+              </a:prstGeom>
+              <a:grpFill/>
+              <a:ln>
+                <a:noFill/>
+              </a:ln>
+            </p:spPr>
+            <p:txBody>
+              <a:bodyPr spcFirstLastPara="1" wrap="square" lIns="91425" tIns="91425" rIns="91425" bIns="91425" anchor="ctr" anchorCtr="0">
+                <a:noAutofit/>
+              </a:bodyPr>
+              <a:lstStyle/>
+              <a:p>
+                <a:pPr marL="0" lvl="0" indent="0" algn="l" rtl="0">
+                  <a:spcBef>
+                    <a:spcPts val="0"/>
+                  </a:spcBef>
+                  <a:spcAft>
+                    <a:spcPts val="0"/>
+                  </a:spcAft>
+                  <a:buNone/>
+                </a:pPr>
+                <a:endParaRPr>
+                  <a:solidFill>
+                    <a:schemeClr val="bg1"/>
+                  </a:solidFill>
+                </a:endParaRPr>
+              </a:p>
+            </p:txBody>
+          </p:sp>
+        </p:grpSp>
+        <p:grpSp>
+          <p:nvGrpSpPr>
+            <p:cNvPr id="380" name="Google Shape;380;p39"/>
+            <p:cNvGrpSpPr/>
+            <p:nvPr/>
+          </p:nvGrpSpPr>
+          <p:grpSpPr>
+            <a:xfrm rot="-5400000">
+              <a:off x="3164816" y="-956617"/>
+              <a:ext cx="440452" cy="440452"/>
+              <a:chOff x="1853525" y="303875"/>
+              <a:chExt cx="634200" cy="634200"/>
+            </a:xfrm>
+            <a:grpFill/>
+          </p:grpSpPr>
+          <p:sp>
+            <p:nvSpPr>
+              <p:cNvPr id="381" name="Google Shape;381;p39"/>
+              <p:cNvSpPr/>
+              <p:nvPr/>
+            </p:nvSpPr>
+            <p:spPr>
+              <a:xfrm>
+                <a:off x="1853525" y="804875"/>
+                <a:ext cx="634200" cy="133200"/>
+              </a:xfrm>
+              <a:prstGeom prst="rect">
+                <a:avLst/>
+              </a:prstGeom>
+              <a:grpFill/>
+              <a:ln>
+                <a:noFill/>
+              </a:ln>
+            </p:spPr>
+            <p:txBody>
+              <a:bodyPr spcFirstLastPara="1" wrap="square" lIns="91425" tIns="91425" rIns="91425" bIns="91425" anchor="ctr" anchorCtr="0">
+                <a:noAutofit/>
+              </a:bodyPr>
+              <a:lstStyle/>
+              <a:p>
+                <a:pPr marL="0" lvl="0" indent="0" algn="l" rtl="0">
+                  <a:spcBef>
+                    <a:spcPts val="0"/>
+                  </a:spcBef>
+                  <a:spcAft>
+                    <a:spcPts val="0"/>
+                  </a:spcAft>
+                  <a:buNone/>
+                </a:pPr>
+                <a:endParaRPr>
+                  <a:solidFill>
+                    <a:schemeClr val="bg1"/>
+                  </a:solidFill>
+                </a:endParaRPr>
+              </a:p>
+            </p:txBody>
+          </p:sp>
+          <p:sp>
+            <p:nvSpPr>
+              <p:cNvPr id="382" name="Google Shape;382;p39"/>
+              <p:cNvSpPr/>
+              <p:nvPr/>
+            </p:nvSpPr>
+            <p:spPr>
+              <a:xfrm rot="5400000">
+                <a:off x="2104025" y="554375"/>
+                <a:ext cx="634200" cy="133200"/>
+              </a:xfrm>
+              <a:prstGeom prst="rect">
+                <a:avLst/>
+              </a:prstGeom>
+              <a:grpFill/>
+              <a:ln>
+                <a:noFill/>
+              </a:ln>
+            </p:spPr>
+            <p:txBody>
+              <a:bodyPr spcFirstLastPara="1" wrap="square" lIns="91425" tIns="91425" rIns="91425" bIns="91425" anchor="ctr" anchorCtr="0">
+                <a:noAutofit/>
+              </a:bodyPr>
+              <a:lstStyle/>
+              <a:p>
+                <a:pPr marL="0" lvl="0" indent="0" algn="l" rtl="0">
+                  <a:spcBef>
+                    <a:spcPts val="0"/>
+                  </a:spcBef>
+                  <a:spcAft>
+                    <a:spcPts val="0"/>
+                  </a:spcAft>
+                  <a:buNone/>
+                </a:pPr>
+                <a:endParaRPr dirty="0">
+                  <a:solidFill>
+                    <a:schemeClr val="bg1"/>
+                  </a:solidFill>
+                </a:endParaRPr>
+              </a:p>
+            </p:txBody>
+          </p:sp>
+        </p:grpSp>
+        <p:grpSp>
+          <p:nvGrpSpPr>
+            <p:cNvPr id="383" name="Google Shape;383;p39"/>
+            <p:cNvGrpSpPr/>
+            <p:nvPr/>
+          </p:nvGrpSpPr>
+          <p:grpSpPr>
+            <a:xfrm rot="-5400000">
+              <a:off x="3323568" y="-1115369"/>
+              <a:ext cx="440452" cy="440452"/>
+              <a:chOff x="1853525" y="303875"/>
+              <a:chExt cx="634200" cy="634200"/>
+            </a:xfrm>
+            <a:grpFill/>
+          </p:grpSpPr>
+          <p:sp>
+            <p:nvSpPr>
+              <p:cNvPr id="384" name="Google Shape;384;p39"/>
+              <p:cNvSpPr/>
+              <p:nvPr/>
+            </p:nvSpPr>
+            <p:spPr>
+              <a:xfrm>
+                <a:off x="1853525" y="804875"/>
+                <a:ext cx="634200" cy="133200"/>
+              </a:xfrm>
+              <a:prstGeom prst="rect">
+                <a:avLst/>
+              </a:prstGeom>
+              <a:grpFill/>
+              <a:ln>
+                <a:noFill/>
+              </a:ln>
+            </p:spPr>
+            <p:txBody>
+              <a:bodyPr spcFirstLastPara="1" wrap="square" lIns="91425" tIns="91425" rIns="91425" bIns="91425" anchor="ctr" anchorCtr="0">
+                <a:noAutofit/>
+              </a:bodyPr>
+              <a:lstStyle/>
+              <a:p>
+                <a:pPr marL="0" lvl="0" indent="0" algn="l" rtl="0">
+                  <a:spcBef>
+                    <a:spcPts val="0"/>
+                  </a:spcBef>
+                  <a:spcAft>
+                    <a:spcPts val="0"/>
+                  </a:spcAft>
+                  <a:buNone/>
+                </a:pPr>
+                <a:endParaRPr>
+                  <a:solidFill>
+                    <a:schemeClr val="bg1"/>
+                  </a:solidFill>
+                </a:endParaRPr>
+              </a:p>
+            </p:txBody>
+          </p:sp>
+          <p:sp>
+            <p:nvSpPr>
+              <p:cNvPr id="385" name="Google Shape;385;p39"/>
+              <p:cNvSpPr/>
+              <p:nvPr/>
+            </p:nvSpPr>
+            <p:spPr>
+              <a:xfrm rot="5400000">
+                <a:off x="2104025" y="554375"/>
+                <a:ext cx="634200" cy="133200"/>
+              </a:xfrm>
+              <a:prstGeom prst="rect">
+                <a:avLst/>
+              </a:prstGeom>
+              <a:grpFill/>
+              <a:ln>
+                <a:noFill/>
+              </a:ln>
+            </p:spPr>
+            <p:txBody>
+              <a:bodyPr spcFirstLastPara="1" wrap="square" lIns="91425" tIns="91425" rIns="91425" bIns="91425" anchor="ctr" anchorCtr="0">
+                <a:noAutofit/>
+              </a:bodyPr>
+              <a:lstStyle/>
+              <a:p>
+                <a:pPr marL="0" lvl="0" indent="0" algn="l" rtl="0">
+                  <a:spcBef>
+                    <a:spcPts val="0"/>
+                  </a:spcBef>
+                  <a:spcAft>
+                    <a:spcPts val="0"/>
+                  </a:spcAft>
+                  <a:buNone/>
+                </a:pPr>
+                <a:endParaRPr>
+                  <a:solidFill>
+                    <a:schemeClr val="bg1"/>
+                  </a:solidFill>
+                </a:endParaRPr>
+              </a:p>
+            </p:txBody>
+          </p:sp>
+        </p:grpSp>
+      </p:grpSp>
+      <p:sp>
+        <p:nvSpPr>
+          <p:cNvPr id="8" name="TextBox 7">
+            <a:extLst>
+              <a:ext uri="{FF2B5EF4-FFF2-40B4-BE49-F238E27FC236}">
+                <a16:creationId xmlns:a16="http://schemas.microsoft.com/office/drawing/2014/main" id="{6658C75F-DC18-168E-FB8F-F6F7E23B9F9D}"/>
+              </a:ext>
+            </a:extLst>
+          </p:cNvPr>
+          <p:cNvSpPr txBox="1"/>
+          <p:nvPr/>
+        </p:nvSpPr>
+        <p:spPr>
+          <a:xfrm>
+            <a:off x="404085" y="726698"/>
+            <a:ext cx="7021474" cy="523220"/>
+          </a:xfrm>
+          <a:prstGeom prst="rect">
+            <a:avLst/>
+          </a:prstGeom>
+          <a:noFill/>
+        </p:spPr>
+        <p:txBody>
+          <a:bodyPr wrap="none" rtlCol="0">
+            <a:spAutoFit/>
+          </a:bodyPr>
+          <a:lstStyle/>
+          <a:p>
+            <a:r>
+              <a:rPr lang="en-US" sz="2800" dirty="0">
+                <a:solidFill>
+                  <a:schemeClr val="bg1"/>
+                </a:solidFill>
+              </a:rPr>
+              <a:t>Death Rate of Female caused by Diseases</a:t>
+            </a:r>
+            <a:endParaRPr lang="en-PH" sz="2800" dirty="0">
+              <a:solidFill>
+                <a:schemeClr val="bg1"/>
+              </a:solidFill>
+            </a:endParaRPr>
+          </a:p>
+        </p:txBody>
+      </p:sp>
+      <p:pic>
+        <p:nvPicPr>
+          <p:cNvPr id="4" name="Picture 3" descr="Chart, bar chart&#10;&#10;Description automatically generated">
+            <a:extLst>
+              <a:ext uri="{FF2B5EF4-FFF2-40B4-BE49-F238E27FC236}">
+                <a16:creationId xmlns:a16="http://schemas.microsoft.com/office/drawing/2014/main" id="{596D1B3B-13DC-0C89-D8B2-B450FF0FAE45}"/>
+              </a:ext>
+            </a:extLst>
+          </p:cNvPr>
+          <p:cNvPicPr>
+            <a:picLocks noChangeAspect="1"/>
+          </p:cNvPicPr>
+          <p:nvPr/>
+        </p:nvPicPr>
+        <p:blipFill>
+          <a:blip r:embed="rId3"/>
+          <a:stretch>
+            <a:fillRect/>
+          </a:stretch>
+        </p:blipFill>
+        <p:spPr>
+          <a:xfrm>
+            <a:off x="0" y="1321822"/>
+            <a:ext cx="9144000" cy="3821677"/>
+          </a:xfrm>
+          <a:prstGeom prst="rect">
+            <a:avLst/>
+          </a:prstGeom>
+        </p:spPr>
+      </p:pic>
+    </p:spTree>
+    <p:extLst>
+      <p:ext uri="{BB962C8B-B14F-4D97-AF65-F5344CB8AC3E}">
+        <p14:creationId xmlns:p14="http://schemas.microsoft.com/office/powerpoint/2010/main" val="1196012408"/>
+      </p:ext>
+    </p:extLst>
+  </p:cSld>
+  <p:clrMapOvr>
+    <a:masterClrMapping/>
+  </p:clrMapOvr>
+</p:sld>
+</file>
+
+<file path=ppt/slides/slide12.xml><?xml version="1.0" encoding="utf-8"?>
+<p:sld xmlns:a="http://schemas.openxmlformats.org/drawingml/2006/main" xmlns:r="http://schemas.openxmlformats.org/officeDocument/2006/relationships" xmlns:p="http://schemas.openxmlformats.org/presentationml/2006/main">
+  <p:cSld>
+    <p:spTree>
+      <p:nvGrpSpPr>
+        <p:cNvPr id="1" name="Shape 373"/>
+        <p:cNvGrpSpPr/>
+        <p:nvPr/>
+      </p:nvGrpSpPr>
+      <p:grpSpPr>
+        <a:xfrm>
+          <a:off x="0" y="0"/>
+          <a:ext cx="0" cy="0"/>
+          <a:chOff x="0" y="0"/>
+          <a:chExt cx="0" cy="0"/>
+        </a:xfrm>
+      </p:grpSpPr>
+      <p:grpSp>
+        <p:nvGrpSpPr>
+          <p:cNvPr id="376" name="Google Shape;376;p39"/>
+          <p:cNvGrpSpPr/>
+          <p:nvPr/>
+        </p:nvGrpSpPr>
+        <p:grpSpPr>
+          <a:xfrm rot="2700000">
+            <a:off x="8486076" y="768986"/>
+            <a:ext cx="328648" cy="328648"/>
+            <a:chOff x="3006065" y="-1115369"/>
+            <a:chExt cx="757955" cy="757955"/>
+          </a:xfrm>
+          <a:solidFill>
+            <a:schemeClr val="bg1"/>
+          </a:solidFill>
+        </p:grpSpPr>
+        <p:grpSp>
+          <p:nvGrpSpPr>
+            <p:cNvPr id="377" name="Google Shape;377;p39"/>
+            <p:cNvGrpSpPr/>
+            <p:nvPr/>
+          </p:nvGrpSpPr>
+          <p:grpSpPr>
+            <a:xfrm rot="-5400000">
+              <a:off x="3006065" y="-797866"/>
+              <a:ext cx="440452" cy="440452"/>
+              <a:chOff x="1853525" y="303875"/>
+              <a:chExt cx="634200" cy="634200"/>
+            </a:xfrm>
+            <a:grpFill/>
+          </p:grpSpPr>
+          <p:sp>
+            <p:nvSpPr>
+              <p:cNvPr id="378" name="Google Shape;378;p39"/>
+              <p:cNvSpPr/>
+              <p:nvPr/>
+            </p:nvSpPr>
+            <p:spPr>
+              <a:xfrm>
+                <a:off x="1853525" y="804875"/>
+                <a:ext cx="634200" cy="133200"/>
+              </a:xfrm>
+              <a:prstGeom prst="rect">
+                <a:avLst/>
+              </a:prstGeom>
+              <a:grpFill/>
+              <a:ln>
+                <a:noFill/>
+              </a:ln>
+            </p:spPr>
+            <p:txBody>
+              <a:bodyPr spcFirstLastPara="1" wrap="square" lIns="91425" tIns="91425" rIns="91425" bIns="91425" anchor="ctr" anchorCtr="0">
+                <a:noAutofit/>
+              </a:bodyPr>
+              <a:lstStyle/>
+              <a:p>
+                <a:pPr marL="0" lvl="0" indent="0" algn="l" rtl="0">
+                  <a:spcBef>
+                    <a:spcPts val="0"/>
+                  </a:spcBef>
+                  <a:spcAft>
+                    <a:spcPts val="0"/>
+                  </a:spcAft>
+                  <a:buNone/>
+                </a:pPr>
+                <a:endParaRPr>
+                  <a:solidFill>
+                    <a:schemeClr val="bg1"/>
+                  </a:solidFill>
+                </a:endParaRPr>
+              </a:p>
+            </p:txBody>
+          </p:sp>
+          <p:sp>
+            <p:nvSpPr>
+              <p:cNvPr id="379" name="Google Shape;379;p39"/>
+              <p:cNvSpPr/>
+              <p:nvPr/>
+            </p:nvSpPr>
+            <p:spPr>
+              <a:xfrm rot="5400000">
+                <a:off x="2104025" y="554375"/>
+                <a:ext cx="634200" cy="133200"/>
+              </a:xfrm>
+              <a:prstGeom prst="rect">
+                <a:avLst/>
+              </a:prstGeom>
+              <a:grpFill/>
+              <a:ln>
+                <a:noFill/>
+              </a:ln>
+            </p:spPr>
+            <p:txBody>
+              <a:bodyPr spcFirstLastPara="1" wrap="square" lIns="91425" tIns="91425" rIns="91425" bIns="91425" anchor="ctr" anchorCtr="0">
+                <a:noAutofit/>
+              </a:bodyPr>
+              <a:lstStyle/>
+              <a:p>
+                <a:pPr marL="0" lvl="0" indent="0" algn="l" rtl="0">
+                  <a:spcBef>
+                    <a:spcPts val="0"/>
+                  </a:spcBef>
+                  <a:spcAft>
+                    <a:spcPts val="0"/>
+                  </a:spcAft>
+                  <a:buNone/>
+                </a:pPr>
+                <a:endParaRPr>
+                  <a:solidFill>
+                    <a:schemeClr val="bg1"/>
+                  </a:solidFill>
+                </a:endParaRPr>
+              </a:p>
+            </p:txBody>
+          </p:sp>
+        </p:grpSp>
+        <p:grpSp>
+          <p:nvGrpSpPr>
+            <p:cNvPr id="380" name="Google Shape;380;p39"/>
+            <p:cNvGrpSpPr/>
+            <p:nvPr/>
+          </p:nvGrpSpPr>
+          <p:grpSpPr>
+            <a:xfrm rot="-5400000">
+              <a:off x="3164816" y="-956617"/>
+              <a:ext cx="440452" cy="440452"/>
+              <a:chOff x="1853525" y="303875"/>
+              <a:chExt cx="634200" cy="634200"/>
+            </a:xfrm>
+            <a:grpFill/>
+          </p:grpSpPr>
+          <p:sp>
+            <p:nvSpPr>
+              <p:cNvPr id="381" name="Google Shape;381;p39"/>
+              <p:cNvSpPr/>
+              <p:nvPr/>
+            </p:nvSpPr>
+            <p:spPr>
+              <a:xfrm>
+                <a:off x="1853525" y="804875"/>
+                <a:ext cx="634200" cy="133200"/>
+              </a:xfrm>
+              <a:prstGeom prst="rect">
+                <a:avLst/>
+              </a:prstGeom>
+              <a:grpFill/>
+              <a:ln>
+                <a:noFill/>
+              </a:ln>
+            </p:spPr>
+            <p:txBody>
+              <a:bodyPr spcFirstLastPara="1" wrap="square" lIns="91425" tIns="91425" rIns="91425" bIns="91425" anchor="ctr" anchorCtr="0">
+                <a:noAutofit/>
+              </a:bodyPr>
+              <a:lstStyle/>
+              <a:p>
+                <a:pPr marL="0" lvl="0" indent="0" algn="l" rtl="0">
+                  <a:spcBef>
+                    <a:spcPts val="0"/>
+                  </a:spcBef>
+                  <a:spcAft>
+                    <a:spcPts val="0"/>
+                  </a:spcAft>
+                  <a:buNone/>
+                </a:pPr>
+                <a:endParaRPr>
+                  <a:solidFill>
+                    <a:schemeClr val="bg1"/>
+                  </a:solidFill>
+                </a:endParaRPr>
+              </a:p>
+            </p:txBody>
+          </p:sp>
+          <p:sp>
+            <p:nvSpPr>
+              <p:cNvPr id="382" name="Google Shape;382;p39"/>
+              <p:cNvSpPr/>
+              <p:nvPr/>
+            </p:nvSpPr>
+            <p:spPr>
+              <a:xfrm rot="5400000">
+                <a:off x="2104025" y="554375"/>
+                <a:ext cx="634200" cy="133200"/>
+              </a:xfrm>
+              <a:prstGeom prst="rect">
+                <a:avLst/>
+              </a:prstGeom>
+              <a:grpFill/>
+              <a:ln>
+                <a:noFill/>
+              </a:ln>
+            </p:spPr>
+            <p:txBody>
+              <a:bodyPr spcFirstLastPara="1" wrap="square" lIns="91425" tIns="91425" rIns="91425" bIns="91425" anchor="ctr" anchorCtr="0">
+                <a:noAutofit/>
+              </a:bodyPr>
+              <a:lstStyle/>
+              <a:p>
+                <a:pPr marL="0" lvl="0" indent="0" algn="l" rtl="0">
+                  <a:spcBef>
+                    <a:spcPts val="0"/>
+                  </a:spcBef>
+                  <a:spcAft>
+                    <a:spcPts val="0"/>
+                  </a:spcAft>
+                  <a:buNone/>
+                </a:pPr>
+                <a:endParaRPr dirty="0">
+                  <a:solidFill>
+                    <a:schemeClr val="bg1"/>
+                  </a:solidFill>
+                </a:endParaRPr>
+              </a:p>
+            </p:txBody>
+          </p:sp>
+        </p:grpSp>
+        <p:grpSp>
+          <p:nvGrpSpPr>
+            <p:cNvPr id="383" name="Google Shape;383;p39"/>
+            <p:cNvGrpSpPr/>
+            <p:nvPr/>
+          </p:nvGrpSpPr>
+          <p:grpSpPr>
+            <a:xfrm rot="-5400000">
+              <a:off x="3323568" y="-1115369"/>
+              <a:ext cx="440452" cy="440452"/>
+              <a:chOff x="1853525" y="303875"/>
+              <a:chExt cx="634200" cy="634200"/>
+            </a:xfrm>
+            <a:grpFill/>
+          </p:grpSpPr>
+          <p:sp>
+            <p:nvSpPr>
+              <p:cNvPr id="384" name="Google Shape;384;p39"/>
+              <p:cNvSpPr/>
+              <p:nvPr/>
+            </p:nvSpPr>
+            <p:spPr>
+              <a:xfrm>
+                <a:off x="1853525" y="804875"/>
+                <a:ext cx="634200" cy="133200"/>
+              </a:xfrm>
+              <a:prstGeom prst="rect">
+                <a:avLst/>
+              </a:prstGeom>
+              <a:grpFill/>
+              <a:ln>
+                <a:noFill/>
+              </a:ln>
+            </p:spPr>
+            <p:txBody>
+              <a:bodyPr spcFirstLastPara="1" wrap="square" lIns="91425" tIns="91425" rIns="91425" bIns="91425" anchor="ctr" anchorCtr="0">
+                <a:noAutofit/>
+              </a:bodyPr>
+              <a:lstStyle/>
+              <a:p>
+                <a:pPr marL="0" lvl="0" indent="0" algn="l" rtl="0">
+                  <a:spcBef>
+                    <a:spcPts val="0"/>
+                  </a:spcBef>
+                  <a:spcAft>
+                    <a:spcPts val="0"/>
+                  </a:spcAft>
+                  <a:buNone/>
+                </a:pPr>
+                <a:endParaRPr>
+                  <a:solidFill>
+                    <a:schemeClr val="bg1"/>
+                  </a:solidFill>
+                </a:endParaRPr>
+              </a:p>
+            </p:txBody>
+          </p:sp>
+          <p:sp>
+            <p:nvSpPr>
+              <p:cNvPr id="385" name="Google Shape;385;p39"/>
+              <p:cNvSpPr/>
+              <p:nvPr/>
+            </p:nvSpPr>
+            <p:spPr>
+              <a:xfrm rot="5400000">
+                <a:off x="2104025" y="554375"/>
+                <a:ext cx="634200" cy="133200"/>
+              </a:xfrm>
+              <a:prstGeom prst="rect">
+                <a:avLst/>
+              </a:prstGeom>
+              <a:grpFill/>
+              <a:ln>
+                <a:noFill/>
+              </a:ln>
+            </p:spPr>
+            <p:txBody>
+              <a:bodyPr spcFirstLastPara="1" wrap="square" lIns="91425" tIns="91425" rIns="91425" bIns="91425" anchor="ctr" anchorCtr="0">
+                <a:noAutofit/>
+              </a:bodyPr>
+              <a:lstStyle/>
+              <a:p>
+                <a:pPr marL="0" lvl="0" indent="0" algn="l" rtl="0">
+                  <a:spcBef>
+                    <a:spcPts val="0"/>
+                  </a:spcBef>
+                  <a:spcAft>
+                    <a:spcPts val="0"/>
+                  </a:spcAft>
+                  <a:buNone/>
+                </a:pPr>
+                <a:endParaRPr>
+                  <a:solidFill>
+                    <a:schemeClr val="bg1"/>
+                  </a:solidFill>
+                </a:endParaRPr>
+              </a:p>
+            </p:txBody>
+          </p:sp>
+        </p:grpSp>
+      </p:grpSp>
+      <p:sp>
+        <p:nvSpPr>
+          <p:cNvPr id="8" name="TextBox 7">
+            <a:extLst>
+              <a:ext uri="{FF2B5EF4-FFF2-40B4-BE49-F238E27FC236}">
+                <a16:creationId xmlns:a16="http://schemas.microsoft.com/office/drawing/2014/main" id="{6658C75F-DC18-168E-FB8F-F6F7E23B9F9D}"/>
+              </a:ext>
+            </a:extLst>
+          </p:cNvPr>
+          <p:cNvSpPr txBox="1"/>
+          <p:nvPr/>
+        </p:nvSpPr>
+        <p:spPr>
+          <a:xfrm>
+            <a:off x="404085" y="726698"/>
+            <a:ext cx="4241867" cy="523220"/>
+          </a:xfrm>
+          <a:prstGeom prst="rect">
+            <a:avLst/>
+          </a:prstGeom>
+          <a:noFill/>
+        </p:spPr>
+        <p:txBody>
+          <a:bodyPr wrap="none" rtlCol="0">
+            <a:spAutoFit/>
+          </a:bodyPr>
+          <a:lstStyle/>
+          <a:p>
+            <a:r>
+              <a:rPr lang="en-US" sz="2800" dirty="0">
+                <a:solidFill>
+                  <a:schemeClr val="bg1"/>
+                </a:solidFill>
+              </a:rPr>
+              <a:t>Highest Rate of Diseases</a:t>
+            </a:r>
+            <a:endParaRPr lang="en-PH" sz="2800" dirty="0">
+              <a:solidFill>
+                <a:schemeClr val="bg1"/>
+              </a:solidFill>
+            </a:endParaRPr>
+          </a:p>
+        </p:txBody>
+      </p:sp>
+      <p:pic>
+        <p:nvPicPr>
+          <p:cNvPr id="3" name="Picture 2" descr="Chart, bar chart&#10;&#10;Description automatically generated">
+            <a:extLst>
+              <a:ext uri="{FF2B5EF4-FFF2-40B4-BE49-F238E27FC236}">
+                <a16:creationId xmlns:a16="http://schemas.microsoft.com/office/drawing/2014/main" id="{44C79355-27EC-9DA4-B51E-EA33CB0C941B}"/>
+              </a:ext>
+            </a:extLst>
+          </p:cNvPr>
+          <p:cNvPicPr>
+            <a:picLocks noChangeAspect="1"/>
+          </p:cNvPicPr>
+          <p:nvPr/>
+        </p:nvPicPr>
+        <p:blipFill>
+          <a:blip r:embed="rId3"/>
+          <a:stretch>
+            <a:fillRect/>
+          </a:stretch>
+        </p:blipFill>
+        <p:spPr>
+          <a:xfrm>
+            <a:off x="0" y="1282508"/>
+            <a:ext cx="9144000" cy="3860992"/>
+          </a:xfrm>
+          <a:prstGeom prst="rect">
+            <a:avLst/>
+          </a:prstGeom>
+        </p:spPr>
+      </p:pic>
+      <p:sp>
+        <p:nvSpPr>
+          <p:cNvPr id="4" name="TextBox 3">
+            <a:extLst>
+              <a:ext uri="{FF2B5EF4-FFF2-40B4-BE49-F238E27FC236}">
+                <a16:creationId xmlns:a16="http://schemas.microsoft.com/office/drawing/2014/main" id="{CD6AB68E-AFB7-1B53-2419-1C44C1C8C809}"/>
+              </a:ext>
+            </a:extLst>
+          </p:cNvPr>
+          <p:cNvSpPr txBox="1"/>
+          <p:nvPr/>
+        </p:nvSpPr>
+        <p:spPr>
+          <a:xfrm>
+            <a:off x="4298950" y="2470150"/>
+            <a:ext cx="1212191" cy="461665"/>
+          </a:xfrm>
+          <a:prstGeom prst="rect">
+            <a:avLst/>
+          </a:prstGeom>
+          <a:noFill/>
+        </p:spPr>
+        <p:txBody>
+          <a:bodyPr wrap="none" rtlCol="0">
+            <a:spAutoFit/>
+          </a:bodyPr>
+          <a:lstStyle/>
+          <a:p>
+            <a:r>
+              <a:rPr lang="en-US" sz="2400" dirty="0">
+                <a:solidFill>
+                  <a:srgbClr val="B93A3A"/>
+                </a:solidFill>
+              </a:rPr>
+              <a:t>53, 128</a:t>
+            </a:r>
+            <a:endParaRPr lang="en-PH" sz="2400" dirty="0">
+              <a:solidFill>
+                <a:srgbClr val="B93A3A"/>
+              </a:solidFill>
+            </a:endParaRPr>
+          </a:p>
+        </p:txBody>
+      </p:sp>
+    </p:spTree>
+    <p:extLst>
+      <p:ext uri="{BB962C8B-B14F-4D97-AF65-F5344CB8AC3E}">
+        <p14:creationId xmlns:p14="http://schemas.microsoft.com/office/powerpoint/2010/main" val="4129398333"/>
+      </p:ext>
+    </p:extLst>
+  </p:cSld>
+  <p:clrMapOvr>
+    <a:masterClrMapping/>
+  </p:clrMapOvr>
+  <p:timing>
+    <p:tnLst>
+      <p:par>
+        <p:cTn id="1" dur="indefinite" restart="never" nodeType="tmRoot">
+          <p:childTnLst>
+            <p:seq concurrent="1" nextAc="seek">
+              <p:cTn id="2" dur="indefinite" nodeType="mainSeq">
+                <p:childTnLst>
+                  <p:par>
+                    <p:cTn id="3" fill="hold">
+                      <p:stCondLst>
+                        <p:cond delay="indefinite"/>
+                      </p:stCondLst>
+                      <p:childTnLst>
+                        <p:par>
+                          <p:cTn id="4" fill="hold">
+                            <p:stCondLst>
+                              <p:cond delay="0"/>
+                            </p:stCondLst>
+                            <p:childTnLst>
+                              <p:par>
+                                <p:cTn id="5" presetID="10" presetClass="entr" presetSubtype="0" fill="hold" grpId="0" nodeType="clickEffect">
+                                  <p:stCondLst>
+                                    <p:cond delay="0"/>
+                                  </p:stCondLst>
+                                  <p:childTnLst>
+                                    <p:set>
+                                      <p:cBhvr>
+                                        <p:cTn id="6" dur="1" fill="hold">
+                                          <p:stCondLst>
+                                            <p:cond delay="0"/>
+                                          </p:stCondLst>
+                                        </p:cTn>
+                                        <p:tgtEl>
+                                          <p:spTgt spid="4"/>
+                                        </p:tgtEl>
+                                        <p:attrNameLst>
+                                          <p:attrName>style.visibility</p:attrName>
+                                        </p:attrNameLst>
+                                      </p:cBhvr>
+                                      <p:to>
+                                        <p:strVal val="visible"/>
+                                      </p:to>
+                                    </p:set>
+                                    <p:animEffect transition="in" filter="fade">
+                                      <p:cBhvr>
+                                        <p:cTn id="7" dur="500"/>
+                                        <p:tgtEl>
+                                          <p:spTgt spid="4"/>
+                                        </p:tgtEl>
+                                      </p:cBhvr>
+                                    </p:animEffect>
+                                  </p:childTnLst>
+                                </p:cTn>
+                              </p:par>
+                            </p:childTnLst>
+                          </p:cTn>
+                        </p:par>
+                      </p:childTnLst>
+                    </p:cTn>
+                  </p:par>
+                </p:childTnLst>
+              </p:cTn>
+              <p:prevCondLst>
+                <p:cond evt="onPrev" delay="0">
+                  <p:tgtEl>
+                    <p:sldTgt/>
+                  </p:tgtEl>
+                </p:cond>
+              </p:prevCondLst>
+              <p:nextCondLst>
+                <p:cond evt="onNext" delay="0">
+                  <p:tgtEl>
+                    <p:sldTgt/>
+                  </p:tgtEl>
+                </p:cond>
+              </p:nextCondLst>
+            </p:seq>
+          </p:childTnLst>
+        </p:cTn>
+      </p:par>
+    </p:tnLst>
+    <p:bldLst>
+      <p:bldP spid="4" grpId="0"/>
+    </p:bldLst>
+  </p:timing>
+</p:sld>
+</file>
+
+<file path=ppt/slides/slide13.xml><?xml version="1.0" encoding="utf-8"?>
+<p:sld xmlns:a="http://schemas.openxmlformats.org/drawingml/2006/main" xmlns:r="http://schemas.openxmlformats.org/officeDocument/2006/relationships" xmlns:p="http://schemas.openxmlformats.org/presentationml/2006/main">
+  <p:cSld>
+    <p:spTree>
+      <p:nvGrpSpPr>
+        <p:cNvPr id="1" name="Shape 373"/>
+        <p:cNvGrpSpPr/>
+        <p:nvPr/>
+      </p:nvGrpSpPr>
+      <p:grpSpPr>
+        <a:xfrm>
+          <a:off x="0" y="0"/>
+          <a:ext cx="0" cy="0"/>
+          <a:chOff x="0" y="0"/>
+          <a:chExt cx="0" cy="0"/>
+        </a:xfrm>
+      </p:grpSpPr>
+      <p:grpSp>
+        <p:nvGrpSpPr>
+          <p:cNvPr id="376" name="Google Shape;376;p39"/>
+          <p:cNvGrpSpPr/>
+          <p:nvPr/>
+        </p:nvGrpSpPr>
+        <p:grpSpPr>
+          <a:xfrm rot="2700000">
             <a:off x="8495602" y="823984"/>
             <a:ext cx="328648" cy="328648"/>
             <a:chOff x="3006065" y="-1115369"/>
@@ -9618,867 +11024,7 @@
 </p:sld>
 </file>
 
-<file path=ppt/slides/slide11.xml><?xml version="1.0" encoding="utf-8"?>
-<p:sld xmlns:a="http://schemas.openxmlformats.org/drawingml/2006/main" xmlns:r="http://schemas.openxmlformats.org/officeDocument/2006/relationships" xmlns:p="http://schemas.openxmlformats.org/presentationml/2006/main">
-  <p:cSld>
-    <p:spTree>
-      <p:nvGrpSpPr>
-        <p:cNvPr id="1" name="Shape 373"/>
-        <p:cNvGrpSpPr/>
-        <p:nvPr/>
-      </p:nvGrpSpPr>
-      <p:grpSpPr>
-        <a:xfrm>
-          <a:off x="0" y="0"/>
-          <a:ext cx="0" cy="0"/>
-          <a:chOff x="0" y="0"/>
-          <a:chExt cx="0" cy="0"/>
-        </a:xfrm>
-      </p:grpSpPr>
-      <p:grpSp>
-        <p:nvGrpSpPr>
-          <p:cNvPr id="376" name="Google Shape;376;p39"/>
-          <p:cNvGrpSpPr/>
-          <p:nvPr/>
-        </p:nvGrpSpPr>
-        <p:grpSpPr>
-          <a:xfrm rot="2700000">
-            <a:off x="8505125" y="794763"/>
-            <a:ext cx="328648" cy="328648"/>
-            <a:chOff x="3006065" y="-1115369"/>
-            <a:chExt cx="757955" cy="757955"/>
-          </a:xfrm>
-          <a:solidFill>
-            <a:schemeClr val="bg1"/>
-          </a:solidFill>
-        </p:grpSpPr>
-        <p:grpSp>
-          <p:nvGrpSpPr>
-            <p:cNvPr id="377" name="Google Shape;377;p39"/>
-            <p:cNvGrpSpPr/>
-            <p:nvPr/>
-          </p:nvGrpSpPr>
-          <p:grpSpPr>
-            <a:xfrm rot="-5400000">
-              <a:off x="3006065" y="-797866"/>
-              <a:ext cx="440452" cy="440452"/>
-              <a:chOff x="1853525" y="303875"/>
-              <a:chExt cx="634200" cy="634200"/>
-            </a:xfrm>
-            <a:grpFill/>
-          </p:grpSpPr>
-          <p:sp>
-            <p:nvSpPr>
-              <p:cNvPr id="378" name="Google Shape;378;p39"/>
-              <p:cNvSpPr/>
-              <p:nvPr/>
-            </p:nvSpPr>
-            <p:spPr>
-              <a:xfrm>
-                <a:off x="1853525" y="804875"/>
-                <a:ext cx="634200" cy="133200"/>
-              </a:xfrm>
-              <a:prstGeom prst="rect">
-                <a:avLst/>
-              </a:prstGeom>
-              <a:grpFill/>
-              <a:ln>
-                <a:noFill/>
-              </a:ln>
-            </p:spPr>
-            <p:txBody>
-              <a:bodyPr spcFirstLastPara="1" wrap="square" lIns="91425" tIns="91425" rIns="91425" bIns="91425" anchor="ctr" anchorCtr="0">
-                <a:noAutofit/>
-              </a:bodyPr>
-              <a:lstStyle/>
-              <a:p>
-                <a:pPr marL="0" lvl="0" indent="0" algn="l" rtl="0">
-                  <a:spcBef>
-                    <a:spcPts val="0"/>
-                  </a:spcBef>
-                  <a:spcAft>
-                    <a:spcPts val="0"/>
-                  </a:spcAft>
-                  <a:buNone/>
-                </a:pPr>
-                <a:endParaRPr>
-                  <a:solidFill>
-                    <a:schemeClr val="bg1"/>
-                  </a:solidFill>
-                </a:endParaRPr>
-              </a:p>
-            </p:txBody>
-          </p:sp>
-          <p:sp>
-            <p:nvSpPr>
-              <p:cNvPr id="379" name="Google Shape;379;p39"/>
-              <p:cNvSpPr/>
-              <p:nvPr/>
-            </p:nvSpPr>
-            <p:spPr>
-              <a:xfrm rot="5400000">
-                <a:off x="2104025" y="554375"/>
-                <a:ext cx="634200" cy="133200"/>
-              </a:xfrm>
-              <a:prstGeom prst="rect">
-                <a:avLst/>
-              </a:prstGeom>
-              <a:grpFill/>
-              <a:ln>
-                <a:noFill/>
-              </a:ln>
-            </p:spPr>
-            <p:txBody>
-              <a:bodyPr spcFirstLastPara="1" wrap="square" lIns="91425" tIns="91425" rIns="91425" bIns="91425" anchor="ctr" anchorCtr="0">
-                <a:noAutofit/>
-              </a:bodyPr>
-              <a:lstStyle/>
-              <a:p>
-                <a:pPr marL="0" lvl="0" indent="0" algn="l" rtl="0">
-                  <a:spcBef>
-                    <a:spcPts val="0"/>
-                  </a:spcBef>
-                  <a:spcAft>
-                    <a:spcPts val="0"/>
-                  </a:spcAft>
-                  <a:buNone/>
-                </a:pPr>
-                <a:endParaRPr>
-                  <a:solidFill>
-                    <a:schemeClr val="bg1"/>
-                  </a:solidFill>
-                </a:endParaRPr>
-              </a:p>
-            </p:txBody>
-          </p:sp>
-        </p:grpSp>
-        <p:grpSp>
-          <p:nvGrpSpPr>
-            <p:cNvPr id="380" name="Google Shape;380;p39"/>
-            <p:cNvGrpSpPr/>
-            <p:nvPr/>
-          </p:nvGrpSpPr>
-          <p:grpSpPr>
-            <a:xfrm rot="-5400000">
-              <a:off x="3164816" y="-956617"/>
-              <a:ext cx="440452" cy="440452"/>
-              <a:chOff x="1853525" y="303875"/>
-              <a:chExt cx="634200" cy="634200"/>
-            </a:xfrm>
-            <a:grpFill/>
-          </p:grpSpPr>
-          <p:sp>
-            <p:nvSpPr>
-              <p:cNvPr id="381" name="Google Shape;381;p39"/>
-              <p:cNvSpPr/>
-              <p:nvPr/>
-            </p:nvSpPr>
-            <p:spPr>
-              <a:xfrm>
-                <a:off x="1853525" y="804875"/>
-                <a:ext cx="634200" cy="133200"/>
-              </a:xfrm>
-              <a:prstGeom prst="rect">
-                <a:avLst/>
-              </a:prstGeom>
-              <a:grpFill/>
-              <a:ln>
-                <a:noFill/>
-              </a:ln>
-            </p:spPr>
-            <p:txBody>
-              <a:bodyPr spcFirstLastPara="1" wrap="square" lIns="91425" tIns="91425" rIns="91425" bIns="91425" anchor="ctr" anchorCtr="0">
-                <a:noAutofit/>
-              </a:bodyPr>
-              <a:lstStyle/>
-              <a:p>
-                <a:pPr marL="0" lvl="0" indent="0" algn="l" rtl="0">
-                  <a:spcBef>
-                    <a:spcPts val="0"/>
-                  </a:spcBef>
-                  <a:spcAft>
-                    <a:spcPts val="0"/>
-                  </a:spcAft>
-                  <a:buNone/>
-                </a:pPr>
-                <a:endParaRPr>
-                  <a:solidFill>
-                    <a:schemeClr val="bg1"/>
-                  </a:solidFill>
-                </a:endParaRPr>
-              </a:p>
-            </p:txBody>
-          </p:sp>
-          <p:sp>
-            <p:nvSpPr>
-              <p:cNvPr id="382" name="Google Shape;382;p39"/>
-              <p:cNvSpPr/>
-              <p:nvPr/>
-            </p:nvSpPr>
-            <p:spPr>
-              <a:xfrm rot="5400000">
-                <a:off x="2104025" y="554375"/>
-                <a:ext cx="634200" cy="133200"/>
-              </a:xfrm>
-              <a:prstGeom prst="rect">
-                <a:avLst/>
-              </a:prstGeom>
-              <a:grpFill/>
-              <a:ln>
-                <a:noFill/>
-              </a:ln>
-            </p:spPr>
-            <p:txBody>
-              <a:bodyPr spcFirstLastPara="1" wrap="square" lIns="91425" tIns="91425" rIns="91425" bIns="91425" anchor="ctr" anchorCtr="0">
-                <a:noAutofit/>
-              </a:bodyPr>
-              <a:lstStyle/>
-              <a:p>
-                <a:pPr marL="0" lvl="0" indent="0" algn="l" rtl="0">
-                  <a:spcBef>
-                    <a:spcPts val="0"/>
-                  </a:spcBef>
-                  <a:spcAft>
-                    <a:spcPts val="0"/>
-                  </a:spcAft>
-                  <a:buNone/>
-                </a:pPr>
-                <a:endParaRPr dirty="0">
-                  <a:solidFill>
-                    <a:schemeClr val="bg1"/>
-                  </a:solidFill>
-                </a:endParaRPr>
-              </a:p>
-            </p:txBody>
-          </p:sp>
-        </p:grpSp>
-        <p:grpSp>
-          <p:nvGrpSpPr>
-            <p:cNvPr id="383" name="Google Shape;383;p39"/>
-            <p:cNvGrpSpPr/>
-            <p:nvPr/>
-          </p:nvGrpSpPr>
-          <p:grpSpPr>
-            <a:xfrm rot="-5400000">
-              <a:off x="3323568" y="-1115369"/>
-              <a:ext cx="440452" cy="440452"/>
-              <a:chOff x="1853525" y="303875"/>
-              <a:chExt cx="634200" cy="634200"/>
-            </a:xfrm>
-            <a:grpFill/>
-          </p:grpSpPr>
-          <p:sp>
-            <p:nvSpPr>
-              <p:cNvPr id="384" name="Google Shape;384;p39"/>
-              <p:cNvSpPr/>
-              <p:nvPr/>
-            </p:nvSpPr>
-            <p:spPr>
-              <a:xfrm>
-                <a:off x="1853525" y="804875"/>
-                <a:ext cx="634200" cy="133200"/>
-              </a:xfrm>
-              <a:prstGeom prst="rect">
-                <a:avLst/>
-              </a:prstGeom>
-              <a:grpFill/>
-              <a:ln>
-                <a:noFill/>
-              </a:ln>
-            </p:spPr>
-            <p:txBody>
-              <a:bodyPr spcFirstLastPara="1" wrap="square" lIns="91425" tIns="91425" rIns="91425" bIns="91425" anchor="ctr" anchorCtr="0">
-                <a:noAutofit/>
-              </a:bodyPr>
-              <a:lstStyle/>
-              <a:p>
-                <a:pPr marL="0" lvl="0" indent="0" algn="l" rtl="0">
-                  <a:spcBef>
-                    <a:spcPts val="0"/>
-                  </a:spcBef>
-                  <a:spcAft>
-                    <a:spcPts val="0"/>
-                  </a:spcAft>
-                  <a:buNone/>
-                </a:pPr>
-                <a:endParaRPr>
-                  <a:solidFill>
-                    <a:schemeClr val="bg1"/>
-                  </a:solidFill>
-                </a:endParaRPr>
-              </a:p>
-            </p:txBody>
-          </p:sp>
-          <p:sp>
-            <p:nvSpPr>
-              <p:cNvPr id="385" name="Google Shape;385;p39"/>
-              <p:cNvSpPr/>
-              <p:nvPr/>
-            </p:nvSpPr>
-            <p:spPr>
-              <a:xfrm rot="5400000">
-                <a:off x="2104025" y="554375"/>
-                <a:ext cx="634200" cy="133200"/>
-              </a:xfrm>
-              <a:prstGeom prst="rect">
-                <a:avLst/>
-              </a:prstGeom>
-              <a:grpFill/>
-              <a:ln>
-                <a:noFill/>
-              </a:ln>
-            </p:spPr>
-            <p:txBody>
-              <a:bodyPr spcFirstLastPara="1" wrap="square" lIns="91425" tIns="91425" rIns="91425" bIns="91425" anchor="ctr" anchorCtr="0">
-                <a:noAutofit/>
-              </a:bodyPr>
-              <a:lstStyle/>
-              <a:p>
-                <a:pPr marL="0" lvl="0" indent="0" algn="l" rtl="0">
-                  <a:spcBef>
-                    <a:spcPts val="0"/>
-                  </a:spcBef>
-                  <a:spcAft>
-                    <a:spcPts val="0"/>
-                  </a:spcAft>
-                  <a:buNone/>
-                </a:pPr>
-                <a:endParaRPr>
-                  <a:solidFill>
-                    <a:schemeClr val="bg1"/>
-                  </a:solidFill>
-                </a:endParaRPr>
-              </a:p>
-            </p:txBody>
-          </p:sp>
-        </p:grpSp>
-      </p:grpSp>
-      <p:sp>
-        <p:nvSpPr>
-          <p:cNvPr id="8" name="TextBox 7">
-            <a:extLst>
-              <a:ext uri="{FF2B5EF4-FFF2-40B4-BE49-F238E27FC236}">
-                <a16:creationId xmlns:a16="http://schemas.microsoft.com/office/drawing/2014/main" id="{6658C75F-DC18-168E-FB8F-F6F7E23B9F9D}"/>
-              </a:ext>
-            </a:extLst>
-          </p:cNvPr>
-          <p:cNvSpPr txBox="1"/>
-          <p:nvPr/>
-        </p:nvSpPr>
-        <p:spPr>
-          <a:xfrm>
-            <a:off x="242161" y="749769"/>
-            <a:ext cx="8053808" cy="461665"/>
-          </a:xfrm>
-          <a:prstGeom prst="rect">
-            <a:avLst/>
-          </a:prstGeom>
-          <a:noFill/>
-        </p:spPr>
-        <p:txBody>
-          <a:bodyPr wrap="none" rtlCol="0">
-            <a:spAutoFit/>
-          </a:bodyPr>
-          <a:lstStyle/>
-          <a:p>
-            <a:r>
-              <a:rPr lang="en-US" sz="2400" dirty="0">
-                <a:solidFill>
-                  <a:schemeClr val="bg1"/>
-                </a:solidFill>
-              </a:rPr>
-              <a:t>Mortality Rate of Infants in </a:t>
-            </a:r>
-            <a:r>
-              <a:rPr lang="en-US" sz="2400" dirty="0" err="1">
-                <a:solidFill>
-                  <a:schemeClr val="bg1"/>
-                </a:solidFill>
-              </a:rPr>
-              <a:t>CALABARZONfrom</a:t>
-            </a:r>
-            <a:r>
-              <a:rPr lang="en-US" sz="2400" dirty="0">
-                <a:solidFill>
-                  <a:schemeClr val="bg1"/>
-                </a:solidFill>
-              </a:rPr>
-              <a:t> Year 2015</a:t>
-            </a:r>
-            <a:endParaRPr lang="en-PH" sz="2400" dirty="0">
-              <a:solidFill>
-                <a:schemeClr val="bg1"/>
-              </a:solidFill>
-            </a:endParaRPr>
-          </a:p>
-        </p:txBody>
-      </p:sp>
-      <p:pic>
-        <p:nvPicPr>
-          <p:cNvPr id="3" name="Picture 2" descr="Chart, pie chart&#10;&#10;Description automatically generated">
-            <a:extLst>
-              <a:ext uri="{FF2B5EF4-FFF2-40B4-BE49-F238E27FC236}">
-                <a16:creationId xmlns:a16="http://schemas.microsoft.com/office/drawing/2014/main" id="{EEEC8CB5-53F9-8C3A-5D8A-C31A76F55F3A}"/>
-              </a:ext>
-            </a:extLst>
-          </p:cNvPr>
-          <p:cNvPicPr>
-            <a:picLocks noChangeAspect="1"/>
-          </p:cNvPicPr>
-          <p:nvPr/>
-        </p:nvPicPr>
-        <p:blipFill>
-          <a:blip r:embed="rId3"/>
-          <a:stretch>
-            <a:fillRect/>
-          </a:stretch>
-        </p:blipFill>
-        <p:spPr>
-          <a:xfrm>
-            <a:off x="0" y="1328738"/>
-            <a:ext cx="9144000" cy="3808354"/>
-          </a:xfrm>
-          <a:prstGeom prst="rect">
-            <a:avLst/>
-          </a:prstGeom>
-        </p:spPr>
-      </p:pic>
-    </p:spTree>
-    <p:extLst>
-      <p:ext uri="{BB962C8B-B14F-4D97-AF65-F5344CB8AC3E}">
-        <p14:creationId xmlns:p14="http://schemas.microsoft.com/office/powerpoint/2010/main" val="3604693367"/>
-      </p:ext>
-    </p:extLst>
-  </p:cSld>
-  <p:clrMapOvr>
-    <a:masterClrMapping/>
-  </p:clrMapOvr>
-</p:sld>
-</file>
-
-<file path=ppt/slides/slide12.xml><?xml version="1.0" encoding="utf-8"?>
-<p:sld xmlns:a="http://schemas.openxmlformats.org/drawingml/2006/main" xmlns:r="http://schemas.openxmlformats.org/officeDocument/2006/relationships" xmlns:p="http://schemas.openxmlformats.org/presentationml/2006/main">
-  <p:cSld>
-    <p:spTree>
-      <p:nvGrpSpPr>
-        <p:cNvPr id="1" name="Shape 373"/>
-        <p:cNvGrpSpPr/>
-        <p:nvPr/>
-      </p:nvGrpSpPr>
-      <p:grpSpPr>
-        <a:xfrm>
-          <a:off x="0" y="0"/>
-          <a:ext cx="0" cy="0"/>
-          <a:chOff x="0" y="0"/>
-          <a:chExt cx="0" cy="0"/>
-        </a:xfrm>
-      </p:grpSpPr>
-      <p:grpSp>
-        <p:nvGrpSpPr>
-          <p:cNvPr id="376" name="Google Shape;376;p39"/>
-          <p:cNvGrpSpPr/>
-          <p:nvPr/>
-        </p:nvGrpSpPr>
-        <p:grpSpPr>
-          <a:xfrm rot="2700000">
-            <a:off x="8495602" y="689092"/>
-            <a:ext cx="328648" cy="328648"/>
-            <a:chOff x="3006065" y="-1115369"/>
-            <a:chExt cx="757955" cy="757955"/>
-          </a:xfrm>
-          <a:solidFill>
-            <a:schemeClr val="bg1"/>
-          </a:solidFill>
-        </p:grpSpPr>
-        <p:grpSp>
-          <p:nvGrpSpPr>
-            <p:cNvPr id="377" name="Google Shape;377;p39"/>
-            <p:cNvGrpSpPr/>
-            <p:nvPr/>
-          </p:nvGrpSpPr>
-          <p:grpSpPr>
-            <a:xfrm rot="-5400000">
-              <a:off x="3006065" y="-797866"/>
-              <a:ext cx="440452" cy="440452"/>
-              <a:chOff x="1853525" y="303875"/>
-              <a:chExt cx="634200" cy="634200"/>
-            </a:xfrm>
-            <a:grpFill/>
-          </p:grpSpPr>
-          <p:sp>
-            <p:nvSpPr>
-              <p:cNvPr id="378" name="Google Shape;378;p39"/>
-              <p:cNvSpPr/>
-              <p:nvPr/>
-            </p:nvSpPr>
-            <p:spPr>
-              <a:xfrm>
-                <a:off x="1853525" y="804875"/>
-                <a:ext cx="634200" cy="133200"/>
-              </a:xfrm>
-              <a:prstGeom prst="rect">
-                <a:avLst/>
-              </a:prstGeom>
-              <a:grpFill/>
-              <a:ln>
-                <a:noFill/>
-              </a:ln>
-            </p:spPr>
-            <p:txBody>
-              <a:bodyPr spcFirstLastPara="1" wrap="square" lIns="91425" tIns="91425" rIns="91425" bIns="91425" anchor="ctr" anchorCtr="0">
-                <a:noAutofit/>
-              </a:bodyPr>
-              <a:lstStyle/>
-              <a:p>
-                <a:pPr marL="0" lvl="0" indent="0" algn="l" rtl="0">
-                  <a:spcBef>
-                    <a:spcPts val="0"/>
-                  </a:spcBef>
-                  <a:spcAft>
-                    <a:spcPts val="0"/>
-                  </a:spcAft>
-                  <a:buNone/>
-                </a:pPr>
-                <a:endParaRPr>
-                  <a:solidFill>
-                    <a:schemeClr val="bg1"/>
-                  </a:solidFill>
-                </a:endParaRPr>
-              </a:p>
-            </p:txBody>
-          </p:sp>
-          <p:sp>
-            <p:nvSpPr>
-              <p:cNvPr id="379" name="Google Shape;379;p39"/>
-              <p:cNvSpPr/>
-              <p:nvPr/>
-            </p:nvSpPr>
-            <p:spPr>
-              <a:xfrm rot="5400000">
-                <a:off x="2104025" y="554375"/>
-                <a:ext cx="634200" cy="133200"/>
-              </a:xfrm>
-              <a:prstGeom prst="rect">
-                <a:avLst/>
-              </a:prstGeom>
-              <a:grpFill/>
-              <a:ln>
-                <a:noFill/>
-              </a:ln>
-            </p:spPr>
-            <p:txBody>
-              <a:bodyPr spcFirstLastPara="1" wrap="square" lIns="91425" tIns="91425" rIns="91425" bIns="91425" anchor="ctr" anchorCtr="0">
-                <a:noAutofit/>
-              </a:bodyPr>
-              <a:lstStyle/>
-              <a:p>
-                <a:pPr marL="0" lvl="0" indent="0" algn="l" rtl="0">
-                  <a:spcBef>
-                    <a:spcPts val="0"/>
-                  </a:spcBef>
-                  <a:spcAft>
-                    <a:spcPts val="0"/>
-                  </a:spcAft>
-                  <a:buNone/>
-                </a:pPr>
-                <a:endParaRPr>
-                  <a:solidFill>
-                    <a:schemeClr val="bg1"/>
-                  </a:solidFill>
-                </a:endParaRPr>
-              </a:p>
-            </p:txBody>
-          </p:sp>
-        </p:grpSp>
-        <p:grpSp>
-          <p:nvGrpSpPr>
-            <p:cNvPr id="380" name="Google Shape;380;p39"/>
-            <p:cNvGrpSpPr/>
-            <p:nvPr/>
-          </p:nvGrpSpPr>
-          <p:grpSpPr>
-            <a:xfrm rot="-5400000">
-              <a:off x="3164816" y="-956617"/>
-              <a:ext cx="440452" cy="440452"/>
-              <a:chOff x="1853525" y="303875"/>
-              <a:chExt cx="634200" cy="634200"/>
-            </a:xfrm>
-            <a:grpFill/>
-          </p:grpSpPr>
-          <p:sp>
-            <p:nvSpPr>
-              <p:cNvPr id="381" name="Google Shape;381;p39"/>
-              <p:cNvSpPr/>
-              <p:nvPr/>
-            </p:nvSpPr>
-            <p:spPr>
-              <a:xfrm>
-                <a:off x="1853525" y="804875"/>
-                <a:ext cx="634200" cy="133200"/>
-              </a:xfrm>
-              <a:prstGeom prst="rect">
-                <a:avLst/>
-              </a:prstGeom>
-              <a:grpFill/>
-              <a:ln>
-                <a:noFill/>
-              </a:ln>
-            </p:spPr>
-            <p:txBody>
-              <a:bodyPr spcFirstLastPara="1" wrap="square" lIns="91425" tIns="91425" rIns="91425" bIns="91425" anchor="ctr" anchorCtr="0">
-                <a:noAutofit/>
-              </a:bodyPr>
-              <a:lstStyle/>
-              <a:p>
-                <a:pPr marL="0" lvl="0" indent="0" algn="l" rtl="0">
-                  <a:spcBef>
-                    <a:spcPts val="0"/>
-                  </a:spcBef>
-                  <a:spcAft>
-                    <a:spcPts val="0"/>
-                  </a:spcAft>
-                  <a:buNone/>
-                </a:pPr>
-                <a:endParaRPr>
-                  <a:solidFill>
-                    <a:schemeClr val="bg1"/>
-                  </a:solidFill>
-                </a:endParaRPr>
-              </a:p>
-            </p:txBody>
-          </p:sp>
-          <p:sp>
-            <p:nvSpPr>
-              <p:cNvPr id="382" name="Google Shape;382;p39"/>
-              <p:cNvSpPr/>
-              <p:nvPr/>
-            </p:nvSpPr>
-            <p:spPr>
-              <a:xfrm rot="5400000">
-                <a:off x="2104025" y="554375"/>
-                <a:ext cx="634200" cy="133200"/>
-              </a:xfrm>
-              <a:prstGeom prst="rect">
-                <a:avLst/>
-              </a:prstGeom>
-              <a:grpFill/>
-              <a:ln>
-                <a:noFill/>
-              </a:ln>
-            </p:spPr>
-            <p:txBody>
-              <a:bodyPr spcFirstLastPara="1" wrap="square" lIns="91425" tIns="91425" rIns="91425" bIns="91425" anchor="ctr" anchorCtr="0">
-                <a:noAutofit/>
-              </a:bodyPr>
-              <a:lstStyle/>
-              <a:p>
-                <a:pPr marL="0" lvl="0" indent="0" algn="l" rtl="0">
-                  <a:spcBef>
-                    <a:spcPts val="0"/>
-                  </a:spcBef>
-                  <a:spcAft>
-                    <a:spcPts val="0"/>
-                  </a:spcAft>
-                  <a:buNone/>
-                </a:pPr>
-                <a:endParaRPr dirty="0">
-                  <a:solidFill>
-                    <a:schemeClr val="bg1"/>
-                  </a:solidFill>
-                </a:endParaRPr>
-              </a:p>
-            </p:txBody>
-          </p:sp>
-        </p:grpSp>
-        <p:grpSp>
-          <p:nvGrpSpPr>
-            <p:cNvPr id="383" name="Google Shape;383;p39"/>
-            <p:cNvGrpSpPr/>
-            <p:nvPr/>
-          </p:nvGrpSpPr>
-          <p:grpSpPr>
-            <a:xfrm rot="-5400000">
-              <a:off x="3323568" y="-1115369"/>
-              <a:ext cx="440452" cy="440452"/>
-              <a:chOff x="1853525" y="303875"/>
-              <a:chExt cx="634200" cy="634200"/>
-            </a:xfrm>
-            <a:grpFill/>
-          </p:grpSpPr>
-          <p:sp>
-            <p:nvSpPr>
-              <p:cNvPr id="384" name="Google Shape;384;p39"/>
-              <p:cNvSpPr/>
-              <p:nvPr/>
-            </p:nvSpPr>
-            <p:spPr>
-              <a:xfrm>
-                <a:off x="1853525" y="804875"/>
-                <a:ext cx="634200" cy="133200"/>
-              </a:xfrm>
-              <a:prstGeom prst="rect">
-                <a:avLst/>
-              </a:prstGeom>
-              <a:grpFill/>
-              <a:ln>
-                <a:noFill/>
-              </a:ln>
-            </p:spPr>
-            <p:txBody>
-              <a:bodyPr spcFirstLastPara="1" wrap="square" lIns="91425" tIns="91425" rIns="91425" bIns="91425" anchor="ctr" anchorCtr="0">
-                <a:noAutofit/>
-              </a:bodyPr>
-              <a:lstStyle/>
-              <a:p>
-                <a:pPr marL="0" lvl="0" indent="0" algn="l" rtl="0">
-                  <a:spcBef>
-                    <a:spcPts val="0"/>
-                  </a:spcBef>
-                  <a:spcAft>
-                    <a:spcPts val="0"/>
-                  </a:spcAft>
-                  <a:buNone/>
-                </a:pPr>
-                <a:endParaRPr>
-                  <a:solidFill>
-                    <a:schemeClr val="bg1"/>
-                  </a:solidFill>
-                </a:endParaRPr>
-              </a:p>
-            </p:txBody>
-          </p:sp>
-          <p:sp>
-            <p:nvSpPr>
-              <p:cNvPr id="385" name="Google Shape;385;p39"/>
-              <p:cNvSpPr/>
-              <p:nvPr/>
-            </p:nvSpPr>
-            <p:spPr>
-              <a:xfrm rot="5400000">
-                <a:off x="2104025" y="554375"/>
-                <a:ext cx="634200" cy="133200"/>
-              </a:xfrm>
-              <a:prstGeom prst="rect">
-                <a:avLst/>
-              </a:prstGeom>
-              <a:grpFill/>
-              <a:ln>
-                <a:noFill/>
-              </a:ln>
-            </p:spPr>
-            <p:txBody>
-              <a:bodyPr spcFirstLastPara="1" wrap="square" lIns="91425" tIns="91425" rIns="91425" bIns="91425" anchor="ctr" anchorCtr="0">
-                <a:noAutofit/>
-              </a:bodyPr>
-              <a:lstStyle/>
-              <a:p>
-                <a:pPr marL="0" lvl="0" indent="0" algn="l" rtl="0">
-                  <a:spcBef>
-                    <a:spcPts val="0"/>
-                  </a:spcBef>
-                  <a:spcAft>
-                    <a:spcPts val="0"/>
-                  </a:spcAft>
-                  <a:buNone/>
-                </a:pPr>
-                <a:endParaRPr>
-                  <a:solidFill>
-                    <a:schemeClr val="bg1"/>
-                  </a:solidFill>
-                </a:endParaRPr>
-              </a:p>
-            </p:txBody>
-          </p:sp>
-        </p:grpSp>
-      </p:grpSp>
-      <p:sp>
-        <p:nvSpPr>
-          <p:cNvPr id="8" name="TextBox 7">
-            <a:extLst>
-              <a:ext uri="{FF2B5EF4-FFF2-40B4-BE49-F238E27FC236}">
-                <a16:creationId xmlns:a16="http://schemas.microsoft.com/office/drawing/2014/main" id="{6658C75F-DC18-168E-FB8F-F6F7E23B9F9D}"/>
-              </a:ext>
-            </a:extLst>
-          </p:cNvPr>
-          <p:cNvSpPr txBox="1"/>
-          <p:nvPr/>
-        </p:nvSpPr>
-        <p:spPr>
-          <a:xfrm>
-            <a:off x="404085" y="726698"/>
-            <a:ext cx="3703258" cy="523220"/>
-          </a:xfrm>
-          <a:prstGeom prst="rect">
-            <a:avLst/>
-          </a:prstGeom>
-          <a:noFill/>
-        </p:spPr>
-        <p:txBody>
-          <a:bodyPr wrap="none" rtlCol="0">
-            <a:spAutoFit/>
-          </a:bodyPr>
-          <a:lstStyle/>
-          <a:p>
-            <a:r>
-              <a:rPr lang="en-US" sz="2800" dirty="0">
-                <a:solidFill>
-                  <a:schemeClr val="bg1"/>
-                </a:solidFill>
-              </a:rPr>
-              <a:t>Largest Mortality Rate</a:t>
-            </a:r>
-            <a:endParaRPr lang="en-PH" sz="2800" dirty="0">
-              <a:solidFill>
-                <a:schemeClr val="bg1"/>
-              </a:solidFill>
-            </a:endParaRPr>
-          </a:p>
-        </p:txBody>
-      </p:sp>
-      <p:pic>
-        <p:nvPicPr>
-          <p:cNvPr id="3" name="Picture 2" descr="Chart, bar chart&#10;&#10;Description automatically generated">
-            <a:extLst>
-              <a:ext uri="{FF2B5EF4-FFF2-40B4-BE49-F238E27FC236}">
-                <a16:creationId xmlns:a16="http://schemas.microsoft.com/office/drawing/2014/main" id="{09A18D51-1534-E7D9-10BA-CFE9317EBFCA}"/>
-              </a:ext>
-            </a:extLst>
-          </p:cNvPr>
-          <p:cNvPicPr>
-            <a:picLocks noChangeAspect="1"/>
-          </p:cNvPicPr>
-          <p:nvPr/>
-        </p:nvPicPr>
-        <p:blipFill>
-          <a:blip r:embed="rId3"/>
-          <a:stretch>
-            <a:fillRect/>
-          </a:stretch>
-        </p:blipFill>
-        <p:spPr>
-          <a:xfrm>
-            <a:off x="0" y="1211019"/>
-            <a:ext cx="9144000" cy="3932481"/>
-          </a:xfrm>
-          <a:prstGeom prst="rect">
-            <a:avLst/>
-          </a:prstGeom>
-        </p:spPr>
-      </p:pic>
-    </p:spTree>
-    <p:extLst>
-      <p:ext uri="{BB962C8B-B14F-4D97-AF65-F5344CB8AC3E}">
-        <p14:creationId xmlns:p14="http://schemas.microsoft.com/office/powerpoint/2010/main" val="1589548144"/>
-      </p:ext>
-    </p:extLst>
-  </p:cSld>
-  <p:clrMapOvr>
-    <a:masterClrMapping/>
-  </p:clrMapOvr>
-</p:sld>
-</file>
-
-<file path=ppt/slides/slide13.xml><?xml version="1.0" encoding="utf-8"?>
+<file path=ppt/slides/slide14.xml><?xml version="1.0" encoding="utf-8"?>
 <p:sld xmlns:a="http://schemas.openxmlformats.org/drawingml/2006/main" xmlns:r="http://schemas.openxmlformats.org/officeDocument/2006/relationships" xmlns:p="http://schemas.openxmlformats.org/presentationml/2006/main">
   <p:cSld>
     <p:spTree>
@@ -10891,428 +11437,6 @@
     <p:extLst>
       <p:ext uri="{BB962C8B-B14F-4D97-AF65-F5344CB8AC3E}">
         <p14:creationId xmlns:p14="http://schemas.microsoft.com/office/powerpoint/2010/main" val="2326474746"/>
-      </p:ext>
-    </p:extLst>
-  </p:cSld>
-  <p:clrMapOvr>
-    <a:masterClrMapping/>
-  </p:clrMapOvr>
-</p:sld>
-</file>
-
-<file path=ppt/slides/slide14.xml><?xml version="1.0" encoding="utf-8"?>
-<p:sld xmlns:a="http://schemas.openxmlformats.org/drawingml/2006/main" xmlns:r="http://schemas.openxmlformats.org/officeDocument/2006/relationships" xmlns:p="http://schemas.openxmlformats.org/presentationml/2006/main">
-  <p:cSld>
-    <p:spTree>
-      <p:nvGrpSpPr>
-        <p:cNvPr id="1" name="Shape 373"/>
-        <p:cNvGrpSpPr/>
-        <p:nvPr/>
-      </p:nvGrpSpPr>
-      <p:grpSpPr>
-        <a:xfrm>
-          <a:off x="0" y="0"/>
-          <a:ext cx="0" cy="0"/>
-          <a:chOff x="0" y="0"/>
-          <a:chExt cx="0" cy="0"/>
-        </a:xfrm>
-      </p:grpSpPr>
-      <p:grpSp>
-        <p:nvGrpSpPr>
-          <p:cNvPr id="376" name="Google Shape;376;p39"/>
-          <p:cNvGrpSpPr/>
-          <p:nvPr/>
-        </p:nvGrpSpPr>
-        <p:grpSpPr>
-          <a:xfrm rot="2700000">
-            <a:off x="8575591" y="853205"/>
-            <a:ext cx="328648" cy="328648"/>
-            <a:chOff x="3006065" y="-1115369"/>
-            <a:chExt cx="757955" cy="757955"/>
-          </a:xfrm>
-          <a:solidFill>
-            <a:schemeClr val="bg1"/>
-          </a:solidFill>
-        </p:grpSpPr>
-        <p:grpSp>
-          <p:nvGrpSpPr>
-            <p:cNvPr id="377" name="Google Shape;377;p39"/>
-            <p:cNvGrpSpPr/>
-            <p:nvPr/>
-          </p:nvGrpSpPr>
-          <p:grpSpPr>
-            <a:xfrm rot="-5400000">
-              <a:off x="3006065" y="-797866"/>
-              <a:ext cx="440452" cy="440452"/>
-              <a:chOff x="1853525" y="303875"/>
-              <a:chExt cx="634200" cy="634200"/>
-            </a:xfrm>
-            <a:grpFill/>
-          </p:grpSpPr>
-          <p:sp>
-            <p:nvSpPr>
-              <p:cNvPr id="378" name="Google Shape;378;p39"/>
-              <p:cNvSpPr/>
-              <p:nvPr/>
-            </p:nvSpPr>
-            <p:spPr>
-              <a:xfrm>
-                <a:off x="1853525" y="804875"/>
-                <a:ext cx="634200" cy="133200"/>
-              </a:xfrm>
-              <a:prstGeom prst="rect">
-                <a:avLst/>
-              </a:prstGeom>
-              <a:grpFill/>
-              <a:ln>
-                <a:noFill/>
-              </a:ln>
-            </p:spPr>
-            <p:txBody>
-              <a:bodyPr spcFirstLastPara="1" wrap="square" lIns="91425" tIns="91425" rIns="91425" bIns="91425" anchor="ctr" anchorCtr="0">
-                <a:noAutofit/>
-              </a:bodyPr>
-              <a:lstStyle/>
-              <a:p>
-                <a:pPr marL="0" lvl="0" indent="0" algn="l" rtl="0">
-                  <a:spcBef>
-                    <a:spcPts val="0"/>
-                  </a:spcBef>
-                  <a:spcAft>
-                    <a:spcPts val="0"/>
-                  </a:spcAft>
-                  <a:buNone/>
-                </a:pPr>
-                <a:endParaRPr>
-                  <a:solidFill>
-                    <a:schemeClr val="bg1"/>
-                  </a:solidFill>
-                </a:endParaRPr>
-              </a:p>
-            </p:txBody>
-          </p:sp>
-          <p:sp>
-            <p:nvSpPr>
-              <p:cNvPr id="379" name="Google Shape;379;p39"/>
-              <p:cNvSpPr/>
-              <p:nvPr/>
-            </p:nvSpPr>
-            <p:spPr>
-              <a:xfrm rot="5400000">
-                <a:off x="2104025" y="554375"/>
-                <a:ext cx="634200" cy="133200"/>
-              </a:xfrm>
-              <a:prstGeom prst="rect">
-                <a:avLst/>
-              </a:prstGeom>
-              <a:grpFill/>
-              <a:ln>
-                <a:noFill/>
-              </a:ln>
-            </p:spPr>
-            <p:txBody>
-              <a:bodyPr spcFirstLastPara="1" wrap="square" lIns="91425" tIns="91425" rIns="91425" bIns="91425" anchor="ctr" anchorCtr="0">
-                <a:noAutofit/>
-              </a:bodyPr>
-              <a:lstStyle/>
-              <a:p>
-                <a:pPr marL="0" lvl="0" indent="0" algn="l" rtl="0">
-                  <a:spcBef>
-                    <a:spcPts val="0"/>
-                  </a:spcBef>
-                  <a:spcAft>
-                    <a:spcPts val="0"/>
-                  </a:spcAft>
-                  <a:buNone/>
-                </a:pPr>
-                <a:endParaRPr>
-                  <a:solidFill>
-                    <a:schemeClr val="bg1"/>
-                  </a:solidFill>
-                </a:endParaRPr>
-              </a:p>
-            </p:txBody>
-          </p:sp>
-        </p:grpSp>
-        <p:grpSp>
-          <p:nvGrpSpPr>
-            <p:cNvPr id="380" name="Google Shape;380;p39"/>
-            <p:cNvGrpSpPr/>
-            <p:nvPr/>
-          </p:nvGrpSpPr>
-          <p:grpSpPr>
-            <a:xfrm rot="-5400000">
-              <a:off x="3164816" y="-956617"/>
-              <a:ext cx="440452" cy="440452"/>
-              <a:chOff x="1853525" y="303875"/>
-              <a:chExt cx="634200" cy="634200"/>
-            </a:xfrm>
-            <a:grpFill/>
-          </p:grpSpPr>
-          <p:sp>
-            <p:nvSpPr>
-              <p:cNvPr id="381" name="Google Shape;381;p39"/>
-              <p:cNvSpPr/>
-              <p:nvPr/>
-            </p:nvSpPr>
-            <p:spPr>
-              <a:xfrm>
-                <a:off x="1853525" y="804875"/>
-                <a:ext cx="634200" cy="133200"/>
-              </a:xfrm>
-              <a:prstGeom prst="rect">
-                <a:avLst/>
-              </a:prstGeom>
-              <a:grpFill/>
-              <a:ln>
-                <a:noFill/>
-              </a:ln>
-            </p:spPr>
-            <p:txBody>
-              <a:bodyPr spcFirstLastPara="1" wrap="square" lIns="91425" tIns="91425" rIns="91425" bIns="91425" anchor="ctr" anchorCtr="0">
-                <a:noAutofit/>
-              </a:bodyPr>
-              <a:lstStyle/>
-              <a:p>
-                <a:pPr marL="0" lvl="0" indent="0" algn="l" rtl="0">
-                  <a:spcBef>
-                    <a:spcPts val="0"/>
-                  </a:spcBef>
-                  <a:spcAft>
-                    <a:spcPts val="0"/>
-                  </a:spcAft>
-                  <a:buNone/>
-                </a:pPr>
-                <a:endParaRPr>
-                  <a:solidFill>
-                    <a:schemeClr val="bg1"/>
-                  </a:solidFill>
-                </a:endParaRPr>
-              </a:p>
-            </p:txBody>
-          </p:sp>
-          <p:sp>
-            <p:nvSpPr>
-              <p:cNvPr id="382" name="Google Shape;382;p39"/>
-              <p:cNvSpPr/>
-              <p:nvPr/>
-            </p:nvSpPr>
-            <p:spPr>
-              <a:xfrm rot="5400000">
-                <a:off x="2104025" y="554375"/>
-                <a:ext cx="634200" cy="133200"/>
-              </a:xfrm>
-              <a:prstGeom prst="rect">
-                <a:avLst/>
-              </a:prstGeom>
-              <a:grpFill/>
-              <a:ln>
-                <a:noFill/>
-              </a:ln>
-            </p:spPr>
-            <p:txBody>
-              <a:bodyPr spcFirstLastPara="1" wrap="square" lIns="91425" tIns="91425" rIns="91425" bIns="91425" anchor="ctr" anchorCtr="0">
-                <a:noAutofit/>
-              </a:bodyPr>
-              <a:lstStyle/>
-              <a:p>
-                <a:pPr marL="0" lvl="0" indent="0" algn="l" rtl="0">
-                  <a:spcBef>
-                    <a:spcPts val="0"/>
-                  </a:spcBef>
-                  <a:spcAft>
-                    <a:spcPts val="0"/>
-                  </a:spcAft>
-                  <a:buNone/>
-                </a:pPr>
-                <a:endParaRPr dirty="0">
-                  <a:solidFill>
-                    <a:schemeClr val="bg1"/>
-                  </a:solidFill>
-                </a:endParaRPr>
-              </a:p>
-            </p:txBody>
-          </p:sp>
-        </p:grpSp>
-        <p:grpSp>
-          <p:nvGrpSpPr>
-            <p:cNvPr id="383" name="Google Shape;383;p39"/>
-            <p:cNvGrpSpPr/>
-            <p:nvPr/>
-          </p:nvGrpSpPr>
-          <p:grpSpPr>
-            <a:xfrm rot="-5400000">
-              <a:off x="3323568" y="-1115369"/>
-              <a:ext cx="440452" cy="440452"/>
-              <a:chOff x="1853525" y="303875"/>
-              <a:chExt cx="634200" cy="634200"/>
-            </a:xfrm>
-            <a:grpFill/>
-          </p:grpSpPr>
-          <p:sp>
-            <p:nvSpPr>
-              <p:cNvPr id="384" name="Google Shape;384;p39"/>
-              <p:cNvSpPr/>
-              <p:nvPr/>
-            </p:nvSpPr>
-            <p:spPr>
-              <a:xfrm>
-                <a:off x="1853525" y="804875"/>
-                <a:ext cx="634200" cy="133200"/>
-              </a:xfrm>
-              <a:prstGeom prst="rect">
-                <a:avLst/>
-              </a:prstGeom>
-              <a:grpFill/>
-              <a:ln>
-                <a:noFill/>
-              </a:ln>
-            </p:spPr>
-            <p:txBody>
-              <a:bodyPr spcFirstLastPara="1" wrap="square" lIns="91425" tIns="91425" rIns="91425" bIns="91425" anchor="ctr" anchorCtr="0">
-                <a:noAutofit/>
-              </a:bodyPr>
-              <a:lstStyle/>
-              <a:p>
-                <a:pPr marL="0" lvl="0" indent="0" algn="l" rtl="0">
-                  <a:spcBef>
-                    <a:spcPts val="0"/>
-                  </a:spcBef>
-                  <a:spcAft>
-                    <a:spcPts val="0"/>
-                  </a:spcAft>
-                  <a:buNone/>
-                </a:pPr>
-                <a:endParaRPr>
-                  <a:solidFill>
-                    <a:schemeClr val="bg1"/>
-                  </a:solidFill>
-                </a:endParaRPr>
-              </a:p>
-            </p:txBody>
-          </p:sp>
-          <p:sp>
-            <p:nvSpPr>
-              <p:cNvPr id="385" name="Google Shape;385;p39"/>
-              <p:cNvSpPr/>
-              <p:nvPr/>
-            </p:nvSpPr>
-            <p:spPr>
-              <a:xfrm rot="5400000">
-                <a:off x="2104025" y="554375"/>
-                <a:ext cx="634200" cy="133200"/>
-              </a:xfrm>
-              <a:prstGeom prst="rect">
-                <a:avLst/>
-              </a:prstGeom>
-              <a:grpFill/>
-              <a:ln>
-                <a:noFill/>
-              </a:ln>
-            </p:spPr>
-            <p:txBody>
-              <a:bodyPr spcFirstLastPara="1" wrap="square" lIns="91425" tIns="91425" rIns="91425" bIns="91425" anchor="ctr" anchorCtr="0">
-                <a:noAutofit/>
-              </a:bodyPr>
-              <a:lstStyle/>
-              <a:p>
-                <a:pPr marL="0" lvl="0" indent="0" algn="l" rtl="0">
-                  <a:spcBef>
-                    <a:spcPts val="0"/>
-                  </a:spcBef>
-                  <a:spcAft>
-                    <a:spcPts val="0"/>
-                  </a:spcAft>
-                  <a:buNone/>
-                </a:pPr>
-                <a:endParaRPr>
-                  <a:solidFill>
-                    <a:schemeClr val="bg1"/>
-                  </a:solidFill>
-                </a:endParaRPr>
-              </a:p>
-            </p:txBody>
-          </p:sp>
-        </p:grpSp>
-      </p:grpSp>
-      <p:sp>
-        <p:nvSpPr>
-          <p:cNvPr id="8" name="TextBox 7">
-            <a:extLst>
-              <a:ext uri="{FF2B5EF4-FFF2-40B4-BE49-F238E27FC236}">
-                <a16:creationId xmlns:a16="http://schemas.microsoft.com/office/drawing/2014/main" id="{6658C75F-DC18-168E-FB8F-F6F7E23B9F9D}"/>
-              </a:ext>
-            </a:extLst>
-          </p:cNvPr>
-          <p:cNvSpPr txBox="1"/>
-          <p:nvPr/>
-        </p:nvSpPr>
-        <p:spPr>
-          <a:xfrm>
-            <a:off x="404085" y="726698"/>
-            <a:ext cx="6816290" cy="523220"/>
-          </a:xfrm>
-          <a:prstGeom prst="rect">
-            <a:avLst/>
-          </a:prstGeom>
-          <a:noFill/>
-        </p:spPr>
-        <p:txBody>
-          <a:bodyPr wrap="none" rtlCol="0">
-            <a:spAutoFit/>
-          </a:bodyPr>
-          <a:lstStyle/>
-          <a:p>
-            <a:r>
-              <a:rPr lang="en-US" sz="2800" dirty="0">
-                <a:solidFill>
-                  <a:schemeClr val="bg1"/>
-                </a:solidFill>
-              </a:rPr>
-              <a:t>Maternal Mortality Rate in CALABARZON</a:t>
-            </a:r>
-            <a:endParaRPr lang="en-PH" sz="2800" dirty="0">
-              <a:solidFill>
-                <a:schemeClr val="bg1"/>
-              </a:solidFill>
-            </a:endParaRPr>
-          </a:p>
-        </p:txBody>
-      </p:sp>
-      <p:pic>
-        <p:nvPicPr>
-          <p:cNvPr id="3" name="Picture 2" descr="Chart, pie chart&#10;&#10;Description automatically generated">
-            <a:extLst>
-              <a:ext uri="{FF2B5EF4-FFF2-40B4-BE49-F238E27FC236}">
-                <a16:creationId xmlns:a16="http://schemas.microsoft.com/office/drawing/2014/main" id="{9963F3E1-209E-46D7-0557-EE56F90F3818}"/>
-              </a:ext>
-            </a:extLst>
-          </p:cNvPr>
-          <p:cNvPicPr>
-            <a:picLocks noChangeAspect="1"/>
-          </p:cNvPicPr>
-          <p:nvPr/>
-        </p:nvPicPr>
-        <p:blipFill>
-          <a:blip r:embed="rId3"/>
-          <a:stretch>
-            <a:fillRect/>
-          </a:stretch>
-        </p:blipFill>
-        <p:spPr>
-          <a:xfrm>
-            <a:off x="0" y="1328737"/>
-            <a:ext cx="9144000" cy="3914775"/>
-          </a:xfrm>
-          <a:prstGeom prst="rect">
-            <a:avLst/>
-          </a:prstGeom>
-        </p:spPr>
-      </p:pic>
-    </p:spTree>
-    <p:extLst>
-      <p:ext uri="{BB962C8B-B14F-4D97-AF65-F5344CB8AC3E}">
-        <p14:creationId xmlns:p14="http://schemas.microsoft.com/office/powerpoint/2010/main" val="511134157"/>
       </p:ext>
     </p:extLst>
   </p:cSld>
@@ -12944,8 +13068,8 @@
               <a:buNone/>
             </a:pPr>
             <a:r>
-              <a:rPr lang="en" dirty="0"/>
-              <a:t>Deaths from 2000 - 2018</a:t>
+              <a:rPr lang="en-US" dirty="0"/>
+              <a:t>Infant Death History</a:t>
             </a:r>
             <a:endParaRPr dirty="0"/>
           </a:p>
@@ -13277,10 +13401,10 @@
       </p:grpSp>
       <p:pic>
         <p:nvPicPr>
-          <p:cNvPr id="29" name="Picture 28">
+          <p:cNvPr id="3" name="Picture 2">
             <a:extLst>
               <a:ext uri="{FF2B5EF4-FFF2-40B4-BE49-F238E27FC236}">
-                <a16:creationId xmlns:a16="http://schemas.microsoft.com/office/drawing/2014/main" id="{3E5B4C41-870B-7DF2-2458-E0F83B7A0AA2}"/>
+                <a16:creationId xmlns:a16="http://schemas.microsoft.com/office/drawing/2014/main" id="{A3760D74-DD98-E130-C5B0-ACC55091138B}"/>
               </a:ext>
             </a:extLst>
           </p:cNvPr>
@@ -13297,8 +13421,550 @@
         </p:blipFill>
         <p:spPr>
           <a:xfrm>
-            <a:off x="14896" y="1259080"/>
-            <a:ext cx="9129103" cy="3884419"/>
+            <a:off x="5283" y="1217224"/>
+            <a:ext cx="9138717" cy="3926276"/>
+          </a:xfrm>
+          <a:prstGeom prst="rect">
+            <a:avLst/>
+          </a:prstGeom>
+        </p:spPr>
+      </p:pic>
+      <p:sp>
+        <p:nvSpPr>
+          <p:cNvPr id="16" name="Arrow: Left 15">
+            <a:extLst>
+              <a:ext uri="{FF2B5EF4-FFF2-40B4-BE49-F238E27FC236}">
+                <a16:creationId xmlns:a16="http://schemas.microsoft.com/office/drawing/2014/main" id="{0FB8B50A-F9AC-9A19-C3F8-80BC1471E3D6}"/>
+              </a:ext>
+            </a:extLst>
+          </p:cNvPr>
+          <p:cNvSpPr/>
+          <p:nvPr/>
+        </p:nvSpPr>
+        <p:spPr>
+          <a:xfrm flipH="1">
+            <a:off x="796739" y="4686300"/>
+            <a:ext cx="469934" cy="200025"/>
+          </a:xfrm>
+          <a:prstGeom prst="leftArrow">
+            <a:avLst/>
+          </a:prstGeom>
+          <a:solidFill>
+            <a:srgbClr val="FF0000"/>
+          </a:solidFill>
+        </p:spPr>
+        <p:style>
+          <a:lnRef idx="2">
+            <a:schemeClr val="dk1"/>
+          </a:lnRef>
+          <a:fillRef idx="1">
+            <a:schemeClr val="lt1"/>
+          </a:fillRef>
+          <a:effectRef idx="0">
+            <a:schemeClr val="dk1"/>
+          </a:effectRef>
+          <a:fontRef idx="minor">
+            <a:schemeClr val="dk1"/>
+          </a:fontRef>
+        </p:style>
+        <p:txBody>
+          <a:bodyPr rtlCol="0" anchor="ctr"/>
+          <a:lstStyle/>
+          <a:p>
+            <a:pPr algn="ctr"/>
+            <a:endParaRPr lang="en-PH"/>
+          </a:p>
+        </p:txBody>
+      </p:sp>
+    </p:spTree>
+  </p:cSld>
+  <p:clrMapOvr>
+    <a:masterClrMapping/>
+  </p:clrMapOvr>
+  <p:timing>
+    <p:tnLst>
+      <p:par>
+        <p:cTn id="1" dur="indefinite" restart="never" nodeType="tmRoot">
+          <p:childTnLst>
+            <p:seq concurrent="1" nextAc="seek">
+              <p:cTn id="2" dur="indefinite" nodeType="mainSeq">
+                <p:childTnLst>
+                  <p:par>
+                    <p:cTn id="3" fill="hold">
+                      <p:stCondLst>
+                        <p:cond delay="indefinite"/>
+                      </p:stCondLst>
+                      <p:childTnLst>
+                        <p:par>
+                          <p:cTn id="4" fill="hold">
+                            <p:stCondLst>
+                              <p:cond delay="0"/>
+                            </p:stCondLst>
+                            <p:childTnLst>
+                              <p:par>
+                                <p:cTn id="5" presetID="1" presetClass="entr" presetSubtype="0" fill="hold" grpId="0" nodeType="clickEffect">
+                                  <p:stCondLst>
+                                    <p:cond delay="0"/>
+                                  </p:stCondLst>
+                                  <p:childTnLst>
+                                    <p:set>
+                                      <p:cBhvr>
+                                        <p:cTn id="6" dur="1" fill="hold">
+                                          <p:stCondLst>
+                                            <p:cond delay="0"/>
+                                          </p:stCondLst>
+                                        </p:cTn>
+                                        <p:tgtEl>
+                                          <p:spTgt spid="16"/>
+                                        </p:tgtEl>
+                                        <p:attrNameLst>
+                                          <p:attrName>style.visibility</p:attrName>
+                                        </p:attrNameLst>
+                                      </p:cBhvr>
+                                      <p:to>
+                                        <p:strVal val="visible"/>
+                                      </p:to>
+                                    </p:set>
+                                  </p:childTnLst>
+                                </p:cTn>
+                              </p:par>
+                            </p:childTnLst>
+                          </p:cTn>
+                        </p:par>
+                      </p:childTnLst>
+                    </p:cTn>
+                  </p:par>
+                </p:childTnLst>
+              </p:cTn>
+              <p:prevCondLst>
+                <p:cond evt="onPrev" delay="0">
+                  <p:tgtEl>
+                    <p:sldTgt/>
+                  </p:tgtEl>
+                </p:cond>
+              </p:prevCondLst>
+              <p:nextCondLst>
+                <p:cond evt="onNext" delay="0">
+                  <p:tgtEl>
+                    <p:sldTgt/>
+                  </p:tgtEl>
+                </p:cond>
+              </p:nextCondLst>
+            </p:seq>
+          </p:childTnLst>
+        </p:cTn>
+      </p:par>
+    </p:tnLst>
+    <p:bldLst>
+      <p:bldP spid="16" grpId="0" animBg="1"/>
+    </p:bldLst>
+  </p:timing>
+</p:sld>
+</file>
+
+<file path=ppt/slides/slide6.xml><?xml version="1.0" encoding="utf-8"?>
+<p:sld xmlns:a="http://schemas.openxmlformats.org/drawingml/2006/main" xmlns:r="http://schemas.openxmlformats.org/officeDocument/2006/relationships" xmlns:p="http://schemas.openxmlformats.org/presentationml/2006/main">
+  <p:cSld>
+    <p:spTree>
+      <p:nvGrpSpPr>
+        <p:cNvPr id="1" name="Shape 373"/>
+        <p:cNvGrpSpPr/>
+        <p:nvPr/>
+      </p:nvGrpSpPr>
+      <p:grpSpPr>
+        <a:xfrm>
+          <a:off x="0" y="0"/>
+          <a:ext cx="0" cy="0"/>
+          <a:chOff x="0" y="0"/>
+          <a:chExt cx="0" cy="0"/>
+        </a:xfrm>
+      </p:grpSpPr>
+      <p:grpSp>
+        <p:nvGrpSpPr>
+          <p:cNvPr id="376" name="Google Shape;376;p39"/>
+          <p:cNvGrpSpPr/>
+          <p:nvPr/>
+        </p:nvGrpSpPr>
+        <p:grpSpPr>
+          <a:xfrm rot="2700000">
+            <a:off x="8495602" y="689092"/>
+            <a:ext cx="328648" cy="328648"/>
+            <a:chOff x="3006065" y="-1115369"/>
+            <a:chExt cx="757955" cy="757955"/>
+          </a:xfrm>
+          <a:solidFill>
+            <a:schemeClr val="bg1"/>
+          </a:solidFill>
+        </p:grpSpPr>
+        <p:grpSp>
+          <p:nvGrpSpPr>
+            <p:cNvPr id="377" name="Google Shape;377;p39"/>
+            <p:cNvGrpSpPr/>
+            <p:nvPr/>
+          </p:nvGrpSpPr>
+          <p:grpSpPr>
+            <a:xfrm rot="-5400000">
+              <a:off x="3006065" y="-797866"/>
+              <a:ext cx="440452" cy="440452"/>
+              <a:chOff x="1853525" y="303875"/>
+              <a:chExt cx="634200" cy="634200"/>
+            </a:xfrm>
+            <a:grpFill/>
+          </p:grpSpPr>
+          <p:sp>
+            <p:nvSpPr>
+              <p:cNvPr id="378" name="Google Shape;378;p39"/>
+              <p:cNvSpPr/>
+              <p:nvPr/>
+            </p:nvSpPr>
+            <p:spPr>
+              <a:xfrm>
+                <a:off x="1853525" y="804875"/>
+                <a:ext cx="634200" cy="133200"/>
+              </a:xfrm>
+              <a:prstGeom prst="rect">
+                <a:avLst/>
+              </a:prstGeom>
+              <a:grpFill/>
+              <a:ln>
+                <a:noFill/>
+              </a:ln>
+            </p:spPr>
+            <p:txBody>
+              <a:bodyPr spcFirstLastPara="1" wrap="square" lIns="91425" tIns="91425" rIns="91425" bIns="91425" anchor="ctr" anchorCtr="0">
+                <a:noAutofit/>
+              </a:bodyPr>
+              <a:lstStyle/>
+              <a:p>
+                <a:pPr marL="0" lvl="0" indent="0" algn="l" rtl="0">
+                  <a:spcBef>
+                    <a:spcPts val="0"/>
+                  </a:spcBef>
+                  <a:spcAft>
+                    <a:spcPts val="0"/>
+                  </a:spcAft>
+                  <a:buNone/>
+                </a:pPr>
+                <a:endParaRPr>
+                  <a:solidFill>
+                    <a:schemeClr val="bg1"/>
+                  </a:solidFill>
+                </a:endParaRPr>
+              </a:p>
+            </p:txBody>
+          </p:sp>
+          <p:sp>
+            <p:nvSpPr>
+              <p:cNvPr id="379" name="Google Shape;379;p39"/>
+              <p:cNvSpPr/>
+              <p:nvPr/>
+            </p:nvSpPr>
+            <p:spPr>
+              <a:xfrm rot="5400000">
+                <a:off x="2104025" y="554375"/>
+                <a:ext cx="634200" cy="133200"/>
+              </a:xfrm>
+              <a:prstGeom prst="rect">
+                <a:avLst/>
+              </a:prstGeom>
+              <a:grpFill/>
+              <a:ln>
+                <a:noFill/>
+              </a:ln>
+            </p:spPr>
+            <p:txBody>
+              <a:bodyPr spcFirstLastPara="1" wrap="square" lIns="91425" tIns="91425" rIns="91425" bIns="91425" anchor="ctr" anchorCtr="0">
+                <a:noAutofit/>
+              </a:bodyPr>
+              <a:lstStyle/>
+              <a:p>
+                <a:pPr marL="0" lvl="0" indent="0" algn="l" rtl="0">
+                  <a:spcBef>
+                    <a:spcPts val="0"/>
+                  </a:spcBef>
+                  <a:spcAft>
+                    <a:spcPts val="0"/>
+                  </a:spcAft>
+                  <a:buNone/>
+                </a:pPr>
+                <a:endParaRPr>
+                  <a:solidFill>
+                    <a:schemeClr val="bg1"/>
+                  </a:solidFill>
+                </a:endParaRPr>
+              </a:p>
+            </p:txBody>
+          </p:sp>
+        </p:grpSp>
+        <p:grpSp>
+          <p:nvGrpSpPr>
+            <p:cNvPr id="380" name="Google Shape;380;p39"/>
+            <p:cNvGrpSpPr/>
+            <p:nvPr/>
+          </p:nvGrpSpPr>
+          <p:grpSpPr>
+            <a:xfrm rot="-5400000">
+              <a:off x="3164816" y="-956617"/>
+              <a:ext cx="440452" cy="440452"/>
+              <a:chOff x="1853525" y="303875"/>
+              <a:chExt cx="634200" cy="634200"/>
+            </a:xfrm>
+            <a:grpFill/>
+          </p:grpSpPr>
+          <p:sp>
+            <p:nvSpPr>
+              <p:cNvPr id="381" name="Google Shape;381;p39"/>
+              <p:cNvSpPr/>
+              <p:nvPr/>
+            </p:nvSpPr>
+            <p:spPr>
+              <a:xfrm>
+                <a:off x="1853525" y="804875"/>
+                <a:ext cx="634200" cy="133200"/>
+              </a:xfrm>
+              <a:prstGeom prst="rect">
+                <a:avLst/>
+              </a:prstGeom>
+              <a:grpFill/>
+              <a:ln>
+                <a:noFill/>
+              </a:ln>
+            </p:spPr>
+            <p:txBody>
+              <a:bodyPr spcFirstLastPara="1" wrap="square" lIns="91425" tIns="91425" rIns="91425" bIns="91425" anchor="ctr" anchorCtr="0">
+                <a:noAutofit/>
+              </a:bodyPr>
+              <a:lstStyle/>
+              <a:p>
+                <a:pPr marL="0" lvl="0" indent="0" algn="l" rtl="0">
+                  <a:spcBef>
+                    <a:spcPts val="0"/>
+                  </a:spcBef>
+                  <a:spcAft>
+                    <a:spcPts val="0"/>
+                  </a:spcAft>
+                  <a:buNone/>
+                </a:pPr>
+                <a:endParaRPr>
+                  <a:solidFill>
+                    <a:schemeClr val="bg1"/>
+                  </a:solidFill>
+                </a:endParaRPr>
+              </a:p>
+            </p:txBody>
+          </p:sp>
+          <p:sp>
+            <p:nvSpPr>
+              <p:cNvPr id="382" name="Google Shape;382;p39"/>
+              <p:cNvSpPr/>
+              <p:nvPr/>
+            </p:nvSpPr>
+            <p:spPr>
+              <a:xfrm rot="5400000">
+                <a:off x="2104025" y="554375"/>
+                <a:ext cx="634200" cy="133200"/>
+              </a:xfrm>
+              <a:prstGeom prst="rect">
+                <a:avLst/>
+              </a:prstGeom>
+              <a:grpFill/>
+              <a:ln>
+                <a:noFill/>
+              </a:ln>
+            </p:spPr>
+            <p:txBody>
+              <a:bodyPr spcFirstLastPara="1" wrap="square" lIns="91425" tIns="91425" rIns="91425" bIns="91425" anchor="ctr" anchorCtr="0">
+                <a:noAutofit/>
+              </a:bodyPr>
+              <a:lstStyle/>
+              <a:p>
+                <a:pPr marL="0" lvl="0" indent="0" algn="l" rtl="0">
+                  <a:spcBef>
+                    <a:spcPts val="0"/>
+                  </a:spcBef>
+                  <a:spcAft>
+                    <a:spcPts val="0"/>
+                  </a:spcAft>
+                  <a:buNone/>
+                </a:pPr>
+                <a:endParaRPr dirty="0">
+                  <a:solidFill>
+                    <a:schemeClr val="bg1"/>
+                  </a:solidFill>
+                </a:endParaRPr>
+              </a:p>
+            </p:txBody>
+          </p:sp>
+        </p:grpSp>
+        <p:grpSp>
+          <p:nvGrpSpPr>
+            <p:cNvPr id="383" name="Google Shape;383;p39"/>
+            <p:cNvGrpSpPr/>
+            <p:nvPr/>
+          </p:nvGrpSpPr>
+          <p:grpSpPr>
+            <a:xfrm rot="-5400000">
+              <a:off x="3323568" y="-1115369"/>
+              <a:ext cx="440452" cy="440452"/>
+              <a:chOff x="1853525" y="303875"/>
+              <a:chExt cx="634200" cy="634200"/>
+            </a:xfrm>
+            <a:grpFill/>
+          </p:grpSpPr>
+          <p:sp>
+            <p:nvSpPr>
+              <p:cNvPr id="384" name="Google Shape;384;p39"/>
+              <p:cNvSpPr/>
+              <p:nvPr/>
+            </p:nvSpPr>
+            <p:spPr>
+              <a:xfrm>
+                <a:off x="1853525" y="804875"/>
+                <a:ext cx="634200" cy="133200"/>
+              </a:xfrm>
+              <a:prstGeom prst="rect">
+                <a:avLst/>
+              </a:prstGeom>
+              <a:grpFill/>
+              <a:ln>
+                <a:noFill/>
+              </a:ln>
+            </p:spPr>
+            <p:txBody>
+              <a:bodyPr spcFirstLastPara="1" wrap="square" lIns="91425" tIns="91425" rIns="91425" bIns="91425" anchor="ctr" anchorCtr="0">
+                <a:noAutofit/>
+              </a:bodyPr>
+              <a:lstStyle/>
+              <a:p>
+                <a:pPr marL="0" lvl="0" indent="0" algn="l" rtl="0">
+                  <a:spcBef>
+                    <a:spcPts val="0"/>
+                  </a:spcBef>
+                  <a:spcAft>
+                    <a:spcPts val="0"/>
+                  </a:spcAft>
+                  <a:buNone/>
+                </a:pPr>
+                <a:endParaRPr>
+                  <a:solidFill>
+                    <a:schemeClr val="bg1"/>
+                  </a:solidFill>
+                </a:endParaRPr>
+              </a:p>
+            </p:txBody>
+          </p:sp>
+          <p:sp>
+            <p:nvSpPr>
+              <p:cNvPr id="385" name="Google Shape;385;p39"/>
+              <p:cNvSpPr/>
+              <p:nvPr/>
+            </p:nvSpPr>
+            <p:spPr>
+              <a:xfrm rot="5400000">
+                <a:off x="2104025" y="554375"/>
+                <a:ext cx="634200" cy="133200"/>
+              </a:xfrm>
+              <a:prstGeom prst="rect">
+                <a:avLst/>
+              </a:prstGeom>
+              <a:grpFill/>
+              <a:ln>
+                <a:noFill/>
+              </a:ln>
+            </p:spPr>
+            <p:txBody>
+              <a:bodyPr spcFirstLastPara="1" wrap="square" lIns="91425" tIns="91425" rIns="91425" bIns="91425" anchor="ctr" anchorCtr="0">
+                <a:noAutofit/>
+              </a:bodyPr>
+              <a:lstStyle/>
+              <a:p>
+                <a:pPr marL="0" lvl="0" indent="0" algn="l" rtl="0">
+                  <a:spcBef>
+                    <a:spcPts val="0"/>
+                  </a:spcBef>
+                  <a:spcAft>
+                    <a:spcPts val="0"/>
+                  </a:spcAft>
+                  <a:buNone/>
+                </a:pPr>
+                <a:endParaRPr>
+                  <a:solidFill>
+                    <a:schemeClr val="bg1"/>
+                  </a:solidFill>
+                </a:endParaRPr>
+              </a:p>
+            </p:txBody>
+          </p:sp>
+        </p:grpSp>
+      </p:grpSp>
+      <p:sp>
+        <p:nvSpPr>
+          <p:cNvPr id="8" name="TextBox 7">
+            <a:extLst>
+              <a:ext uri="{FF2B5EF4-FFF2-40B4-BE49-F238E27FC236}">
+                <a16:creationId xmlns:a16="http://schemas.microsoft.com/office/drawing/2014/main" id="{6658C75F-DC18-168E-FB8F-F6F7E23B9F9D}"/>
+              </a:ext>
+            </a:extLst>
+          </p:cNvPr>
+          <p:cNvSpPr txBox="1"/>
+          <p:nvPr/>
+        </p:nvSpPr>
+        <p:spPr>
+          <a:xfrm>
+            <a:off x="404085" y="726698"/>
+            <a:ext cx="3703258" cy="523220"/>
+          </a:xfrm>
+          <a:prstGeom prst="rect">
+            <a:avLst/>
+          </a:prstGeom>
+          <a:noFill/>
+        </p:spPr>
+        <p:txBody>
+          <a:bodyPr wrap="none" rtlCol="0">
+            <a:spAutoFit/>
+          </a:bodyPr>
+          <a:lstStyle/>
+          <a:p>
+            <a:r>
+              <a:rPr lang="en-US" sz="2800" dirty="0">
+                <a:solidFill>
+                  <a:schemeClr val="bg1"/>
+                </a:solidFill>
+              </a:rPr>
+              <a:t>Largest Mortality Rate</a:t>
+            </a:r>
+            <a:endParaRPr lang="en-PH" sz="2800" dirty="0">
+              <a:solidFill>
+                <a:schemeClr val="bg1"/>
+              </a:solidFill>
+            </a:endParaRPr>
+          </a:p>
+        </p:txBody>
+      </p:sp>
+      <p:pic>
+        <p:nvPicPr>
+          <p:cNvPr id="3" name="Picture 2" descr="Chart, bar chart&#10;&#10;Description automatically generated">
+            <a:extLst>
+              <a:ext uri="{FF2B5EF4-FFF2-40B4-BE49-F238E27FC236}">
+                <a16:creationId xmlns:a16="http://schemas.microsoft.com/office/drawing/2014/main" id="{09A18D51-1534-E7D9-10BA-CFE9317EBFCA}"/>
+              </a:ext>
+            </a:extLst>
+          </p:cNvPr>
+          <p:cNvPicPr>
+            <a:picLocks noChangeAspect="1"/>
+          </p:cNvPicPr>
+          <p:nvPr/>
+        </p:nvPicPr>
+        <p:blipFill>
+          <a:blip r:embed="rId3"/>
+          <a:stretch>
+            <a:fillRect/>
+          </a:stretch>
+        </p:blipFill>
+        <p:spPr>
+          <a:xfrm>
+            <a:off x="0" y="1211019"/>
+            <a:ext cx="9144000" cy="3932481"/>
           </a:xfrm>
           <a:prstGeom prst="rect">
             <a:avLst/>
@@ -13306,6 +13972,11 @@
         </p:spPr>
       </p:pic>
     </p:spTree>
+    <p:extLst>
+      <p:ext uri="{BB962C8B-B14F-4D97-AF65-F5344CB8AC3E}">
+        <p14:creationId xmlns:p14="http://schemas.microsoft.com/office/powerpoint/2010/main" val="1589548144"/>
+      </p:ext>
+    </p:extLst>
   </p:cSld>
   <p:clrMapOvr>
     <a:masterClrMapping/>
@@ -13313,7 +13984,851 @@
 </p:sld>
 </file>
 
-<file path=ppt/slides/slide6.xml><?xml version="1.0" encoding="utf-8"?>
+<file path=ppt/slides/slide7.xml><?xml version="1.0" encoding="utf-8"?>
+<p:sld xmlns:a="http://schemas.openxmlformats.org/drawingml/2006/main" xmlns:r="http://schemas.openxmlformats.org/officeDocument/2006/relationships" xmlns:p="http://schemas.openxmlformats.org/presentationml/2006/main">
+  <p:cSld>
+    <p:spTree>
+      <p:nvGrpSpPr>
+        <p:cNvPr id="1" name="Shape 373"/>
+        <p:cNvGrpSpPr/>
+        <p:nvPr/>
+      </p:nvGrpSpPr>
+      <p:grpSpPr>
+        <a:xfrm>
+          <a:off x="0" y="0"/>
+          <a:ext cx="0" cy="0"/>
+          <a:chOff x="0" y="0"/>
+          <a:chExt cx="0" cy="0"/>
+        </a:xfrm>
+      </p:grpSpPr>
+      <p:grpSp>
+        <p:nvGrpSpPr>
+          <p:cNvPr id="376" name="Google Shape;376;p39"/>
+          <p:cNvGrpSpPr/>
+          <p:nvPr/>
+        </p:nvGrpSpPr>
+        <p:grpSpPr>
+          <a:xfrm rot="2700000">
+            <a:off x="8575591" y="853205"/>
+            <a:ext cx="328648" cy="328648"/>
+            <a:chOff x="3006065" y="-1115369"/>
+            <a:chExt cx="757955" cy="757955"/>
+          </a:xfrm>
+          <a:solidFill>
+            <a:schemeClr val="bg1"/>
+          </a:solidFill>
+        </p:grpSpPr>
+        <p:grpSp>
+          <p:nvGrpSpPr>
+            <p:cNvPr id="377" name="Google Shape;377;p39"/>
+            <p:cNvGrpSpPr/>
+            <p:nvPr/>
+          </p:nvGrpSpPr>
+          <p:grpSpPr>
+            <a:xfrm rot="-5400000">
+              <a:off x="3006065" y="-797866"/>
+              <a:ext cx="440452" cy="440452"/>
+              <a:chOff x="1853525" y="303875"/>
+              <a:chExt cx="634200" cy="634200"/>
+            </a:xfrm>
+            <a:grpFill/>
+          </p:grpSpPr>
+          <p:sp>
+            <p:nvSpPr>
+              <p:cNvPr id="378" name="Google Shape;378;p39"/>
+              <p:cNvSpPr/>
+              <p:nvPr/>
+            </p:nvSpPr>
+            <p:spPr>
+              <a:xfrm>
+                <a:off x="1853525" y="804875"/>
+                <a:ext cx="634200" cy="133200"/>
+              </a:xfrm>
+              <a:prstGeom prst="rect">
+                <a:avLst/>
+              </a:prstGeom>
+              <a:grpFill/>
+              <a:ln>
+                <a:noFill/>
+              </a:ln>
+            </p:spPr>
+            <p:txBody>
+              <a:bodyPr spcFirstLastPara="1" wrap="square" lIns="91425" tIns="91425" rIns="91425" bIns="91425" anchor="ctr" anchorCtr="0">
+                <a:noAutofit/>
+              </a:bodyPr>
+              <a:lstStyle/>
+              <a:p>
+                <a:pPr marL="0" lvl="0" indent="0" algn="l" rtl="0">
+                  <a:spcBef>
+                    <a:spcPts val="0"/>
+                  </a:spcBef>
+                  <a:spcAft>
+                    <a:spcPts val="0"/>
+                  </a:spcAft>
+                  <a:buNone/>
+                </a:pPr>
+                <a:endParaRPr>
+                  <a:solidFill>
+                    <a:schemeClr val="bg1"/>
+                  </a:solidFill>
+                </a:endParaRPr>
+              </a:p>
+            </p:txBody>
+          </p:sp>
+          <p:sp>
+            <p:nvSpPr>
+              <p:cNvPr id="379" name="Google Shape;379;p39"/>
+              <p:cNvSpPr/>
+              <p:nvPr/>
+            </p:nvSpPr>
+            <p:spPr>
+              <a:xfrm rot="5400000">
+                <a:off x="2104025" y="554375"/>
+                <a:ext cx="634200" cy="133200"/>
+              </a:xfrm>
+              <a:prstGeom prst="rect">
+                <a:avLst/>
+              </a:prstGeom>
+              <a:grpFill/>
+              <a:ln>
+                <a:noFill/>
+              </a:ln>
+            </p:spPr>
+            <p:txBody>
+              <a:bodyPr spcFirstLastPara="1" wrap="square" lIns="91425" tIns="91425" rIns="91425" bIns="91425" anchor="ctr" anchorCtr="0">
+                <a:noAutofit/>
+              </a:bodyPr>
+              <a:lstStyle/>
+              <a:p>
+                <a:pPr marL="0" lvl="0" indent="0" algn="l" rtl="0">
+                  <a:spcBef>
+                    <a:spcPts val="0"/>
+                  </a:spcBef>
+                  <a:spcAft>
+                    <a:spcPts val="0"/>
+                  </a:spcAft>
+                  <a:buNone/>
+                </a:pPr>
+                <a:endParaRPr>
+                  <a:solidFill>
+                    <a:schemeClr val="bg1"/>
+                  </a:solidFill>
+                </a:endParaRPr>
+              </a:p>
+            </p:txBody>
+          </p:sp>
+        </p:grpSp>
+        <p:grpSp>
+          <p:nvGrpSpPr>
+            <p:cNvPr id="380" name="Google Shape;380;p39"/>
+            <p:cNvGrpSpPr/>
+            <p:nvPr/>
+          </p:nvGrpSpPr>
+          <p:grpSpPr>
+            <a:xfrm rot="-5400000">
+              <a:off x="3164816" y="-956617"/>
+              <a:ext cx="440452" cy="440452"/>
+              <a:chOff x="1853525" y="303875"/>
+              <a:chExt cx="634200" cy="634200"/>
+            </a:xfrm>
+            <a:grpFill/>
+          </p:grpSpPr>
+          <p:sp>
+            <p:nvSpPr>
+              <p:cNvPr id="381" name="Google Shape;381;p39"/>
+              <p:cNvSpPr/>
+              <p:nvPr/>
+            </p:nvSpPr>
+            <p:spPr>
+              <a:xfrm>
+                <a:off x="1853525" y="804875"/>
+                <a:ext cx="634200" cy="133200"/>
+              </a:xfrm>
+              <a:prstGeom prst="rect">
+                <a:avLst/>
+              </a:prstGeom>
+              <a:grpFill/>
+              <a:ln>
+                <a:noFill/>
+              </a:ln>
+            </p:spPr>
+            <p:txBody>
+              <a:bodyPr spcFirstLastPara="1" wrap="square" lIns="91425" tIns="91425" rIns="91425" bIns="91425" anchor="ctr" anchorCtr="0">
+                <a:noAutofit/>
+              </a:bodyPr>
+              <a:lstStyle/>
+              <a:p>
+                <a:pPr marL="0" lvl="0" indent="0" algn="l" rtl="0">
+                  <a:spcBef>
+                    <a:spcPts val="0"/>
+                  </a:spcBef>
+                  <a:spcAft>
+                    <a:spcPts val="0"/>
+                  </a:spcAft>
+                  <a:buNone/>
+                </a:pPr>
+                <a:endParaRPr>
+                  <a:solidFill>
+                    <a:schemeClr val="bg1"/>
+                  </a:solidFill>
+                </a:endParaRPr>
+              </a:p>
+            </p:txBody>
+          </p:sp>
+          <p:sp>
+            <p:nvSpPr>
+              <p:cNvPr id="382" name="Google Shape;382;p39"/>
+              <p:cNvSpPr/>
+              <p:nvPr/>
+            </p:nvSpPr>
+            <p:spPr>
+              <a:xfrm rot="5400000">
+                <a:off x="2104025" y="554375"/>
+                <a:ext cx="634200" cy="133200"/>
+              </a:xfrm>
+              <a:prstGeom prst="rect">
+                <a:avLst/>
+              </a:prstGeom>
+              <a:grpFill/>
+              <a:ln>
+                <a:noFill/>
+              </a:ln>
+            </p:spPr>
+            <p:txBody>
+              <a:bodyPr spcFirstLastPara="1" wrap="square" lIns="91425" tIns="91425" rIns="91425" bIns="91425" anchor="ctr" anchorCtr="0">
+                <a:noAutofit/>
+              </a:bodyPr>
+              <a:lstStyle/>
+              <a:p>
+                <a:pPr marL="0" lvl="0" indent="0" algn="l" rtl="0">
+                  <a:spcBef>
+                    <a:spcPts val="0"/>
+                  </a:spcBef>
+                  <a:spcAft>
+                    <a:spcPts val="0"/>
+                  </a:spcAft>
+                  <a:buNone/>
+                </a:pPr>
+                <a:endParaRPr dirty="0">
+                  <a:solidFill>
+                    <a:schemeClr val="bg1"/>
+                  </a:solidFill>
+                </a:endParaRPr>
+              </a:p>
+            </p:txBody>
+          </p:sp>
+        </p:grpSp>
+        <p:grpSp>
+          <p:nvGrpSpPr>
+            <p:cNvPr id="383" name="Google Shape;383;p39"/>
+            <p:cNvGrpSpPr/>
+            <p:nvPr/>
+          </p:nvGrpSpPr>
+          <p:grpSpPr>
+            <a:xfrm rot="-5400000">
+              <a:off x="3323568" y="-1115369"/>
+              <a:ext cx="440452" cy="440452"/>
+              <a:chOff x="1853525" y="303875"/>
+              <a:chExt cx="634200" cy="634200"/>
+            </a:xfrm>
+            <a:grpFill/>
+          </p:grpSpPr>
+          <p:sp>
+            <p:nvSpPr>
+              <p:cNvPr id="384" name="Google Shape;384;p39"/>
+              <p:cNvSpPr/>
+              <p:nvPr/>
+            </p:nvSpPr>
+            <p:spPr>
+              <a:xfrm>
+                <a:off x="1853525" y="804875"/>
+                <a:ext cx="634200" cy="133200"/>
+              </a:xfrm>
+              <a:prstGeom prst="rect">
+                <a:avLst/>
+              </a:prstGeom>
+              <a:grpFill/>
+              <a:ln>
+                <a:noFill/>
+              </a:ln>
+            </p:spPr>
+            <p:txBody>
+              <a:bodyPr spcFirstLastPara="1" wrap="square" lIns="91425" tIns="91425" rIns="91425" bIns="91425" anchor="ctr" anchorCtr="0">
+                <a:noAutofit/>
+              </a:bodyPr>
+              <a:lstStyle/>
+              <a:p>
+                <a:pPr marL="0" lvl="0" indent="0" algn="l" rtl="0">
+                  <a:spcBef>
+                    <a:spcPts val="0"/>
+                  </a:spcBef>
+                  <a:spcAft>
+                    <a:spcPts val="0"/>
+                  </a:spcAft>
+                  <a:buNone/>
+                </a:pPr>
+                <a:endParaRPr>
+                  <a:solidFill>
+                    <a:schemeClr val="bg1"/>
+                  </a:solidFill>
+                </a:endParaRPr>
+              </a:p>
+            </p:txBody>
+          </p:sp>
+          <p:sp>
+            <p:nvSpPr>
+              <p:cNvPr id="385" name="Google Shape;385;p39"/>
+              <p:cNvSpPr/>
+              <p:nvPr/>
+            </p:nvSpPr>
+            <p:spPr>
+              <a:xfrm rot="5400000">
+                <a:off x="2104025" y="554375"/>
+                <a:ext cx="634200" cy="133200"/>
+              </a:xfrm>
+              <a:prstGeom prst="rect">
+                <a:avLst/>
+              </a:prstGeom>
+              <a:grpFill/>
+              <a:ln>
+                <a:noFill/>
+              </a:ln>
+            </p:spPr>
+            <p:txBody>
+              <a:bodyPr spcFirstLastPara="1" wrap="square" lIns="91425" tIns="91425" rIns="91425" bIns="91425" anchor="ctr" anchorCtr="0">
+                <a:noAutofit/>
+              </a:bodyPr>
+              <a:lstStyle/>
+              <a:p>
+                <a:pPr marL="0" lvl="0" indent="0" algn="l" rtl="0">
+                  <a:spcBef>
+                    <a:spcPts val="0"/>
+                  </a:spcBef>
+                  <a:spcAft>
+                    <a:spcPts val="0"/>
+                  </a:spcAft>
+                  <a:buNone/>
+                </a:pPr>
+                <a:endParaRPr>
+                  <a:solidFill>
+                    <a:schemeClr val="bg1"/>
+                  </a:solidFill>
+                </a:endParaRPr>
+              </a:p>
+            </p:txBody>
+          </p:sp>
+        </p:grpSp>
+      </p:grpSp>
+      <p:sp>
+        <p:nvSpPr>
+          <p:cNvPr id="8" name="TextBox 7">
+            <a:extLst>
+              <a:ext uri="{FF2B5EF4-FFF2-40B4-BE49-F238E27FC236}">
+                <a16:creationId xmlns:a16="http://schemas.microsoft.com/office/drawing/2014/main" id="{6658C75F-DC18-168E-FB8F-F6F7E23B9F9D}"/>
+              </a:ext>
+            </a:extLst>
+          </p:cNvPr>
+          <p:cNvSpPr txBox="1"/>
+          <p:nvPr/>
+        </p:nvSpPr>
+        <p:spPr>
+          <a:xfrm>
+            <a:off x="404085" y="726698"/>
+            <a:ext cx="6816290" cy="523220"/>
+          </a:xfrm>
+          <a:prstGeom prst="rect">
+            <a:avLst/>
+          </a:prstGeom>
+          <a:noFill/>
+        </p:spPr>
+        <p:txBody>
+          <a:bodyPr wrap="none" rtlCol="0">
+            <a:spAutoFit/>
+          </a:bodyPr>
+          <a:lstStyle/>
+          <a:p>
+            <a:r>
+              <a:rPr lang="en-US" sz="2800" dirty="0">
+                <a:solidFill>
+                  <a:schemeClr val="bg1"/>
+                </a:solidFill>
+              </a:rPr>
+              <a:t>Maternal Mortality Rate in CALABARZON</a:t>
+            </a:r>
+            <a:endParaRPr lang="en-PH" sz="2800" dirty="0">
+              <a:solidFill>
+                <a:schemeClr val="bg1"/>
+              </a:solidFill>
+            </a:endParaRPr>
+          </a:p>
+        </p:txBody>
+      </p:sp>
+      <p:pic>
+        <p:nvPicPr>
+          <p:cNvPr id="3" name="Picture 2" descr="Chart, pie chart&#10;&#10;Description automatically generated">
+            <a:extLst>
+              <a:ext uri="{FF2B5EF4-FFF2-40B4-BE49-F238E27FC236}">
+                <a16:creationId xmlns:a16="http://schemas.microsoft.com/office/drawing/2014/main" id="{9963F3E1-209E-46D7-0557-EE56F90F3818}"/>
+              </a:ext>
+            </a:extLst>
+          </p:cNvPr>
+          <p:cNvPicPr>
+            <a:picLocks noChangeAspect="1"/>
+          </p:cNvPicPr>
+          <p:nvPr/>
+        </p:nvPicPr>
+        <p:blipFill>
+          <a:blip r:embed="rId3"/>
+          <a:stretch>
+            <a:fillRect/>
+          </a:stretch>
+        </p:blipFill>
+        <p:spPr>
+          <a:xfrm>
+            <a:off x="0" y="1328737"/>
+            <a:ext cx="9144000" cy="3914775"/>
+          </a:xfrm>
+          <a:prstGeom prst="rect">
+            <a:avLst/>
+          </a:prstGeom>
+        </p:spPr>
+      </p:pic>
+    </p:spTree>
+    <p:extLst>
+      <p:ext uri="{BB962C8B-B14F-4D97-AF65-F5344CB8AC3E}">
+        <p14:creationId xmlns:p14="http://schemas.microsoft.com/office/powerpoint/2010/main" val="511134157"/>
+      </p:ext>
+    </p:extLst>
+  </p:cSld>
+  <p:clrMapOvr>
+    <a:masterClrMapping/>
+  </p:clrMapOvr>
+</p:sld>
+</file>
+
+<file path=ppt/slides/slide8.xml><?xml version="1.0" encoding="utf-8"?>
+<p:sld xmlns:a="http://schemas.openxmlformats.org/drawingml/2006/main" xmlns:r="http://schemas.openxmlformats.org/officeDocument/2006/relationships" xmlns:p="http://schemas.openxmlformats.org/presentationml/2006/main">
+  <p:cSld>
+    <p:spTree>
+      <p:nvGrpSpPr>
+        <p:cNvPr id="1" name="Shape 373"/>
+        <p:cNvGrpSpPr/>
+        <p:nvPr/>
+      </p:nvGrpSpPr>
+      <p:grpSpPr>
+        <a:xfrm>
+          <a:off x="0" y="0"/>
+          <a:ext cx="0" cy="0"/>
+          <a:chOff x="0" y="0"/>
+          <a:chExt cx="0" cy="0"/>
+        </a:xfrm>
+      </p:grpSpPr>
+      <p:grpSp>
+        <p:nvGrpSpPr>
+          <p:cNvPr id="376" name="Google Shape;376;p39"/>
+          <p:cNvGrpSpPr/>
+          <p:nvPr/>
+        </p:nvGrpSpPr>
+        <p:grpSpPr>
+          <a:xfrm rot="2700000">
+            <a:off x="8505125" y="794763"/>
+            <a:ext cx="328648" cy="328648"/>
+            <a:chOff x="3006065" y="-1115369"/>
+            <a:chExt cx="757955" cy="757955"/>
+          </a:xfrm>
+          <a:solidFill>
+            <a:schemeClr val="bg1"/>
+          </a:solidFill>
+        </p:grpSpPr>
+        <p:grpSp>
+          <p:nvGrpSpPr>
+            <p:cNvPr id="377" name="Google Shape;377;p39"/>
+            <p:cNvGrpSpPr/>
+            <p:nvPr/>
+          </p:nvGrpSpPr>
+          <p:grpSpPr>
+            <a:xfrm rot="-5400000">
+              <a:off x="3006065" y="-797866"/>
+              <a:ext cx="440452" cy="440452"/>
+              <a:chOff x="1853525" y="303875"/>
+              <a:chExt cx="634200" cy="634200"/>
+            </a:xfrm>
+            <a:grpFill/>
+          </p:grpSpPr>
+          <p:sp>
+            <p:nvSpPr>
+              <p:cNvPr id="378" name="Google Shape;378;p39"/>
+              <p:cNvSpPr/>
+              <p:nvPr/>
+            </p:nvSpPr>
+            <p:spPr>
+              <a:xfrm>
+                <a:off x="1853525" y="804875"/>
+                <a:ext cx="634200" cy="133200"/>
+              </a:xfrm>
+              <a:prstGeom prst="rect">
+                <a:avLst/>
+              </a:prstGeom>
+              <a:grpFill/>
+              <a:ln>
+                <a:noFill/>
+              </a:ln>
+            </p:spPr>
+            <p:txBody>
+              <a:bodyPr spcFirstLastPara="1" wrap="square" lIns="91425" tIns="91425" rIns="91425" bIns="91425" anchor="ctr" anchorCtr="0">
+                <a:noAutofit/>
+              </a:bodyPr>
+              <a:lstStyle/>
+              <a:p>
+                <a:pPr marL="0" lvl="0" indent="0" algn="l" rtl="0">
+                  <a:spcBef>
+                    <a:spcPts val="0"/>
+                  </a:spcBef>
+                  <a:spcAft>
+                    <a:spcPts val="0"/>
+                  </a:spcAft>
+                  <a:buNone/>
+                </a:pPr>
+                <a:endParaRPr>
+                  <a:solidFill>
+                    <a:schemeClr val="bg1"/>
+                  </a:solidFill>
+                </a:endParaRPr>
+              </a:p>
+            </p:txBody>
+          </p:sp>
+          <p:sp>
+            <p:nvSpPr>
+              <p:cNvPr id="379" name="Google Shape;379;p39"/>
+              <p:cNvSpPr/>
+              <p:nvPr/>
+            </p:nvSpPr>
+            <p:spPr>
+              <a:xfrm rot="5400000">
+                <a:off x="2104025" y="554375"/>
+                <a:ext cx="634200" cy="133200"/>
+              </a:xfrm>
+              <a:prstGeom prst="rect">
+                <a:avLst/>
+              </a:prstGeom>
+              <a:grpFill/>
+              <a:ln>
+                <a:noFill/>
+              </a:ln>
+            </p:spPr>
+            <p:txBody>
+              <a:bodyPr spcFirstLastPara="1" wrap="square" lIns="91425" tIns="91425" rIns="91425" bIns="91425" anchor="ctr" anchorCtr="0">
+                <a:noAutofit/>
+              </a:bodyPr>
+              <a:lstStyle/>
+              <a:p>
+                <a:pPr marL="0" lvl="0" indent="0" algn="l" rtl="0">
+                  <a:spcBef>
+                    <a:spcPts val="0"/>
+                  </a:spcBef>
+                  <a:spcAft>
+                    <a:spcPts val="0"/>
+                  </a:spcAft>
+                  <a:buNone/>
+                </a:pPr>
+                <a:endParaRPr>
+                  <a:solidFill>
+                    <a:schemeClr val="bg1"/>
+                  </a:solidFill>
+                </a:endParaRPr>
+              </a:p>
+            </p:txBody>
+          </p:sp>
+        </p:grpSp>
+        <p:grpSp>
+          <p:nvGrpSpPr>
+            <p:cNvPr id="380" name="Google Shape;380;p39"/>
+            <p:cNvGrpSpPr/>
+            <p:nvPr/>
+          </p:nvGrpSpPr>
+          <p:grpSpPr>
+            <a:xfrm rot="-5400000">
+              <a:off x="3164816" y="-956617"/>
+              <a:ext cx="440452" cy="440452"/>
+              <a:chOff x="1853525" y="303875"/>
+              <a:chExt cx="634200" cy="634200"/>
+            </a:xfrm>
+            <a:grpFill/>
+          </p:grpSpPr>
+          <p:sp>
+            <p:nvSpPr>
+              <p:cNvPr id="381" name="Google Shape;381;p39"/>
+              <p:cNvSpPr/>
+              <p:nvPr/>
+            </p:nvSpPr>
+            <p:spPr>
+              <a:xfrm>
+                <a:off x="1853525" y="804875"/>
+                <a:ext cx="634200" cy="133200"/>
+              </a:xfrm>
+              <a:prstGeom prst="rect">
+                <a:avLst/>
+              </a:prstGeom>
+              <a:grpFill/>
+              <a:ln>
+                <a:noFill/>
+              </a:ln>
+            </p:spPr>
+            <p:txBody>
+              <a:bodyPr spcFirstLastPara="1" wrap="square" lIns="91425" tIns="91425" rIns="91425" bIns="91425" anchor="ctr" anchorCtr="0">
+                <a:noAutofit/>
+              </a:bodyPr>
+              <a:lstStyle/>
+              <a:p>
+                <a:pPr marL="0" lvl="0" indent="0" algn="l" rtl="0">
+                  <a:spcBef>
+                    <a:spcPts val="0"/>
+                  </a:spcBef>
+                  <a:spcAft>
+                    <a:spcPts val="0"/>
+                  </a:spcAft>
+                  <a:buNone/>
+                </a:pPr>
+                <a:endParaRPr>
+                  <a:solidFill>
+                    <a:schemeClr val="bg1"/>
+                  </a:solidFill>
+                </a:endParaRPr>
+              </a:p>
+            </p:txBody>
+          </p:sp>
+          <p:sp>
+            <p:nvSpPr>
+              <p:cNvPr id="382" name="Google Shape;382;p39"/>
+              <p:cNvSpPr/>
+              <p:nvPr/>
+            </p:nvSpPr>
+            <p:spPr>
+              <a:xfrm rot="5400000">
+                <a:off x="2104025" y="554375"/>
+                <a:ext cx="634200" cy="133200"/>
+              </a:xfrm>
+              <a:prstGeom prst="rect">
+                <a:avLst/>
+              </a:prstGeom>
+              <a:grpFill/>
+              <a:ln>
+                <a:noFill/>
+              </a:ln>
+            </p:spPr>
+            <p:txBody>
+              <a:bodyPr spcFirstLastPara="1" wrap="square" lIns="91425" tIns="91425" rIns="91425" bIns="91425" anchor="ctr" anchorCtr="0">
+                <a:noAutofit/>
+              </a:bodyPr>
+              <a:lstStyle/>
+              <a:p>
+                <a:pPr marL="0" lvl="0" indent="0" algn="l" rtl="0">
+                  <a:spcBef>
+                    <a:spcPts val="0"/>
+                  </a:spcBef>
+                  <a:spcAft>
+                    <a:spcPts val="0"/>
+                  </a:spcAft>
+                  <a:buNone/>
+                </a:pPr>
+                <a:endParaRPr dirty="0">
+                  <a:solidFill>
+                    <a:schemeClr val="bg1"/>
+                  </a:solidFill>
+                </a:endParaRPr>
+              </a:p>
+            </p:txBody>
+          </p:sp>
+        </p:grpSp>
+        <p:grpSp>
+          <p:nvGrpSpPr>
+            <p:cNvPr id="383" name="Google Shape;383;p39"/>
+            <p:cNvGrpSpPr/>
+            <p:nvPr/>
+          </p:nvGrpSpPr>
+          <p:grpSpPr>
+            <a:xfrm rot="-5400000">
+              <a:off x="3323568" y="-1115369"/>
+              <a:ext cx="440452" cy="440452"/>
+              <a:chOff x="1853525" y="303875"/>
+              <a:chExt cx="634200" cy="634200"/>
+            </a:xfrm>
+            <a:grpFill/>
+          </p:grpSpPr>
+          <p:sp>
+            <p:nvSpPr>
+              <p:cNvPr id="384" name="Google Shape;384;p39"/>
+              <p:cNvSpPr/>
+              <p:nvPr/>
+            </p:nvSpPr>
+            <p:spPr>
+              <a:xfrm>
+                <a:off x="1853525" y="804875"/>
+                <a:ext cx="634200" cy="133200"/>
+              </a:xfrm>
+              <a:prstGeom prst="rect">
+                <a:avLst/>
+              </a:prstGeom>
+              <a:grpFill/>
+              <a:ln>
+                <a:noFill/>
+              </a:ln>
+            </p:spPr>
+            <p:txBody>
+              <a:bodyPr spcFirstLastPara="1" wrap="square" lIns="91425" tIns="91425" rIns="91425" bIns="91425" anchor="ctr" anchorCtr="0">
+                <a:noAutofit/>
+              </a:bodyPr>
+              <a:lstStyle/>
+              <a:p>
+                <a:pPr marL="0" lvl="0" indent="0" algn="l" rtl="0">
+                  <a:spcBef>
+                    <a:spcPts val="0"/>
+                  </a:spcBef>
+                  <a:spcAft>
+                    <a:spcPts val="0"/>
+                  </a:spcAft>
+                  <a:buNone/>
+                </a:pPr>
+                <a:endParaRPr>
+                  <a:solidFill>
+                    <a:schemeClr val="bg1"/>
+                  </a:solidFill>
+                </a:endParaRPr>
+              </a:p>
+            </p:txBody>
+          </p:sp>
+          <p:sp>
+            <p:nvSpPr>
+              <p:cNvPr id="385" name="Google Shape;385;p39"/>
+              <p:cNvSpPr/>
+              <p:nvPr/>
+            </p:nvSpPr>
+            <p:spPr>
+              <a:xfrm rot="5400000">
+                <a:off x="2104025" y="554375"/>
+                <a:ext cx="634200" cy="133200"/>
+              </a:xfrm>
+              <a:prstGeom prst="rect">
+                <a:avLst/>
+              </a:prstGeom>
+              <a:grpFill/>
+              <a:ln>
+                <a:noFill/>
+              </a:ln>
+            </p:spPr>
+            <p:txBody>
+              <a:bodyPr spcFirstLastPara="1" wrap="square" lIns="91425" tIns="91425" rIns="91425" bIns="91425" anchor="ctr" anchorCtr="0">
+                <a:noAutofit/>
+              </a:bodyPr>
+              <a:lstStyle/>
+              <a:p>
+                <a:pPr marL="0" lvl="0" indent="0" algn="l" rtl="0">
+                  <a:spcBef>
+                    <a:spcPts val="0"/>
+                  </a:spcBef>
+                  <a:spcAft>
+                    <a:spcPts val="0"/>
+                  </a:spcAft>
+                  <a:buNone/>
+                </a:pPr>
+                <a:endParaRPr>
+                  <a:solidFill>
+                    <a:schemeClr val="bg1"/>
+                  </a:solidFill>
+                </a:endParaRPr>
+              </a:p>
+            </p:txBody>
+          </p:sp>
+        </p:grpSp>
+      </p:grpSp>
+      <p:sp>
+        <p:nvSpPr>
+          <p:cNvPr id="8" name="TextBox 7">
+            <a:extLst>
+              <a:ext uri="{FF2B5EF4-FFF2-40B4-BE49-F238E27FC236}">
+                <a16:creationId xmlns:a16="http://schemas.microsoft.com/office/drawing/2014/main" id="{6658C75F-DC18-168E-FB8F-F6F7E23B9F9D}"/>
+              </a:ext>
+            </a:extLst>
+          </p:cNvPr>
+          <p:cNvSpPr txBox="1"/>
+          <p:nvPr/>
+        </p:nvSpPr>
+        <p:spPr>
+          <a:xfrm>
+            <a:off x="242161" y="749769"/>
+            <a:ext cx="8308685" cy="461665"/>
+          </a:xfrm>
+          <a:prstGeom prst="rect">
+            <a:avLst/>
+          </a:prstGeom>
+          <a:noFill/>
+        </p:spPr>
+        <p:txBody>
+          <a:bodyPr wrap="none" rtlCol="0">
+            <a:spAutoFit/>
+          </a:bodyPr>
+          <a:lstStyle/>
+          <a:p>
+            <a:r>
+              <a:rPr lang="en-US" sz="2400" dirty="0">
+                <a:solidFill>
+                  <a:schemeClr val="bg1"/>
+                </a:solidFill>
+              </a:rPr>
+              <a:t>Mortality Rate of Infants in CALABARZON from Year 2015</a:t>
+            </a:r>
+            <a:endParaRPr lang="en-PH" sz="2400" dirty="0">
+              <a:solidFill>
+                <a:schemeClr val="bg1"/>
+              </a:solidFill>
+            </a:endParaRPr>
+          </a:p>
+        </p:txBody>
+      </p:sp>
+      <p:pic>
+        <p:nvPicPr>
+          <p:cNvPr id="3" name="Picture 2" descr="Chart, pie chart&#10;&#10;Description automatically generated">
+            <a:extLst>
+              <a:ext uri="{FF2B5EF4-FFF2-40B4-BE49-F238E27FC236}">
+                <a16:creationId xmlns:a16="http://schemas.microsoft.com/office/drawing/2014/main" id="{EEEC8CB5-53F9-8C3A-5D8A-C31A76F55F3A}"/>
+              </a:ext>
+            </a:extLst>
+          </p:cNvPr>
+          <p:cNvPicPr>
+            <a:picLocks noChangeAspect="1"/>
+          </p:cNvPicPr>
+          <p:nvPr/>
+        </p:nvPicPr>
+        <p:blipFill>
+          <a:blip r:embed="rId3"/>
+          <a:stretch>
+            <a:fillRect/>
+          </a:stretch>
+        </p:blipFill>
+        <p:spPr>
+          <a:xfrm>
+            <a:off x="0" y="1328738"/>
+            <a:ext cx="9144000" cy="3808354"/>
+          </a:xfrm>
+          <a:prstGeom prst="rect">
+            <a:avLst/>
+          </a:prstGeom>
+        </p:spPr>
+      </p:pic>
+    </p:spTree>
+    <p:extLst>
+      <p:ext uri="{BB962C8B-B14F-4D97-AF65-F5344CB8AC3E}">
+        <p14:creationId xmlns:p14="http://schemas.microsoft.com/office/powerpoint/2010/main" val="3604693367"/>
+      </p:ext>
+    </p:extLst>
+  </p:cSld>
+  <p:clrMapOvr>
+    <a:masterClrMapping/>
+  </p:clrMapOvr>
+</p:sld>
+</file>
+
+<file path=ppt/slides/slide9.xml><?xml version="1.0" encoding="utf-8"?>
 <p:sld xmlns:a="http://schemas.openxmlformats.org/drawingml/2006/main" xmlns:r="http://schemas.openxmlformats.org/officeDocument/2006/relationships" xmlns:p="http://schemas.openxmlformats.org/presentationml/2006/main">
   <p:cSld>
     <p:spTree>
@@ -13692,1438 +15207,8 @@
         </p:nvSpPr>
         <p:spPr>
           <a:xfrm>
-            <a:off x="404085" y="726698"/>
-            <a:ext cx="7160935" cy="523220"/>
-          </a:xfrm>
-          <a:prstGeom prst="rect">
-            <a:avLst/>
-          </a:prstGeom>
-          <a:noFill/>
-        </p:spPr>
-        <p:txBody>
-          <a:bodyPr wrap="none" rtlCol="0">
-            <a:spAutoFit/>
-          </a:bodyPr>
-          <a:lstStyle/>
-          <a:p>
-            <a:r>
-              <a:rPr lang="en-US" sz="2800" dirty="0">
-                <a:solidFill>
-                  <a:schemeClr val="bg1"/>
-                </a:solidFill>
-              </a:rPr>
-              <a:t>Infant Death History from Year 2000 - 2017 </a:t>
-            </a:r>
-            <a:endParaRPr lang="en-PH" sz="2800" dirty="0">
-              <a:solidFill>
-                <a:schemeClr val="bg1"/>
-              </a:solidFill>
-            </a:endParaRPr>
-          </a:p>
-        </p:txBody>
-      </p:sp>
-      <p:sp>
-        <p:nvSpPr>
-          <p:cNvPr id="9" name="Arrow: Left 8">
-            <a:extLst>
-              <a:ext uri="{FF2B5EF4-FFF2-40B4-BE49-F238E27FC236}">
-                <a16:creationId xmlns:a16="http://schemas.microsoft.com/office/drawing/2014/main" id="{5DB7B73B-5CAE-3306-546C-B89C9C1A7E4D}"/>
-              </a:ext>
-            </a:extLst>
-          </p:cNvPr>
-          <p:cNvSpPr/>
-          <p:nvPr/>
-        </p:nvSpPr>
-        <p:spPr>
-          <a:xfrm flipH="1">
-            <a:off x="742951" y="4686300"/>
-            <a:ext cx="469934" cy="200025"/>
-          </a:xfrm>
-          <a:prstGeom prst="leftArrow">
-            <a:avLst/>
-          </a:prstGeom>
-          <a:solidFill>
-            <a:srgbClr val="FF0000"/>
-          </a:solidFill>
-        </p:spPr>
-        <p:style>
-          <a:lnRef idx="2">
-            <a:schemeClr val="dk1"/>
-          </a:lnRef>
-          <a:fillRef idx="1">
-            <a:schemeClr val="lt1"/>
-          </a:fillRef>
-          <a:effectRef idx="0">
-            <a:schemeClr val="dk1"/>
-          </a:effectRef>
-          <a:fontRef idx="minor">
-            <a:schemeClr val="dk1"/>
-          </a:fontRef>
-        </p:style>
-        <p:txBody>
-          <a:bodyPr rtlCol="0" anchor="ctr"/>
-          <a:lstStyle/>
-          <a:p>
-            <a:pPr algn="ctr"/>
-            <a:endParaRPr lang="en-PH"/>
-          </a:p>
-        </p:txBody>
-      </p:sp>
-    </p:spTree>
-  </p:cSld>
-  <p:clrMapOvr>
-    <a:masterClrMapping/>
-  </p:clrMapOvr>
-  <p:timing>
-    <p:tnLst>
-      <p:par>
-        <p:cTn id="1" dur="indefinite" restart="never" nodeType="tmRoot">
-          <p:childTnLst>
-            <p:seq concurrent="1" nextAc="seek">
-              <p:cTn id="2" dur="indefinite" nodeType="mainSeq">
-                <p:childTnLst>
-                  <p:par>
-                    <p:cTn id="3" fill="hold">
-                      <p:stCondLst>
-                        <p:cond delay="indefinite"/>
-                      </p:stCondLst>
-                      <p:childTnLst>
-                        <p:par>
-                          <p:cTn id="4" fill="hold">
-                            <p:stCondLst>
-                              <p:cond delay="0"/>
-                            </p:stCondLst>
-                            <p:childTnLst>
-                              <p:par>
-                                <p:cTn id="5" presetID="1" presetClass="entr" presetSubtype="0" fill="hold" grpId="0" nodeType="clickEffect">
-                                  <p:stCondLst>
-                                    <p:cond delay="0"/>
-                                  </p:stCondLst>
-                                  <p:childTnLst>
-                                    <p:set>
-                                      <p:cBhvr>
-                                        <p:cTn id="6" dur="1" fill="hold">
-                                          <p:stCondLst>
-                                            <p:cond delay="0"/>
-                                          </p:stCondLst>
-                                        </p:cTn>
-                                        <p:tgtEl>
-                                          <p:spTgt spid="9"/>
-                                        </p:tgtEl>
-                                        <p:attrNameLst>
-                                          <p:attrName>style.visibility</p:attrName>
-                                        </p:attrNameLst>
-                                      </p:cBhvr>
-                                      <p:to>
-                                        <p:strVal val="visible"/>
-                                      </p:to>
-                                    </p:set>
-                                  </p:childTnLst>
-                                </p:cTn>
-                              </p:par>
-                            </p:childTnLst>
-                          </p:cTn>
-                        </p:par>
-                      </p:childTnLst>
-                    </p:cTn>
-                  </p:par>
-                </p:childTnLst>
-              </p:cTn>
-              <p:prevCondLst>
-                <p:cond evt="onPrev" delay="0">
-                  <p:tgtEl>
-                    <p:sldTgt/>
-                  </p:tgtEl>
-                </p:cond>
-              </p:prevCondLst>
-              <p:nextCondLst>
-                <p:cond evt="onNext" delay="0">
-                  <p:tgtEl>
-                    <p:sldTgt/>
-                  </p:tgtEl>
-                </p:cond>
-              </p:nextCondLst>
-            </p:seq>
-          </p:childTnLst>
-        </p:cTn>
-      </p:par>
-    </p:tnLst>
-    <p:bldLst>
-      <p:bldP spid="9" grpId="0" animBg="1"/>
-    </p:bldLst>
-  </p:timing>
-</p:sld>
-</file>
-
-<file path=ppt/slides/slide7.xml><?xml version="1.0" encoding="utf-8"?>
-<p:sld xmlns:a="http://schemas.openxmlformats.org/drawingml/2006/main" xmlns:r="http://schemas.openxmlformats.org/officeDocument/2006/relationships" xmlns:p="http://schemas.openxmlformats.org/presentationml/2006/main">
-  <p:cSld>
-    <p:spTree>
-      <p:nvGrpSpPr>
-        <p:cNvPr id="1" name="Shape 373"/>
-        <p:cNvGrpSpPr/>
-        <p:nvPr/>
-      </p:nvGrpSpPr>
-      <p:grpSpPr>
-        <a:xfrm>
-          <a:off x="0" y="0"/>
-          <a:ext cx="0" cy="0"/>
-          <a:chOff x="0" y="0"/>
-          <a:chExt cx="0" cy="0"/>
-        </a:xfrm>
-      </p:grpSpPr>
-      <p:grpSp>
-        <p:nvGrpSpPr>
-          <p:cNvPr id="376" name="Google Shape;376;p39"/>
-          <p:cNvGrpSpPr/>
-          <p:nvPr/>
-        </p:nvGrpSpPr>
-        <p:grpSpPr>
-          <a:xfrm rot="2700000">
-            <a:off x="8505126" y="794763"/>
-            <a:ext cx="328648" cy="328648"/>
-            <a:chOff x="3006065" y="-1115369"/>
-            <a:chExt cx="757955" cy="757955"/>
-          </a:xfrm>
-          <a:solidFill>
-            <a:schemeClr val="bg1"/>
-          </a:solidFill>
-        </p:grpSpPr>
-        <p:grpSp>
-          <p:nvGrpSpPr>
-            <p:cNvPr id="377" name="Google Shape;377;p39"/>
-            <p:cNvGrpSpPr/>
-            <p:nvPr/>
-          </p:nvGrpSpPr>
-          <p:grpSpPr>
-            <a:xfrm rot="-5400000">
-              <a:off x="3006065" y="-797866"/>
-              <a:ext cx="440452" cy="440452"/>
-              <a:chOff x="1853525" y="303875"/>
-              <a:chExt cx="634200" cy="634200"/>
-            </a:xfrm>
-            <a:grpFill/>
-          </p:grpSpPr>
-          <p:sp>
-            <p:nvSpPr>
-              <p:cNvPr id="378" name="Google Shape;378;p39"/>
-              <p:cNvSpPr/>
-              <p:nvPr/>
-            </p:nvSpPr>
-            <p:spPr>
-              <a:xfrm>
-                <a:off x="1853525" y="804875"/>
-                <a:ext cx="634200" cy="133200"/>
-              </a:xfrm>
-              <a:prstGeom prst="rect">
-                <a:avLst/>
-              </a:prstGeom>
-              <a:grpFill/>
-              <a:ln>
-                <a:noFill/>
-              </a:ln>
-            </p:spPr>
-            <p:txBody>
-              <a:bodyPr spcFirstLastPara="1" wrap="square" lIns="91425" tIns="91425" rIns="91425" bIns="91425" anchor="ctr" anchorCtr="0">
-                <a:noAutofit/>
-              </a:bodyPr>
-              <a:lstStyle/>
-              <a:p>
-                <a:pPr marL="0" lvl="0" indent="0" algn="l" rtl="0">
-                  <a:spcBef>
-                    <a:spcPts val="0"/>
-                  </a:spcBef>
-                  <a:spcAft>
-                    <a:spcPts val="0"/>
-                  </a:spcAft>
-                  <a:buNone/>
-                </a:pPr>
-                <a:endParaRPr>
-                  <a:solidFill>
-                    <a:schemeClr val="bg1"/>
-                  </a:solidFill>
-                </a:endParaRPr>
-              </a:p>
-            </p:txBody>
-          </p:sp>
-          <p:sp>
-            <p:nvSpPr>
-              <p:cNvPr id="379" name="Google Shape;379;p39"/>
-              <p:cNvSpPr/>
-              <p:nvPr/>
-            </p:nvSpPr>
-            <p:spPr>
-              <a:xfrm rot="5400000">
-                <a:off x="2104025" y="554375"/>
-                <a:ext cx="634200" cy="133200"/>
-              </a:xfrm>
-              <a:prstGeom prst="rect">
-                <a:avLst/>
-              </a:prstGeom>
-              <a:grpFill/>
-              <a:ln>
-                <a:noFill/>
-              </a:ln>
-            </p:spPr>
-            <p:txBody>
-              <a:bodyPr spcFirstLastPara="1" wrap="square" lIns="91425" tIns="91425" rIns="91425" bIns="91425" anchor="ctr" anchorCtr="0">
-                <a:noAutofit/>
-              </a:bodyPr>
-              <a:lstStyle/>
-              <a:p>
-                <a:pPr marL="0" lvl="0" indent="0" algn="l" rtl="0">
-                  <a:spcBef>
-                    <a:spcPts val="0"/>
-                  </a:spcBef>
-                  <a:spcAft>
-                    <a:spcPts val="0"/>
-                  </a:spcAft>
-                  <a:buNone/>
-                </a:pPr>
-                <a:endParaRPr>
-                  <a:solidFill>
-                    <a:schemeClr val="bg1"/>
-                  </a:solidFill>
-                </a:endParaRPr>
-              </a:p>
-            </p:txBody>
-          </p:sp>
-        </p:grpSp>
-        <p:grpSp>
-          <p:nvGrpSpPr>
-            <p:cNvPr id="380" name="Google Shape;380;p39"/>
-            <p:cNvGrpSpPr/>
-            <p:nvPr/>
-          </p:nvGrpSpPr>
-          <p:grpSpPr>
-            <a:xfrm rot="-5400000">
-              <a:off x="3164816" y="-956617"/>
-              <a:ext cx="440452" cy="440452"/>
-              <a:chOff x="1853525" y="303875"/>
-              <a:chExt cx="634200" cy="634200"/>
-            </a:xfrm>
-            <a:grpFill/>
-          </p:grpSpPr>
-          <p:sp>
-            <p:nvSpPr>
-              <p:cNvPr id="381" name="Google Shape;381;p39"/>
-              <p:cNvSpPr/>
-              <p:nvPr/>
-            </p:nvSpPr>
-            <p:spPr>
-              <a:xfrm>
-                <a:off x="1853525" y="804875"/>
-                <a:ext cx="634200" cy="133200"/>
-              </a:xfrm>
-              <a:prstGeom prst="rect">
-                <a:avLst/>
-              </a:prstGeom>
-              <a:grpFill/>
-              <a:ln>
-                <a:noFill/>
-              </a:ln>
-            </p:spPr>
-            <p:txBody>
-              <a:bodyPr spcFirstLastPara="1" wrap="square" lIns="91425" tIns="91425" rIns="91425" bIns="91425" anchor="ctr" anchorCtr="0">
-                <a:noAutofit/>
-              </a:bodyPr>
-              <a:lstStyle/>
-              <a:p>
-                <a:pPr marL="0" lvl="0" indent="0" algn="l" rtl="0">
-                  <a:spcBef>
-                    <a:spcPts val="0"/>
-                  </a:spcBef>
-                  <a:spcAft>
-                    <a:spcPts val="0"/>
-                  </a:spcAft>
-                  <a:buNone/>
-                </a:pPr>
-                <a:endParaRPr>
-                  <a:solidFill>
-                    <a:schemeClr val="bg1"/>
-                  </a:solidFill>
-                </a:endParaRPr>
-              </a:p>
-            </p:txBody>
-          </p:sp>
-          <p:sp>
-            <p:nvSpPr>
-              <p:cNvPr id="382" name="Google Shape;382;p39"/>
-              <p:cNvSpPr/>
-              <p:nvPr/>
-            </p:nvSpPr>
-            <p:spPr>
-              <a:xfrm rot="5400000">
-                <a:off x="2104025" y="554375"/>
-                <a:ext cx="634200" cy="133200"/>
-              </a:xfrm>
-              <a:prstGeom prst="rect">
-                <a:avLst/>
-              </a:prstGeom>
-              <a:grpFill/>
-              <a:ln>
-                <a:noFill/>
-              </a:ln>
-            </p:spPr>
-            <p:txBody>
-              <a:bodyPr spcFirstLastPara="1" wrap="square" lIns="91425" tIns="91425" rIns="91425" bIns="91425" anchor="ctr" anchorCtr="0">
-                <a:noAutofit/>
-              </a:bodyPr>
-              <a:lstStyle/>
-              <a:p>
-                <a:pPr marL="0" lvl="0" indent="0" algn="l" rtl="0">
-                  <a:spcBef>
-                    <a:spcPts val="0"/>
-                  </a:spcBef>
-                  <a:spcAft>
-                    <a:spcPts val="0"/>
-                  </a:spcAft>
-                  <a:buNone/>
-                </a:pPr>
-                <a:endParaRPr dirty="0">
-                  <a:solidFill>
-                    <a:schemeClr val="bg1"/>
-                  </a:solidFill>
-                </a:endParaRPr>
-              </a:p>
-            </p:txBody>
-          </p:sp>
-        </p:grpSp>
-        <p:grpSp>
-          <p:nvGrpSpPr>
-            <p:cNvPr id="383" name="Google Shape;383;p39"/>
-            <p:cNvGrpSpPr/>
-            <p:nvPr/>
-          </p:nvGrpSpPr>
-          <p:grpSpPr>
-            <a:xfrm rot="-5400000">
-              <a:off x="3323568" y="-1115369"/>
-              <a:ext cx="440452" cy="440452"/>
-              <a:chOff x="1853525" y="303875"/>
-              <a:chExt cx="634200" cy="634200"/>
-            </a:xfrm>
-            <a:grpFill/>
-          </p:grpSpPr>
-          <p:sp>
-            <p:nvSpPr>
-              <p:cNvPr id="384" name="Google Shape;384;p39"/>
-              <p:cNvSpPr/>
-              <p:nvPr/>
-            </p:nvSpPr>
-            <p:spPr>
-              <a:xfrm>
-                <a:off x="1853525" y="804875"/>
-                <a:ext cx="634200" cy="133200"/>
-              </a:xfrm>
-              <a:prstGeom prst="rect">
-                <a:avLst/>
-              </a:prstGeom>
-              <a:grpFill/>
-              <a:ln>
-                <a:noFill/>
-              </a:ln>
-            </p:spPr>
-            <p:txBody>
-              <a:bodyPr spcFirstLastPara="1" wrap="square" lIns="91425" tIns="91425" rIns="91425" bIns="91425" anchor="ctr" anchorCtr="0">
-                <a:noAutofit/>
-              </a:bodyPr>
-              <a:lstStyle/>
-              <a:p>
-                <a:pPr marL="0" lvl="0" indent="0" algn="l" rtl="0">
-                  <a:spcBef>
-                    <a:spcPts val="0"/>
-                  </a:spcBef>
-                  <a:spcAft>
-                    <a:spcPts val="0"/>
-                  </a:spcAft>
-                  <a:buNone/>
-                </a:pPr>
-                <a:endParaRPr>
-                  <a:solidFill>
-                    <a:schemeClr val="bg1"/>
-                  </a:solidFill>
-                </a:endParaRPr>
-              </a:p>
-            </p:txBody>
-          </p:sp>
-          <p:sp>
-            <p:nvSpPr>
-              <p:cNvPr id="385" name="Google Shape;385;p39"/>
-              <p:cNvSpPr/>
-              <p:nvPr/>
-            </p:nvSpPr>
-            <p:spPr>
-              <a:xfrm rot="5400000">
-                <a:off x="2104025" y="554375"/>
-                <a:ext cx="634200" cy="133200"/>
-              </a:xfrm>
-              <a:prstGeom prst="rect">
-                <a:avLst/>
-              </a:prstGeom>
-              <a:grpFill/>
-              <a:ln>
-                <a:noFill/>
-              </a:ln>
-            </p:spPr>
-            <p:txBody>
-              <a:bodyPr spcFirstLastPara="1" wrap="square" lIns="91425" tIns="91425" rIns="91425" bIns="91425" anchor="ctr" anchorCtr="0">
-                <a:noAutofit/>
-              </a:bodyPr>
-              <a:lstStyle/>
-              <a:p>
-                <a:pPr marL="0" lvl="0" indent="0" algn="l" rtl="0">
-                  <a:spcBef>
-                    <a:spcPts val="0"/>
-                  </a:spcBef>
-                  <a:spcAft>
-                    <a:spcPts val="0"/>
-                  </a:spcAft>
-                  <a:buNone/>
-                </a:pPr>
-                <a:endParaRPr>
-                  <a:solidFill>
-                    <a:schemeClr val="bg1"/>
-                  </a:solidFill>
-                </a:endParaRPr>
-              </a:p>
-            </p:txBody>
-          </p:sp>
-        </p:grpSp>
-      </p:grpSp>
-      <p:sp>
-        <p:nvSpPr>
-          <p:cNvPr id="8" name="TextBox 7">
-            <a:extLst>
-              <a:ext uri="{FF2B5EF4-FFF2-40B4-BE49-F238E27FC236}">
-                <a16:creationId xmlns:a16="http://schemas.microsoft.com/office/drawing/2014/main" id="{6658C75F-DC18-168E-FB8F-F6F7E23B9F9D}"/>
-              </a:ext>
-            </a:extLst>
-          </p:cNvPr>
-          <p:cNvSpPr txBox="1"/>
-          <p:nvPr/>
-        </p:nvSpPr>
-        <p:spPr>
-          <a:xfrm>
-            <a:off x="404085" y="726698"/>
-            <a:ext cx="6601487" cy="523220"/>
-          </a:xfrm>
-          <a:prstGeom prst="rect">
-            <a:avLst/>
-          </a:prstGeom>
-          <a:noFill/>
-        </p:spPr>
-        <p:txBody>
-          <a:bodyPr wrap="none" rtlCol="0">
-            <a:spAutoFit/>
-          </a:bodyPr>
-          <a:lstStyle/>
-          <a:p>
-            <a:r>
-              <a:rPr lang="en-US" sz="2800" dirty="0">
-                <a:solidFill>
-                  <a:schemeClr val="bg1"/>
-                </a:solidFill>
-              </a:rPr>
-              <a:t>Death Rate of Male caused by Diseases</a:t>
-            </a:r>
-            <a:endParaRPr lang="en-PH" sz="2800" dirty="0">
-              <a:solidFill>
-                <a:schemeClr val="bg1"/>
-              </a:solidFill>
-            </a:endParaRPr>
-          </a:p>
-        </p:txBody>
-      </p:sp>
-      <p:pic>
-        <p:nvPicPr>
-          <p:cNvPr id="3" name="Picture 2" descr="Chart, bar chart&#10;&#10;Description automatically generated">
-            <a:extLst>
-              <a:ext uri="{FF2B5EF4-FFF2-40B4-BE49-F238E27FC236}">
-                <a16:creationId xmlns:a16="http://schemas.microsoft.com/office/drawing/2014/main" id="{9E4317D3-11C9-29D1-AE99-0525676C6686}"/>
-              </a:ext>
-            </a:extLst>
-          </p:cNvPr>
-          <p:cNvPicPr>
-            <a:picLocks noChangeAspect="1"/>
-          </p:cNvPicPr>
-          <p:nvPr/>
-        </p:nvPicPr>
-        <p:blipFill>
-          <a:blip r:embed="rId3"/>
-          <a:stretch>
-            <a:fillRect/>
-          </a:stretch>
-        </p:blipFill>
-        <p:spPr>
-          <a:xfrm>
-            <a:off x="0" y="1346200"/>
-            <a:ext cx="9144000" cy="3797300"/>
-          </a:xfrm>
-          <a:prstGeom prst="rect">
-            <a:avLst/>
-          </a:prstGeom>
-        </p:spPr>
-      </p:pic>
-    </p:spTree>
-    <p:extLst>
-      <p:ext uri="{BB962C8B-B14F-4D97-AF65-F5344CB8AC3E}">
-        <p14:creationId xmlns:p14="http://schemas.microsoft.com/office/powerpoint/2010/main" val="3147052076"/>
-      </p:ext>
-    </p:extLst>
-  </p:cSld>
-  <p:clrMapOvr>
-    <a:masterClrMapping/>
-  </p:clrMapOvr>
-</p:sld>
-</file>
-
-<file path=ppt/slides/slide8.xml><?xml version="1.0" encoding="utf-8"?>
-<p:sld xmlns:a="http://schemas.openxmlformats.org/drawingml/2006/main" xmlns:r="http://schemas.openxmlformats.org/officeDocument/2006/relationships" xmlns:p="http://schemas.openxmlformats.org/presentationml/2006/main">
-  <p:cSld>
-    <p:spTree>
-      <p:nvGrpSpPr>
-        <p:cNvPr id="1" name="Shape 373"/>
-        <p:cNvGrpSpPr/>
-        <p:nvPr/>
-      </p:nvGrpSpPr>
-      <p:grpSpPr>
-        <a:xfrm>
-          <a:off x="0" y="0"/>
-          <a:ext cx="0" cy="0"/>
-          <a:chOff x="0" y="0"/>
-          <a:chExt cx="0" cy="0"/>
-        </a:xfrm>
-      </p:grpSpPr>
-      <p:grpSp>
-        <p:nvGrpSpPr>
-          <p:cNvPr id="376" name="Google Shape;376;p39"/>
-          <p:cNvGrpSpPr/>
-          <p:nvPr/>
-        </p:nvGrpSpPr>
-        <p:grpSpPr>
-          <a:xfrm rot="2700000">
-            <a:off x="8505126" y="794763"/>
-            <a:ext cx="328648" cy="328648"/>
-            <a:chOff x="3006065" y="-1115369"/>
-            <a:chExt cx="757955" cy="757955"/>
-          </a:xfrm>
-          <a:solidFill>
-            <a:schemeClr val="bg1"/>
-          </a:solidFill>
-        </p:grpSpPr>
-        <p:grpSp>
-          <p:nvGrpSpPr>
-            <p:cNvPr id="377" name="Google Shape;377;p39"/>
-            <p:cNvGrpSpPr/>
-            <p:nvPr/>
-          </p:nvGrpSpPr>
-          <p:grpSpPr>
-            <a:xfrm rot="-5400000">
-              <a:off x="3006065" y="-797866"/>
-              <a:ext cx="440452" cy="440452"/>
-              <a:chOff x="1853525" y="303875"/>
-              <a:chExt cx="634200" cy="634200"/>
-            </a:xfrm>
-            <a:grpFill/>
-          </p:grpSpPr>
-          <p:sp>
-            <p:nvSpPr>
-              <p:cNvPr id="378" name="Google Shape;378;p39"/>
-              <p:cNvSpPr/>
-              <p:nvPr/>
-            </p:nvSpPr>
-            <p:spPr>
-              <a:xfrm>
-                <a:off x="1853525" y="804875"/>
-                <a:ext cx="634200" cy="133200"/>
-              </a:xfrm>
-              <a:prstGeom prst="rect">
-                <a:avLst/>
-              </a:prstGeom>
-              <a:grpFill/>
-              <a:ln>
-                <a:noFill/>
-              </a:ln>
-            </p:spPr>
-            <p:txBody>
-              <a:bodyPr spcFirstLastPara="1" wrap="square" lIns="91425" tIns="91425" rIns="91425" bIns="91425" anchor="ctr" anchorCtr="0">
-                <a:noAutofit/>
-              </a:bodyPr>
-              <a:lstStyle/>
-              <a:p>
-                <a:pPr marL="0" lvl="0" indent="0" algn="l" rtl="0">
-                  <a:spcBef>
-                    <a:spcPts val="0"/>
-                  </a:spcBef>
-                  <a:spcAft>
-                    <a:spcPts val="0"/>
-                  </a:spcAft>
-                  <a:buNone/>
-                </a:pPr>
-                <a:endParaRPr>
-                  <a:solidFill>
-                    <a:schemeClr val="bg1"/>
-                  </a:solidFill>
-                </a:endParaRPr>
-              </a:p>
-            </p:txBody>
-          </p:sp>
-          <p:sp>
-            <p:nvSpPr>
-              <p:cNvPr id="379" name="Google Shape;379;p39"/>
-              <p:cNvSpPr/>
-              <p:nvPr/>
-            </p:nvSpPr>
-            <p:spPr>
-              <a:xfrm rot="5400000">
-                <a:off x="2104025" y="554375"/>
-                <a:ext cx="634200" cy="133200"/>
-              </a:xfrm>
-              <a:prstGeom prst="rect">
-                <a:avLst/>
-              </a:prstGeom>
-              <a:grpFill/>
-              <a:ln>
-                <a:noFill/>
-              </a:ln>
-            </p:spPr>
-            <p:txBody>
-              <a:bodyPr spcFirstLastPara="1" wrap="square" lIns="91425" tIns="91425" rIns="91425" bIns="91425" anchor="ctr" anchorCtr="0">
-                <a:noAutofit/>
-              </a:bodyPr>
-              <a:lstStyle/>
-              <a:p>
-                <a:pPr marL="0" lvl="0" indent="0" algn="l" rtl="0">
-                  <a:spcBef>
-                    <a:spcPts val="0"/>
-                  </a:spcBef>
-                  <a:spcAft>
-                    <a:spcPts val="0"/>
-                  </a:spcAft>
-                  <a:buNone/>
-                </a:pPr>
-                <a:endParaRPr>
-                  <a:solidFill>
-                    <a:schemeClr val="bg1"/>
-                  </a:solidFill>
-                </a:endParaRPr>
-              </a:p>
-            </p:txBody>
-          </p:sp>
-        </p:grpSp>
-        <p:grpSp>
-          <p:nvGrpSpPr>
-            <p:cNvPr id="380" name="Google Shape;380;p39"/>
-            <p:cNvGrpSpPr/>
-            <p:nvPr/>
-          </p:nvGrpSpPr>
-          <p:grpSpPr>
-            <a:xfrm rot="-5400000">
-              <a:off x="3164816" y="-956617"/>
-              <a:ext cx="440452" cy="440452"/>
-              <a:chOff x="1853525" y="303875"/>
-              <a:chExt cx="634200" cy="634200"/>
-            </a:xfrm>
-            <a:grpFill/>
-          </p:grpSpPr>
-          <p:sp>
-            <p:nvSpPr>
-              <p:cNvPr id="381" name="Google Shape;381;p39"/>
-              <p:cNvSpPr/>
-              <p:nvPr/>
-            </p:nvSpPr>
-            <p:spPr>
-              <a:xfrm>
-                <a:off x="1853525" y="804875"/>
-                <a:ext cx="634200" cy="133200"/>
-              </a:xfrm>
-              <a:prstGeom prst="rect">
-                <a:avLst/>
-              </a:prstGeom>
-              <a:grpFill/>
-              <a:ln>
-                <a:noFill/>
-              </a:ln>
-            </p:spPr>
-            <p:txBody>
-              <a:bodyPr spcFirstLastPara="1" wrap="square" lIns="91425" tIns="91425" rIns="91425" bIns="91425" anchor="ctr" anchorCtr="0">
-                <a:noAutofit/>
-              </a:bodyPr>
-              <a:lstStyle/>
-              <a:p>
-                <a:pPr marL="0" lvl="0" indent="0" algn="l" rtl="0">
-                  <a:spcBef>
-                    <a:spcPts val="0"/>
-                  </a:spcBef>
-                  <a:spcAft>
-                    <a:spcPts val="0"/>
-                  </a:spcAft>
-                  <a:buNone/>
-                </a:pPr>
-                <a:endParaRPr>
-                  <a:solidFill>
-                    <a:schemeClr val="bg1"/>
-                  </a:solidFill>
-                </a:endParaRPr>
-              </a:p>
-            </p:txBody>
-          </p:sp>
-          <p:sp>
-            <p:nvSpPr>
-              <p:cNvPr id="382" name="Google Shape;382;p39"/>
-              <p:cNvSpPr/>
-              <p:nvPr/>
-            </p:nvSpPr>
-            <p:spPr>
-              <a:xfrm rot="5400000">
-                <a:off x="2104025" y="554375"/>
-                <a:ext cx="634200" cy="133200"/>
-              </a:xfrm>
-              <a:prstGeom prst="rect">
-                <a:avLst/>
-              </a:prstGeom>
-              <a:grpFill/>
-              <a:ln>
-                <a:noFill/>
-              </a:ln>
-            </p:spPr>
-            <p:txBody>
-              <a:bodyPr spcFirstLastPara="1" wrap="square" lIns="91425" tIns="91425" rIns="91425" bIns="91425" anchor="ctr" anchorCtr="0">
-                <a:noAutofit/>
-              </a:bodyPr>
-              <a:lstStyle/>
-              <a:p>
-                <a:pPr marL="0" lvl="0" indent="0" algn="l" rtl="0">
-                  <a:spcBef>
-                    <a:spcPts val="0"/>
-                  </a:spcBef>
-                  <a:spcAft>
-                    <a:spcPts val="0"/>
-                  </a:spcAft>
-                  <a:buNone/>
-                </a:pPr>
-                <a:endParaRPr dirty="0">
-                  <a:solidFill>
-                    <a:schemeClr val="bg1"/>
-                  </a:solidFill>
-                </a:endParaRPr>
-              </a:p>
-            </p:txBody>
-          </p:sp>
-        </p:grpSp>
-        <p:grpSp>
-          <p:nvGrpSpPr>
-            <p:cNvPr id="383" name="Google Shape;383;p39"/>
-            <p:cNvGrpSpPr/>
-            <p:nvPr/>
-          </p:nvGrpSpPr>
-          <p:grpSpPr>
-            <a:xfrm rot="-5400000">
-              <a:off x="3323568" y="-1115369"/>
-              <a:ext cx="440452" cy="440452"/>
-              <a:chOff x="1853525" y="303875"/>
-              <a:chExt cx="634200" cy="634200"/>
-            </a:xfrm>
-            <a:grpFill/>
-          </p:grpSpPr>
-          <p:sp>
-            <p:nvSpPr>
-              <p:cNvPr id="384" name="Google Shape;384;p39"/>
-              <p:cNvSpPr/>
-              <p:nvPr/>
-            </p:nvSpPr>
-            <p:spPr>
-              <a:xfrm>
-                <a:off x="1853525" y="804875"/>
-                <a:ext cx="634200" cy="133200"/>
-              </a:xfrm>
-              <a:prstGeom prst="rect">
-                <a:avLst/>
-              </a:prstGeom>
-              <a:grpFill/>
-              <a:ln>
-                <a:noFill/>
-              </a:ln>
-            </p:spPr>
-            <p:txBody>
-              <a:bodyPr spcFirstLastPara="1" wrap="square" lIns="91425" tIns="91425" rIns="91425" bIns="91425" anchor="ctr" anchorCtr="0">
-                <a:noAutofit/>
-              </a:bodyPr>
-              <a:lstStyle/>
-              <a:p>
-                <a:pPr marL="0" lvl="0" indent="0" algn="l" rtl="0">
-                  <a:spcBef>
-                    <a:spcPts val="0"/>
-                  </a:spcBef>
-                  <a:spcAft>
-                    <a:spcPts val="0"/>
-                  </a:spcAft>
-                  <a:buNone/>
-                </a:pPr>
-                <a:endParaRPr>
-                  <a:solidFill>
-                    <a:schemeClr val="bg1"/>
-                  </a:solidFill>
-                </a:endParaRPr>
-              </a:p>
-            </p:txBody>
-          </p:sp>
-          <p:sp>
-            <p:nvSpPr>
-              <p:cNvPr id="385" name="Google Shape;385;p39"/>
-              <p:cNvSpPr/>
-              <p:nvPr/>
-            </p:nvSpPr>
-            <p:spPr>
-              <a:xfrm rot="5400000">
-                <a:off x="2104025" y="554375"/>
-                <a:ext cx="634200" cy="133200"/>
-              </a:xfrm>
-              <a:prstGeom prst="rect">
-                <a:avLst/>
-              </a:prstGeom>
-              <a:grpFill/>
-              <a:ln>
-                <a:noFill/>
-              </a:ln>
-            </p:spPr>
-            <p:txBody>
-              <a:bodyPr spcFirstLastPara="1" wrap="square" lIns="91425" tIns="91425" rIns="91425" bIns="91425" anchor="ctr" anchorCtr="0">
-                <a:noAutofit/>
-              </a:bodyPr>
-              <a:lstStyle/>
-              <a:p>
-                <a:pPr marL="0" lvl="0" indent="0" algn="l" rtl="0">
-                  <a:spcBef>
-                    <a:spcPts val="0"/>
-                  </a:spcBef>
-                  <a:spcAft>
-                    <a:spcPts val="0"/>
-                  </a:spcAft>
-                  <a:buNone/>
-                </a:pPr>
-                <a:endParaRPr>
-                  <a:solidFill>
-                    <a:schemeClr val="bg1"/>
-                  </a:solidFill>
-                </a:endParaRPr>
-              </a:p>
-            </p:txBody>
-          </p:sp>
-        </p:grpSp>
-      </p:grpSp>
-      <p:sp>
-        <p:nvSpPr>
-          <p:cNvPr id="8" name="TextBox 7">
-            <a:extLst>
-              <a:ext uri="{FF2B5EF4-FFF2-40B4-BE49-F238E27FC236}">
-                <a16:creationId xmlns:a16="http://schemas.microsoft.com/office/drawing/2014/main" id="{6658C75F-DC18-168E-FB8F-F6F7E23B9F9D}"/>
-              </a:ext>
-            </a:extLst>
-          </p:cNvPr>
-          <p:cNvSpPr txBox="1"/>
-          <p:nvPr/>
-        </p:nvSpPr>
-        <p:spPr>
-          <a:xfrm>
-            <a:off x="404085" y="726698"/>
-            <a:ext cx="7021474" cy="523220"/>
-          </a:xfrm>
-          <a:prstGeom prst="rect">
-            <a:avLst/>
-          </a:prstGeom>
-          <a:noFill/>
-        </p:spPr>
-        <p:txBody>
-          <a:bodyPr wrap="none" rtlCol="0">
-            <a:spAutoFit/>
-          </a:bodyPr>
-          <a:lstStyle/>
-          <a:p>
-            <a:r>
-              <a:rPr lang="en-US" sz="2800" dirty="0">
-                <a:solidFill>
-                  <a:schemeClr val="bg1"/>
-                </a:solidFill>
-              </a:rPr>
-              <a:t>Death Rate of Female caused by Diseases</a:t>
-            </a:r>
-            <a:endParaRPr lang="en-PH" sz="2800" dirty="0">
-              <a:solidFill>
-                <a:schemeClr val="bg1"/>
-              </a:solidFill>
-            </a:endParaRPr>
-          </a:p>
-        </p:txBody>
-      </p:sp>
-      <p:pic>
-        <p:nvPicPr>
-          <p:cNvPr id="4" name="Picture 3" descr="Chart, bar chart&#10;&#10;Description automatically generated">
-            <a:extLst>
-              <a:ext uri="{FF2B5EF4-FFF2-40B4-BE49-F238E27FC236}">
-                <a16:creationId xmlns:a16="http://schemas.microsoft.com/office/drawing/2014/main" id="{596D1B3B-13DC-0C89-D8B2-B450FF0FAE45}"/>
-              </a:ext>
-            </a:extLst>
-          </p:cNvPr>
-          <p:cNvPicPr>
-            <a:picLocks noChangeAspect="1"/>
-          </p:cNvPicPr>
-          <p:nvPr/>
-        </p:nvPicPr>
-        <p:blipFill>
-          <a:blip r:embed="rId3"/>
-          <a:stretch>
-            <a:fillRect/>
-          </a:stretch>
-        </p:blipFill>
-        <p:spPr>
-          <a:xfrm>
-            <a:off x="0" y="1321822"/>
-            <a:ext cx="9144000" cy="3821677"/>
-          </a:xfrm>
-          <a:prstGeom prst="rect">
-            <a:avLst/>
-          </a:prstGeom>
-        </p:spPr>
-      </p:pic>
-    </p:spTree>
-    <p:extLst>
-      <p:ext uri="{BB962C8B-B14F-4D97-AF65-F5344CB8AC3E}">
-        <p14:creationId xmlns:p14="http://schemas.microsoft.com/office/powerpoint/2010/main" val="1196012408"/>
-      </p:ext>
-    </p:extLst>
-  </p:cSld>
-  <p:clrMapOvr>
-    <a:masterClrMapping/>
-  </p:clrMapOvr>
-</p:sld>
-</file>
-
-<file path=ppt/slides/slide9.xml><?xml version="1.0" encoding="utf-8"?>
-<p:sld xmlns:a="http://schemas.openxmlformats.org/drawingml/2006/main" xmlns:r="http://schemas.openxmlformats.org/officeDocument/2006/relationships" xmlns:p="http://schemas.openxmlformats.org/presentationml/2006/main">
-  <p:cSld>
-    <p:spTree>
-      <p:nvGrpSpPr>
-        <p:cNvPr id="1" name="Shape 373"/>
-        <p:cNvGrpSpPr/>
-        <p:nvPr/>
-      </p:nvGrpSpPr>
-      <p:grpSpPr>
-        <a:xfrm>
-          <a:off x="0" y="0"/>
-          <a:ext cx="0" cy="0"/>
-          <a:chOff x="0" y="0"/>
-          <a:chExt cx="0" cy="0"/>
-        </a:xfrm>
-      </p:grpSpPr>
-      <p:grpSp>
-        <p:nvGrpSpPr>
-          <p:cNvPr id="376" name="Google Shape;376;p39"/>
-          <p:cNvGrpSpPr/>
-          <p:nvPr/>
-        </p:nvGrpSpPr>
-        <p:grpSpPr>
-          <a:xfrm rot="2700000">
-            <a:off x="8486076" y="768986"/>
-            <a:ext cx="328648" cy="328648"/>
-            <a:chOff x="3006065" y="-1115369"/>
-            <a:chExt cx="757955" cy="757955"/>
-          </a:xfrm>
-          <a:solidFill>
-            <a:schemeClr val="bg1"/>
-          </a:solidFill>
-        </p:grpSpPr>
-        <p:grpSp>
-          <p:nvGrpSpPr>
-            <p:cNvPr id="377" name="Google Shape;377;p39"/>
-            <p:cNvGrpSpPr/>
-            <p:nvPr/>
-          </p:nvGrpSpPr>
-          <p:grpSpPr>
-            <a:xfrm rot="-5400000">
-              <a:off x="3006065" y="-797866"/>
-              <a:ext cx="440452" cy="440452"/>
-              <a:chOff x="1853525" y="303875"/>
-              <a:chExt cx="634200" cy="634200"/>
-            </a:xfrm>
-            <a:grpFill/>
-          </p:grpSpPr>
-          <p:sp>
-            <p:nvSpPr>
-              <p:cNvPr id="378" name="Google Shape;378;p39"/>
-              <p:cNvSpPr/>
-              <p:nvPr/>
-            </p:nvSpPr>
-            <p:spPr>
-              <a:xfrm>
-                <a:off x="1853525" y="804875"/>
-                <a:ext cx="634200" cy="133200"/>
-              </a:xfrm>
-              <a:prstGeom prst="rect">
-                <a:avLst/>
-              </a:prstGeom>
-              <a:grpFill/>
-              <a:ln>
-                <a:noFill/>
-              </a:ln>
-            </p:spPr>
-            <p:txBody>
-              <a:bodyPr spcFirstLastPara="1" wrap="square" lIns="91425" tIns="91425" rIns="91425" bIns="91425" anchor="ctr" anchorCtr="0">
-                <a:noAutofit/>
-              </a:bodyPr>
-              <a:lstStyle/>
-              <a:p>
-                <a:pPr marL="0" lvl="0" indent="0" algn="l" rtl="0">
-                  <a:spcBef>
-                    <a:spcPts val="0"/>
-                  </a:spcBef>
-                  <a:spcAft>
-                    <a:spcPts val="0"/>
-                  </a:spcAft>
-                  <a:buNone/>
-                </a:pPr>
-                <a:endParaRPr>
-                  <a:solidFill>
-                    <a:schemeClr val="bg1"/>
-                  </a:solidFill>
-                </a:endParaRPr>
-              </a:p>
-            </p:txBody>
-          </p:sp>
-          <p:sp>
-            <p:nvSpPr>
-              <p:cNvPr id="379" name="Google Shape;379;p39"/>
-              <p:cNvSpPr/>
-              <p:nvPr/>
-            </p:nvSpPr>
-            <p:spPr>
-              <a:xfrm rot="5400000">
-                <a:off x="2104025" y="554375"/>
-                <a:ext cx="634200" cy="133200"/>
-              </a:xfrm>
-              <a:prstGeom prst="rect">
-                <a:avLst/>
-              </a:prstGeom>
-              <a:grpFill/>
-              <a:ln>
-                <a:noFill/>
-              </a:ln>
-            </p:spPr>
-            <p:txBody>
-              <a:bodyPr spcFirstLastPara="1" wrap="square" lIns="91425" tIns="91425" rIns="91425" bIns="91425" anchor="ctr" anchorCtr="0">
-                <a:noAutofit/>
-              </a:bodyPr>
-              <a:lstStyle/>
-              <a:p>
-                <a:pPr marL="0" lvl="0" indent="0" algn="l" rtl="0">
-                  <a:spcBef>
-                    <a:spcPts val="0"/>
-                  </a:spcBef>
-                  <a:spcAft>
-                    <a:spcPts val="0"/>
-                  </a:spcAft>
-                  <a:buNone/>
-                </a:pPr>
-                <a:endParaRPr>
-                  <a:solidFill>
-                    <a:schemeClr val="bg1"/>
-                  </a:solidFill>
-                </a:endParaRPr>
-              </a:p>
-            </p:txBody>
-          </p:sp>
-        </p:grpSp>
-        <p:grpSp>
-          <p:nvGrpSpPr>
-            <p:cNvPr id="380" name="Google Shape;380;p39"/>
-            <p:cNvGrpSpPr/>
-            <p:nvPr/>
-          </p:nvGrpSpPr>
-          <p:grpSpPr>
-            <a:xfrm rot="-5400000">
-              <a:off x="3164816" y="-956617"/>
-              <a:ext cx="440452" cy="440452"/>
-              <a:chOff x="1853525" y="303875"/>
-              <a:chExt cx="634200" cy="634200"/>
-            </a:xfrm>
-            <a:grpFill/>
-          </p:grpSpPr>
-          <p:sp>
-            <p:nvSpPr>
-              <p:cNvPr id="381" name="Google Shape;381;p39"/>
-              <p:cNvSpPr/>
-              <p:nvPr/>
-            </p:nvSpPr>
-            <p:spPr>
-              <a:xfrm>
-                <a:off x="1853525" y="804875"/>
-                <a:ext cx="634200" cy="133200"/>
-              </a:xfrm>
-              <a:prstGeom prst="rect">
-                <a:avLst/>
-              </a:prstGeom>
-              <a:grpFill/>
-              <a:ln>
-                <a:noFill/>
-              </a:ln>
-            </p:spPr>
-            <p:txBody>
-              <a:bodyPr spcFirstLastPara="1" wrap="square" lIns="91425" tIns="91425" rIns="91425" bIns="91425" anchor="ctr" anchorCtr="0">
-                <a:noAutofit/>
-              </a:bodyPr>
-              <a:lstStyle/>
-              <a:p>
-                <a:pPr marL="0" lvl="0" indent="0" algn="l" rtl="0">
-                  <a:spcBef>
-                    <a:spcPts val="0"/>
-                  </a:spcBef>
-                  <a:spcAft>
-                    <a:spcPts val="0"/>
-                  </a:spcAft>
-                  <a:buNone/>
-                </a:pPr>
-                <a:endParaRPr>
-                  <a:solidFill>
-                    <a:schemeClr val="bg1"/>
-                  </a:solidFill>
-                </a:endParaRPr>
-              </a:p>
-            </p:txBody>
-          </p:sp>
-          <p:sp>
-            <p:nvSpPr>
-              <p:cNvPr id="382" name="Google Shape;382;p39"/>
-              <p:cNvSpPr/>
-              <p:nvPr/>
-            </p:nvSpPr>
-            <p:spPr>
-              <a:xfrm rot="5400000">
-                <a:off x="2104025" y="554375"/>
-                <a:ext cx="634200" cy="133200"/>
-              </a:xfrm>
-              <a:prstGeom prst="rect">
-                <a:avLst/>
-              </a:prstGeom>
-              <a:grpFill/>
-              <a:ln>
-                <a:noFill/>
-              </a:ln>
-            </p:spPr>
-            <p:txBody>
-              <a:bodyPr spcFirstLastPara="1" wrap="square" lIns="91425" tIns="91425" rIns="91425" bIns="91425" anchor="ctr" anchorCtr="0">
-                <a:noAutofit/>
-              </a:bodyPr>
-              <a:lstStyle/>
-              <a:p>
-                <a:pPr marL="0" lvl="0" indent="0" algn="l" rtl="0">
-                  <a:spcBef>
-                    <a:spcPts val="0"/>
-                  </a:spcBef>
-                  <a:spcAft>
-                    <a:spcPts val="0"/>
-                  </a:spcAft>
-                  <a:buNone/>
-                </a:pPr>
-                <a:endParaRPr dirty="0">
-                  <a:solidFill>
-                    <a:schemeClr val="bg1"/>
-                  </a:solidFill>
-                </a:endParaRPr>
-              </a:p>
-            </p:txBody>
-          </p:sp>
-        </p:grpSp>
-        <p:grpSp>
-          <p:nvGrpSpPr>
-            <p:cNvPr id="383" name="Google Shape;383;p39"/>
-            <p:cNvGrpSpPr/>
-            <p:nvPr/>
-          </p:nvGrpSpPr>
-          <p:grpSpPr>
-            <a:xfrm rot="-5400000">
-              <a:off x="3323568" y="-1115369"/>
-              <a:ext cx="440452" cy="440452"/>
-              <a:chOff x="1853525" y="303875"/>
-              <a:chExt cx="634200" cy="634200"/>
-            </a:xfrm>
-            <a:grpFill/>
-          </p:grpSpPr>
-          <p:sp>
-            <p:nvSpPr>
-              <p:cNvPr id="384" name="Google Shape;384;p39"/>
-              <p:cNvSpPr/>
-              <p:nvPr/>
-            </p:nvSpPr>
-            <p:spPr>
-              <a:xfrm>
-                <a:off x="1853525" y="804875"/>
-                <a:ext cx="634200" cy="133200"/>
-              </a:xfrm>
-              <a:prstGeom prst="rect">
-                <a:avLst/>
-              </a:prstGeom>
-              <a:grpFill/>
-              <a:ln>
-                <a:noFill/>
-              </a:ln>
-            </p:spPr>
-            <p:txBody>
-              <a:bodyPr spcFirstLastPara="1" wrap="square" lIns="91425" tIns="91425" rIns="91425" bIns="91425" anchor="ctr" anchorCtr="0">
-                <a:noAutofit/>
-              </a:bodyPr>
-              <a:lstStyle/>
-              <a:p>
-                <a:pPr marL="0" lvl="0" indent="0" algn="l" rtl="0">
-                  <a:spcBef>
-                    <a:spcPts val="0"/>
-                  </a:spcBef>
-                  <a:spcAft>
-                    <a:spcPts val="0"/>
-                  </a:spcAft>
-                  <a:buNone/>
-                </a:pPr>
-                <a:endParaRPr>
-                  <a:solidFill>
-                    <a:schemeClr val="bg1"/>
-                  </a:solidFill>
-                </a:endParaRPr>
-              </a:p>
-            </p:txBody>
-          </p:sp>
-          <p:sp>
-            <p:nvSpPr>
-              <p:cNvPr id="385" name="Google Shape;385;p39"/>
-              <p:cNvSpPr/>
-              <p:nvPr/>
-            </p:nvSpPr>
-            <p:spPr>
-              <a:xfrm rot="5400000">
-                <a:off x="2104025" y="554375"/>
-                <a:ext cx="634200" cy="133200"/>
-              </a:xfrm>
-              <a:prstGeom prst="rect">
-                <a:avLst/>
-              </a:prstGeom>
-              <a:grpFill/>
-              <a:ln>
-                <a:noFill/>
-              </a:ln>
-            </p:spPr>
-            <p:txBody>
-              <a:bodyPr spcFirstLastPara="1" wrap="square" lIns="91425" tIns="91425" rIns="91425" bIns="91425" anchor="ctr" anchorCtr="0">
-                <a:noAutofit/>
-              </a:bodyPr>
-              <a:lstStyle/>
-              <a:p>
-                <a:pPr marL="0" lvl="0" indent="0" algn="l" rtl="0">
-                  <a:spcBef>
-                    <a:spcPts val="0"/>
-                  </a:spcBef>
-                  <a:spcAft>
-                    <a:spcPts val="0"/>
-                  </a:spcAft>
-                  <a:buNone/>
-                </a:pPr>
-                <a:endParaRPr>
-                  <a:solidFill>
-                    <a:schemeClr val="bg1"/>
-                  </a:solidFill>
-                </a:endParaRPr>
-              </a:p>
-            </p:txBody>
-          </p:sp>
-        </p:grpSp>
-      </p:grpSp>
-      <p:sp>
-        <p:nvSpPr>
-          <p:cNvPr id="8" name="TextBox 7">
-            <a:extLst>
-              <a:ext uri="{FF2B5EF4-FFF2-40B4-BE49-F238E27FC236}">
-                <a16:creationId xmlns:a16="http://schemas.microsoft.com/office/drawing/2014/main" id="{6658C75F-DC18-168E-FB8F-F6F7E23B9F9D}"/>
-              </a:ext>
-            </a:extLst>
-          </p:cNvPr>
-          <p:cNvSpPr txBox="1"/>
-          <p:nvPr/>
-        </p:nvSpPr>
-        <p:spPr>
-          <a:xfrm>
-            <a:off x="404085" y="726698"/>
-            <a:ext cx="4241867" cy="523220"/>
-          </a:xfrm>
-          <a:prstGeom prst="rect">
-            <a:avLst/>
-          </a:prstGeom>
-          <a:noFill/>
-        </p:spPr>
-        <p:txBody>
-          <a:bodyPr wrap="none" rtlCol="0">
-            <a:spAutoFit/>
-          </a:bodyPr>
-          <a:lstStyle/>
-          <a:p>
-            <a:r>
-              <a:rPr lang="en-US" sz="2800" dirty="0">
-                <a:solidFill>
-                  <a:schemeClr val="bg1"/>
-                </a:solidFill>
-              </a:rPr>
-              <a:t>Highest Rate of Diseases</a:t>
-            </a:r>
-            <a:endParaRPr lang="en-PH" sz="2800" dirty="0">
-              <a:solidFill>
-                <a:schemeClr val="bg1"/>
-              </a:solidFill>
-            </a:endParaRPr>
-          </a:p>
-        </p:txBody>
-      </p:sp>
-      <p:pic>
-        <p:nvPicPr>
-          <p:cNvPr id="3" name="Picture 2" descr="Chart, bar chart&#10;&#10;Description automatically generated">
-            <a:extLst>
-              <a:ext uri="{FF2B5EF4-FFF2-40B4-BE49-F238E27FC236}">
-                <a16:creationId xmlns:a16="http://schemas.microsoft.com/office/drawing/2014/main" id="{44C79355-27EC-9DA4-B51E-EA33CB0C941B}"/>
-              </a:ext>
-            </a:extLst>
-          </p:cNvPr>
-          <p:cNvPicPr>
-            <a:picLocks noChangeAspect="1"/>
-          </p:cNvPicPr>
-          <p:nvPr/>
-        </p:nvPicPr>
-        <p:blipFill>
-          <a:blip r:embed="rId3"/>
-          <a:stretch>
-            <a:fillRect/>
-          </a:stretch>
-        </p:blipFill>
-        <p:spPr>
-          <a:xfrm>
-            <a:off x="0" y="1282508"/>
-            <a:ext cx="9144000" cy="3860992"/>
-          </a:xfrm>
-          <a:prstGeom prst="rect">
-            <a:avLst/>
-          </a:prstGeom>
-        </p:spPr>
-      </p:pic>
-      <p:sp>
-        <p:nvSpPr>
-          <p:cNvPr id="4" name="TextBox 3">
-            <a:extLst>
-              <a:ext uri="{FF2B5EF4-FFF2-40B4-BE49-F238E27FC236}">
-                <a16:creationId xmlns:a16="http://schemas.microsoft.com/office/drawing/2014/main" id="{CD6AB68E-AFB7-1B53-2419-1C44C1C8C809}"/>
-              </a:ext>
-            </a:extLst>
-          </p:cNvPr>
-          <p:cNvSpPr txBox="1"/>
-          <p:nvPr/>
-        </p:nvSpPr>
-        <p:spPr>
-          <a:xfrm>
-            <a:off x="4298950" y="2470150"/>
-            <a:ext cx="1212191" cy="461665"/>
+            <a:off x="175485" y="756618"/>
+            <a:ext cx="7678705" cy="461665"/>
           </a:xfrm>
           <a:prstGeom prst="rect">
             <a:avLst/>
@@ -15139,14 +15224,14 @@
             <a:r>
               <a:rPr lang="en-US" sz="2400" dirty="0">
                 <a:solidFill>
-                  <a:srgbClr val="B93A3A"/>
+                  <a:schemeClr val="bg1"/>
                 </a:solidFill>
               </a:rPr>
-              <a:t>53, 128</a:t>
+              <a:t>Number of Infant Death History from Year 2000 - 2017 </a:t>
             </a:r>
             <a:endParaRPr lang="en-PH" sz="2400" dirty="0">
               <a:solidFill>
-                <a:srgbClr val="B93A3A"/>
+                <a:schemeClr val="bg1"/>
               </a:solidFill>
             </a:endParaRPr>
           </a:p>
@@ -15155,99 +15240,13 @@
     </p:spTree>
     <p:extLst>
       <p:ext uri="{BB962C8B-B14F-4D97-AF65-F5344CB8AC3E}">
-        <p14:creationId xmlns:p14="http://schemas.microsoft.com/office/powerpoint/2010/main" val="4129398333"/>
+        <p14:creationId xmlns:p14="http://schemas.microsoft.com/office/powerpoint/2010/main" val="3293582924"/>
       </p:ext>
     </p:extLst>
   </p:cSld>
   <p:clrMapOvr>
     <a:masterClrMapping/>
   </p:clrMapOvr>
-  <p:timing>
-    <p:tnLst>
-      <p:par>
-        <p:cTn id="1" dur="indefinite" restart="never" nodeType="tmRoot">
-          <p:childTnLst>
-            <p:seq concurrent="1" nextAc="seek">
-              <p:cTn id="2" dur="indefinite" nodeType="mainSeq">
-                <p:childTnLst>
-                  <p:par>
-                    <p:cTn id="3" fill="hold">
-                      <p:stCondLst>
-                        <p:cond delay="indefinite"/>
-                      </p:stCondLst>
-                      <p:childTnLst>
-                        <p:par>
-                          <p:cTn id="4" fill="hold">
-                            <p:stCondLst>
-                              <p:cond delay="0"/>
-                            </p:stCondLst>
-                            <p:childTnLst>
-                              <p:par>
-                                <p:cTn id="5" presetID="10" presetClass="entr" presetSubtype="0" fill="hold" grpId="0" nodeType="clickEffect">
-                                  <p:stCondLst>
-                                    <p:cond delay="0"/>
-                                  </p:stCondLst>
-                                  <p:childTnLst>
-                                    <p:set>
-                                      <p:cBhvr>
-                                        <p:cTn id="6" dur="1" fill="hold">
-                                          <p:stCondLst>
-                                            <p:cond delay="0"/>
-                                          </p:stCondLst>
-                                        </p:cTn>
-                                        <p:tgtEl>
-                                          <p:spTgt spid="4"/>
-                                        </p:tgtEl>
-                                        <p:attrNameLst>
-                                          <p:attrName>style.visibility</p:attrName>
-                                        </p:attrNameLst>
-                                      </p:cBhvr>
-                                      <p:to>
-                                        <p:strVal val="visible"/>
-                                      </p:to>
-                                    </p:set>
-                                    <p:animEffect transition="in" filter="fade">
-                                      <p:cBhvr>
-                                        <p:cTn id="7" dur="500"/>
-                                        <p:tgtEl>
-                                          <p:spTgt spid="4"/>
-                                        </p:tgtEl>
-                                      </p:cBhvr>
-                                    </p:animEffect>
-                                  </p:childTnLst>
-                                </p:cTn>
-                              </p:par>
-                            </p:childTnLst>
-                          </p:cTn>
-                        </p:par>
-                      </p:childTnLst>
-                    </p:cTn>
-                  </p:par>
-                </p:childTnLst>
-              </p:cTn>
-              <p:prevCondLst>
-                <p:cond evt="onPrev" delay="0">
-                  <p:tgtEl>
-                    <p:sldTgt/>
-                  </p:tgtEl>
-                </p:cond>
-              </p:prevCondLst>
-              <p:nextCondLst>
-                <p:cond evt="onNext" delay="0">
-                  <p:tgtEl>
-                    <p:sldTgt/>
-                  </p:tgtEl>
-                </p:cond>
-              </p:nextCondLst>
-            </p:seq>
-          </p:childTnLst>
-        </p:cTn>
-      </p:par>
-    </p:tnLst>
-    <p:bldLst>
-      <p:bldP spid="4" grpId="0"/>
-    </p:bldLst>
-  </p:timing>
 </p:sld>
 </file>
 

--- a/Social Factor in the Philippines (PPT).pptx
+++ b/Social Factor in the Philippines (PPT).pptx
@@ -901,7 +901,7 @@
               </a:spcAft>
               <a:buNone/>
             </a:pPr>
-            <a:endParaRPr/>
+            <a:endParaRPr dirty="0"/>
           </a:p>
         </p:txBody>
       </p:sp>
@@ -9490,6 +9490,102 @@
           </a:prstGeom>
         </p:spPr>
       </p:pic>
+      <p:sp>
+        <p:nvSpPr>
+          <p:cNvPr id="2" name="Arrow: Right 1">
+            <a:extLst>
+              <a:ext uri="{FF2B5EF4-FFF2-40B4-BE49-F238E27FC236}">
+                <a16:creationId xmlns:a16="http://schemas.microsoft.com/office/drawing/2014/main" id="{ED3A5CA3-510E-5E67-C276-3EADDB4DACF3}"/>
+              </a:ext>
+            </a:extLst>
+          </p:cNvPr>
+          <p:cNvSpPr/>
+          <p:nvPr/>
+        </p:nvSpPr>
+        <p:spPr>
+          <a:xfrm>
+            <a:off x="2590800" y="1857375"/>
+            <a:ext cx="4572000" cy="333375"/>
+          </a:xfrm>
+          <a:prstGeom prst="rightArrow">
+            <a:avLst>
+              <a:gd name="adj1" fmla="val 40000"/>
+              <a:gd name="adj2" fmla="val 95714"/>
+            </a:avLst>
+          </a:prstGeom>
+          <a:solidFill>
+            <a:srgbClr val="FF0000"/>
+          </a:solidFill>
+        </p:spPr>
+        <p:style>
+          <a:lnRef idx="2">
+            <a:schemeClr val="accent1">
+              <a:shade val="50000"/>
+            </a:schemeClr>
+          </a:lnRef>
+          <a:fillRef idx="1">
+            <a:schemeClr val="accent1"/>
+          </a:fillRef>
+          <a:effectRef idx="0">
+            <a:schemeClr val="accent1"/>
+          </a:effectRef>
+          <a:fontRef idx="minor">
+            <a:schemeClr val="lt1"/>
+          </a:fontRef>
+        </p:style>
+        <p:txBody>
+          <a:bodyPr rtlCol="0" anchor="ctr"/>
+          <a:lstStyle/>
+          <a:p>
+            <a:pPr algn="ctr"/>
+            <a:endParaRPr lang="en-PH"/>
+          </a:p>
+        </p:txBody>
+      </p:sp>
+      <p:sp>
+        <p:nvSpPr>
+          <p:cNvPr id="4" name="TextBox 3">
+            <a:extLst>
+              <a:ext uri="{FF2B5EF4-FFF2-40B4-BE49-F238E27FC236}">
+                <a16:creationId xmlns:a16="http://schemas.microsoft.com/office/drawing/2014/main" id="{5B344431-D2EB-8BCC-044B-1B2517777589}"/>
+              </a:ext>
+            </a:extLst>
+          </p:cNvPr>
+          <p:cNvSpPr txBox="1"/>
+          <p:nvPr/>
+        </p:nvSpPr>
+        <p:spPr>
+          <a:xfrm>
+            <a:off x="4335332" y="1635162"/>
+            <a:ext cx="731290" cy="307777"/>
+          </a:xfrm>
+          <a:prstGeom prst="rect">
+            <a:avLst/>
+          </a:prstGeom>
+          <a:noFill/>
+        </p:spPr>
+        <p:txBody>
+          <a:bodyPr wrap="none" rtlCol="0">
+            <a:spAutoFit/>
+          </a:bodyPr>
+          <a:lstStyle/>
+          <a:p>
+            <a:r>
+              <a:rPr lang="en-US" dirty="0">
+                <a:solidFill>
+                  <a:srgbClr val="FF0000"/>
+                </a:solidFill>
+              </a:rPr>
+              <a:t>53,128</a:t>
+            </a:r>
+            <a:endParaRPr lang="en-PH" dirty="0">
+              <a:solidFill>
+                <a:srgbClr val="FF0000"/>
+              </a:solidFill>
+            </a:endParaRPr>
+          </a:p>
+        </p:txBody>
+      </p:sp>
     </p:spTree>
     <p:extLst>
       <p:ext uri="{BB962C8B-B14F-4D97-AF65-F5344CB8AC3E}">
@@ -9500,6 +9596,146 @@
   <p:clrMapOvr>
     <a:masterClrMapping/>
   </p:clrMapOvr>
+  <p:timing>
+    <p:tnLst>
+      <p:par>
+        <p:cTn id="1" dur="indefinite" restart="never" nodeType="tmRoot">
+          <p:childTnLst>
+            <p:seq concurrent="1" nextAc="seek">
+              <p:cTn id="2" dur="indefinite" nodeType="mainSeq">
+                <p:childTnLst>
+                  <p:par>
+                    <p:cTn id="3" fill="hold">
+                      <p:stCondLst>
+                        <p:cond delay="indefinite"/>
+                      </p:stCondLst>
+                      <p:childTnLst>
+                        <p:par>
+                          <p:cTn id="4" fill="hold">
+                            <p:stCondLst>
+                              <p:cond delay="0"/>
+                            </p:stCondLst>
+                            <p:childTnLst>
+                              <p:par>
+                                <p:cTn id="5" presetID="10" presetClass="entr" presetSubtype="0" fill="hold" grpId="0" nodeType="clickEffect">
+                                  <p:stCondLst>
+                                    <p:cond delay="0"/>
+                                  </p:stCondLst>
+                                  <p:childTnLst>
+                                    <p:set>
+                                      <p:cBhvr>
+                                        <p:cTn id="6" dur="1" fill="hold">
+                                          <p:stCondLst>
+                                            <p:cond delay="0"/>
+                                          </p:stCondLst>
+                                        </p:cTn>
+                                        <p:tgtEl>
+                                          <p:spTgt spid="2"/>
+                                        </p:tgtEl>
+                                        <p:attrNameLst>
+                                          <p:attrName>style.visibility</p:attrName>
+                                        </p:attrNameLst>
+                                      </p:cBhvr>
+                                      <p:to>
+                                        <p:strVal val="visible"/>
+                                      </p:to>
+                                    </p:set>
+                                    <p:animEffect transition="in" filter="fade">
+                                      <p:cBhvr>
+                                        <p:cTn id="7" dur="500"/>
+                                        <p:tgtEl>
+                                          <p:spTgt spid="2"/>
+                                        </p:tgtEl>
+                                      </p:cBhvr>
+                                    </p:animEffect>
+                                  </p:childTnLst>
+                                </p:cTn>
+                              </p:par>
+                            </p:childTnLst>
+                          </p:cTn>
+                        </p:par>
+                      </p:childTnLst>
+                    </p:cTn>
+                  </p:par>
+                  <p:par>
+                    <p:cTn id="8" fill="hold">
+                      <p:stCondLst>
+                        <p:cond delay="indefinite"/>
+                      </p:stCondLst>
+                      <p:childTnLst>
+                        <p:par>
+                          <p:cTn id="9" fill="hold">
+                            <p:stCondLst>
+                              <p:cond delay="0"/>
+                            </p:stCondLst>
+                            <p:childTnLst>
+                              <p:par>
+                                <p:cTn id="10" presetID="10" presetClass="entr" presetSubtype="0" fill="hold" grpId="0" nodeType="clickEffect">
+                                  <p:stCondLst>
+                                    <p:cond delay="0"/>
+                                  </p:stCondLst>
+                                  <p:childTnLst>
+                                    <p:set>
+                                      <p:cBhvr>
+                                        <p:cTn id="11" dur="1" fill="hold">
+                                          <p:stCondLst>
+                                            <p:cond delay="0"/>
+                                          </p:stCondLst>
+                                        </p:cTn>
+                                        <p:tgtEl>
+                                          <p:spTgt spid="4"/>
+                                        </p:tgtEl>
+                                        <p:attrNameLst>
+                                          <p:attrName>style.visibility</p:attrName>
+                                        </p:attrNameLst>
+                                      </p:cBhvr>
+                                      <p:to>
+                                        <p:strVal val="visible"/>
+                                      </p:to>
+                                    </p:set>
+                                    <p:animEffect transition="in" filter="fade">
+                                      <p:cBhvr>
+                                        <p:cTn id="12" dur="500"/>
+                                        <p:tgtEl>
+                                          <p:spTgt spid="4"/>
+                                        </p:tgtEl>
+                                      </p:cBhvr>
+                                    </p:animEffect>
+                                  </p:childTnLst>
+                                </p:cTn>
+                              </p:par>
+                            </p:childTnLst>
+                          </p:cTn>
+                        </p:par>
+                      </p:childTnLst>
+                    </p:cTn>
+                  </p:par>
+                </p:childTnLst>
+              </p:cTn>
+              <p:prevCondLst>
+                <p:cond evt="onPrev" delay="0">
+                  <p:tgtEl>
+                    <p:sldTgt/>
+                  </p:tgtEl>
+                </p:cond>
+              </p:prevCondLst>
+              <p:nextCondLst>
+                <p:cond evt="onNext" delay="0">
+                  <p:tgtEl>
+                    <p:sldTgt/>
+                  </p:tgtEl>
+                </p:cond>
+              </p:nextCondLst>
+            </p:seq>
+          </p:childTnLst>
+        </p:cTn>
+      </p:par>
+    </p:tnLst>
+    <p:bldLst>
+      <p:bldP spid="2" grpId="0" animBg="1"/>
+      <p:bldP spid="4" grpId="0"/>
+    </p:bldLst>
+  </p:timing>
 </p:sld>
 </file>
 
@@ -9912,6 +10148,102 @@
           </a:prstGeom>
         </p:spPr>
       </p:pic>
+      <p:sp>
+        <p:nvSpPr>
+          <p:cNvPr id="14" name="Arrow: Right 13">
+            <a:extLst>
+              <a:ext uri="{FF2B5EF4-FFF2-40B4-BE49-F238E27FC236}">
+                <a16:creationId xmlns:a16="http://schemas.microsoft.com/office/drawing/2014/main" id="{AFA660C6-16E0-8B8F-3D89-779E2FD94067}"/>
+              </a:ext>
+            </a:extLst>
+          </p:cNvPr>
+          <p:cNvSpPr/>
+          <p:nvPr/>
+        </p:nvSpPr>
+        <p:spPr>
+          <a:xfrm>
+            <a:off x="2698377" y="1868133"/>
+            <a:ext cx="4572000" cy="333375"/>
+          </a:xfrm>
+          <a:prstGeom prst="rightArrow">
+            <a:avLst>
+              <a:gd name="adj1" fmla="val 40000"/>
+              <a:gd name="adj2" fmla="val 95714"/>
+            </a:avLst>
+          </a:prstGeom>
+          <a:solidFill>
+            <a:srgbClr val="FF0000"/>
+          </a:solidFill>
+        </p:spPr>
+        <p:style>
+          <a:lnRef idx="2">
+            <a:schemeClr val="accent1">
+              <a:shade val="50000"/>
+            </a:schemeClr>
+          </a:lnRef>
+          <a:fillRef idx="1">
+            <a:schemeClr val="accent1"/>
+          </a:fillRef>
+          <a:effectRef idx="0">
+            <a:schemeClr val="accent1"/>
+          </a:effectRef>
+          <a:fontRef idx="minor">
+            <a:schemeClr val="lt1"/>
+          </a:fontRef>
+        </p:style>
+        <p:txBody>
+          <a:bodyPr rtlCol="0" anchor="ctr"/>
+          <a:lstStyle/>
+          <a:p>
+            <a:pPr algn="ctr"/>
+            <a:endParaRPr lang="en-PH"/>
+          </a:p>
+        </p:txBody>
+      </p:sp>
+      <p:sp>
+        <p:nvSpPr>
+          <p:cNvPr id="15" name="TextBox 14">
+            <a:extLst>
+              <a:ext uri="{FF2B5EF4-FFF2-40B4-BE49-F238E27FC236}">
+                <a16:creationId xmlns:a16="http://schemas.microsoft.com/office/drawing/2014/main" id="{EE58C166-AE6F-4FF9-A465-784DDCEFB24C}"/>
+              </a:ext>
+            </a:extLst>
+          </p:cNvPr>
+          <p:cNvSpPr txBox="1"/>
+          <p:nvPr/>
+        </p:nvSpPr>
+        <p:spPr>
+          <a:xfrm>
+            <a:off x="4572000" y="1642340"/>
+            <a:ext cx="780983" cy="307777"/>
+          </a:xfrm>
+          <a:prstGeom prst="rect">
+            <a:avLst/>
+          </a:prstGeom>
+          <a:noFill/>
+        </p:spPr>
+        <p:txBody>
+          <a:bodyPr wrap="none" rtlCol="0">
+            <a:spAutoFit/>
+          </a:bodyPr>
+          <a:lstStyle/>
+          <a:p>
+            <a:r>
+              <a:rPr lang="en-US" dirty="0">
+                <a:solidFill>
+                  <a:srgbClr val="FF0000"/>
+                </a:solidFill>
+              </a:rPr>
+              <a:t>86, 353</a:t>
+            </a:r>
+            <a:endParaRPr lang="en-PH" dirty="0">
+              <a:solidFill>
+                <a:srgbClr val="FF0000"/>
+              </a:solidFill>
+            </a:endParaRPr>
+          </a:p>
+        </p:txBody>
+      </p:sp>
     </p:spTree>
     <p:extLst>
       <p:ext uri="{BB962C8B-B14F-4D97-AF65-F5344CB8AC3E}">
@@ -9922,6 +10254,146 @@
   <p:clrMapOvr>
     <a:masterClrMapping/>
   </p:clrMapOvr>
+  <p:timing>
+    <p:tnLst>
+      <p:par>
+        <p:cTn id="1" dur="indefinite" restart="never" nodeType="tmRoot">
+          <p:childTnLst>
+            <p:seq concurrent="1" nextAc="seek">
+              <p:cTn id="2" dur="indefinite" nodeType="mainSeq">
+                <p:childTnLst>
+                  <p:par>
+                    <p:cTn id="3" fill="hold">
+                      <p:stCondLst>
+                        <p:cond delay="indefinite"/>
+                      </p:stCondLst>
+                      <p:childTnLst>
+                        <p:par>
+                          <p:cTn id="4" fill="hold">
+                            <p:stCondLst>
+                              <p:cond delay="0"/>
+                            </p:stCondLst>
+                            <p:childTnLst>
+                              <p:par>
+                                <p:cTn id="5" presetID="10" presetClass="entr" presetSubtype="0" fill="hold" grpId="0" nodeType="clickEffect">
+                                  <p:stCondLst>
+                                    <p:cond delay="0"/>
+                                  </p:stCondLst>
+                                  <p:childTnLst>
+                                    <p:set>
+                                      <p:cBhvr>
+                                        <p:cTn id="6" dur="1" fill="hold">
+                                          <p:stCondLst>
+                                            <p:cond delay="0"/>
+                                          </p:stCondLst>
+                                        </p:cTn>
+                                        <p:tgtEl>
+                                          <p:spTgt spid="14"/>
+                                        </p:tgtEl>
+                                        <p:attrNameLst>
+                                          <p:attrName>style.visibility</p:attrName>
+                                        </p:attrNameLst>
+                                      </p:cBhvr>
+                                      <p:to>
+                                        <p:strVal val="visible"/>
+                                      </p:to>
+                                    </p:set>
+                                    <p:animEffect transition="in" filter="fade">
+                                      <p:cBhvr>
+                                        <p:cTn id="7" dur="500"/>
+                                        <p:tgtEl>
+                                          <p:spTgt spid="14"/>
+                                        </p:tgtEl>
+                                      </p:cBhvr>
+                                    </p:animEffect>
+                                  </p:childTnLst>
+                                </p:cTn>
+                              </p:par>
+                            </p:childTnLst>
+                          </p:cTn>
+                        </p:par>
+                      </p:childTnLst>
+                    </p:cTn>
+                  </p:par>
+                  <p:par>
+                    <p:cTn id="8" fill="hold">
+                      <p:stCondLst>
+                        <p:cond delay="indefinite"/>
+                      </p:stCondLst>
+                      <p:childTnLst>
+                        <p:par>
+                          <p:cTn id="9" fill="hold">
+                            <p:stCondLst>
+                              <p:cond delay="0"/>
+                            </p:stCondLst>
+                            <p:childTnLst>
+                              <p:par>
+                                <p:cTn id="10" presetID="10" presetClass="entr" presetSubtype="0" fill="hold" grpId="0" nodeType="clickEffect">
+                                  <p:stCondLst>
+                                    <p:cond delay="0"/>
+                                  </p:stCondLst>
+                                  <p:childTnLst>
+                                    <p:set>
+                                      <p:cBhvr>
+                                        <p:cTn id="11" dur="1" fill="hold">
+                                          <p:stCondLst>
+                                            <p:cond delay="0"/>
+                                          </p:stCondLst>
+                                        </p:cTn>
+                                        <p:tgtEl>
+                                          <p:spTgt spid="15"/>
+                                        </p:tgtEl>
+                                        <p:attrNameLst>
+                                          <p:attrName>style.visibility</p:attrName>
+                                        </p:attrNameLst>
+                                      </p:cBhvr>
+                                      <p:to>
+                                        <p:strVal val="visible"/>
+                                      </p:to>
+                                    </p:set>
+                                    <p:animEffect transition="in" filter="fade">
+                                      <p:cBhvr>
+                                        <p:cTn id="12" dur="500"/>
+                                        <p:tgtEl>
+                                          <p:spTgt spid="15"/>
+                                        </p:tgtEl>
+                                      </p:cBhvr>
+                                    </p:animEffect>
+                                  </p:childTnLst>
+                                </p:cTn>
+                              </p:par>
+                            </p:childTnLst>
+                          </p:cTn>
+                        </p:par>
+                      </p:childTnLst>
+                    </p:cTn>
+                  </p:par>
+                </p:childTnLst>
+              </p:cTn>
+              <p:prevCondLst>
+                <p:cond evt="onPrev" delay="0">
+                  <p:tgtEl>
+                    <p:sldTgt/>
+                  </p:tgtEl>
+                </p:cond>
+              </p:prevCondLst>
+              <p:nextCondLst>
+                <p:cond evt="onNext" delay="0">
+                  <p:tgtEl>
+                    <p:sldTgt/>
+                  </p:tgtEl>
+                </p:cond>
+              </p:nextCondLst>
+            </p:seq>
+          </p:childTnLst>
+        </p:cTn>
+      </p:par>
+    </p:tnLst>
+    <p:bldLst>
+      <p:bldP spid="14" grpId="0" animBg="1"/>
+      <p:bldP spid="15" grpId="0"/>
+    </p:bldLst>
+  </p:timing>
 </p:sld>
 </file>
 
